--- a/sunumNew.pptx
+++ b/sunumNew.pptx
@@ -226,7 +226,7 @@
             <a:fld id="{412B4FB5-DB9C-408E-9DB4-4509C0792843}" type="datetimeFigureOut">
               <a:rPr lang="tr-TR" smtClean="0"/>
               <a:pPr/>
-              <a:t>03.05.2012</a:t>
+              <a:t>1/15/13</a:t>
             </a:fld>
             <a:endParaRPr lang="en-US" dirty="0"/>
           </a:p>
@@ -395,6 +395,11 @@
         </p:txBody>
       </p:sp>
     </p:spTree>
+    <p:extLst>
+      <p:ext uri="{BB962C8B-B14F-4D97-AF65-F5344CB8AC3E}">
+        <p14:creationId xmlns:p14="http://schemas.microsoft.com/office/powerpoint/2010/main" val="1728728690"/>
+      </p:ext>
+    </p:extLst>
   </p:cSld>
   <p:clrMap bg1="lt1" tx1="dk1" bg2="lt2" tx2="dk2" accent1="accent1" accent2="accent2" accent3="accent3" accent4="accent4" accent5="accent5" accent6="accent6" hlink="hlink" folHlink="folHlink"/>
   <p:notesStyle>
@@ -1116,7 +1121,7 @@
             <a:fld id="{34990BF1-3FBF-4FBC-A078-BCBD6928206A}" type="datetimeFigureOut">
               <a:rPr lang="tr-TR" smtClean="0"/>
               <a:pPr/>
-              <a:t>03.05.2012</a:t>
+              <a:t>1/15/13</a:t>
             </a:fld>
             <a:endParaRPr lang="en-US" dirty="0"/>
           </a:p>
@@ -1283,7 +1288,7 @@
             <a:fld id="{34990BF1-3FBF-4FBC-A078-BCBD6928206A}" type="datetimeFigureOut">
               <a:rPr lang="tr-TR" smtClean="0"/>
               <a:pPr/>
-              <a:t>03.05.2012</a:t>
+              <a:t>1/15/13</a:t>
             </a:fld>
             <a:endParaRPr lang="en-US" dirty="0"/>
           </a:p>
@@ -1460,7 +1465,7 @@
             <a:fld id="{34990BF1-3FBF-4FBC-A078-BCBD6928206A}" type="datetimeFigureOut">
               <a:rPr lang="tr-TR" smtClean="0"/>
               <a:pPr/>
-              <a:t>03.05.2012</a:t>
+              <a:t>1/15/13</a:t>
             </a:fld>
             <a:endParaRPr lang="en-US" dirty="0"/>
           </a:p>
@@ -1627,7 +1632,7 @@
             <a:fld id="{34990BF1-3FBF-4FBC-A078-BCBD6928206A}" type="datetimeFigureOut">
               <a:rPr lang="tr-TR" smtClean="0"/>
               <a:pPr/>
-              <a:t>03.05.2012</a:t>
+              <a:t>1/15/13</a:t>
             </a:fld>
             <a:endParaRPr lang="en-US" dirty="0"/>
           </a:p>
@@ -1870,7 +1875,7 @@
             <a:fld id="{34990BF1-3FBF-4FBC-A078-BCBD6928206A}" type="datetimeFigureOut">
               <a:rPr lang="tr-TR" smtClean="0"/>
               <a:pPr/>
-              <a:t>03.05.2012</a:t>
+              <a:t>1/15/13</a:t>
             </a:fld>
             <a:endParaRPr lang="en-US" dirty="0"/>
           </a:p>
@@ -2155,7 +2160,7 @@
             <a:fld id="{34990BF1-3FBF-4FBC-A078-BCBD6928206A}" type="datetimeFigureOut">
               <a:rPr lang="tr-TR" smtClean="0"/>
               <a:pPr/>
-              <a:t>03.05.2012</a:t>
+              <a:t>1/15/13</a:t>
             </a:fld>
             <a:endParaRPr lang="en-US" dirty="0"/>
           </a:p>
@@ -2574,7 +2579,7 @@
             <a:fld id="{34990BF1-3FBF-4FBC-A078-BCBD6928206A}" type="datetimeFigureOut">
               <a:rPr lang="tr-TR" smtClean="0"/>
               <a:pPr/>
-              <a:t>03.05.2012</a:t>
+              <a:t>1/15/13</a:t>
             </a:fld>
             <a:endParaRPr lang="en-US" dirty="0"/>
           </a:p>
@@ -2689,7 +2694,7 @@
             <a:fld id="{34990BF1-3FBF-4FBC-A078-BCBD6928206A}" type="datetimeFigureOut">
               <a:rPr lang="tr-TR" smtClean="0"/>
               <a:pPr/>
-              <a:t>03.05.2012</a:t>
+              <a:t>1/15/13</a:t>
             </a:fld>
             <a:endParaRPr lang="en-US" dirty="0"/>
           </a:p>
@@ -2781,7 +2786,7 @@
             <a:fld id="{34990BF1-3FBF-4FBC-A078-BCBD6928206A}" type="datetimeFigureOut">
               <a:rPr lang="tr-TR" smtClean="0"/>
               <a:pPr/>
-              <a:t>03.05.2012</a:t>
+              <a:t>1/15/13</a:t>
             </a:fld>
             <a:endParaRPr lang="en-US" dirty="0"/>
           </a:p>
@@ -3055,7 +3060,7 @@
             <a:fld id="{34990BF1-3FBF-4FBC-A078-BCBD6928206A}" type="datetimeFigureOut">
               <a:rPr lang="tr-TR" smtClean="0"/>
               <a:pPr/>
-              <a:t>03.05.2012</a:t>
+              <a:t>1/15/13</a:t>
             </a:fld>
             <a:endParaRPr lang="en-US" dirty="0"/>
           </a:p>
@@ -3305,7 +3310,7 @@
             <a:fld id="{34990BF1-3FBF-4FBC-A078-BCBD6928206A}" type="datetimeFigureOut">
               <a:rPr lang="tr-TR" smtClean="0"/>
               <a:pPr/>
-              <a:t>03.05.2012</a:t>
+              <a:t>1/15/13</a:t>
             </a:fld>
             <a:endParaRPr lang="en-US" dirty="0"/>
           </a:p>
@@ -3515,7 +3520,7 @@
             <a:fld id="{34990BF1-3FBF-4FBC-A078-BCBD6928206A}" type="datetimeFigureOut">
               <a:rPr lang="tr-TR" smtClean="0"/>
               <a:pPr/>
-              <a:t>03.05.2012</a:t>
+              <a:t>1/15/13</a:t>
             </a:fld>
             <a:endParaRPr lang="en-US" dirty="0"/>
           </a:p>
@@ -4130,7 +4135,7 @@
           <a:blip r:embed="rId2" cstate="print">
             <a:extLst>
               <a:ext uri="{28A0092B-C50C-407E-A947-70E740481C1C}">
-                <a14:useLocalDpi xmlns="" xmlns:a14="http://schemas.microsoft.com/office/drawing/2010/main" val="0"/>
+                <a14:useLocalDpi xmlns:a14="http://schemas.microsoft.com/office/drawing/2010/main" val="0"/>
               </a:ext>
             </a:extLst>
           </a:blip>
@@ -4230,7 +4235,7 @@
     </p:spTree>
     <p:extLst>
       <p:ext uri="{BB962C8B-B14F-4D97-AF65-F5344CB8AC3E}">
-        <p14:creationId xmlns="" xmlns:p14="http://schemas.microsoft.com/office/powerpoint/2010/main" val="145032901"/>
+        <p14:creationId xmlns:p14="http://schemas.microsoft.com/office/powerpoint/2010/main" val="145032901"/>
       </p:ext>
     </p:extLst>
   </p:cSld>
@@ -4240,7 +4245,7 @@
   <p:timing>
     <p:tnLst>
       <p:par>
-        <p:cTn id="1" dur="indefinite" restart="never" nodeType="tmRoot"/>
+        <p:cTn xmlns:p14="http://schemas.microsoft.com/office/powerpoint/2010/main" id="1" dur="indefinite" restart="never" nodeType="tmRoot"/>
       </p:par>
     </p:tnLst>
   </p:timing>
@@ -4293,7 +4298,13 @@
           <p:cNvGraphicFramePr>
             <a:graphicFrameLocks noChangeAspect="1"/>
           </p:cNvGraphicFramePr>
-          <p:nvPr/>
+          <p:nvPr>
+            <p:extLst>
+              <p:ext uri="{D42A27DB-BD31-4B8C-83A1-F6EECF244321}">
+                <p14:modId xmlns:p14="http://schemas.microsoft.com/office/powerpoint/2010/main" val="221201498"/>
+              </p:ext>
+            </p:extLst>
+          </p:nvPr>
         </p:nvGraphicFramePr>
         <p:xfrm>
           <a:off x="288925" y="1143000"/>
@@ -4301,9 +4312,59 @@
         </p:xfrm>
         <a:graphic>
           <a:graphicData uri="http://schemas.openxmlformats.org/presentationml/2006/ole">
-            <p:oleObj spid="_x0000_s2051" name="Document" r:id="rId3" imgW="5956844" imgH="3794717" progId="Word.Document.12">
-              <p:embed/>
-            </p:oleObj>
+            <mc:AlternateContent xmlns:mc="http://schemas.openxmlformats.org/markup-compatibility/2006">
+              <mc:Choice xmlns:v="urn:schemas-microsoft-com:vml" Requires="v">
+                <p:oleObj spid="_x0000_s2053" name="Document" r:id="rId3" imgW="5956844" imgH="3794717" progId="Word.Document.12">
+                  <p:embed/>
+                </p:oleObj>
+              </mc:Choice>
+              <mc:Fallback>
+                <p:oleObj name="Document" r:id="rId3" imgW="5956844" imgH="3794717" progId="Word.Document.12">
+                  <p:embed/>
+                  <p:pic>
+                    <p:nvPicPr>
+                      <p:cNvPr id="0" name="Picture 3"/>
+                      <p:cNvPicPr>
+                        <a:picLocks noChangeAspect="1" noChangeArrowheads="1"/>
+                      </p:cNvPicPr>
+                      <p:nvPr/>
+                    </p:nvPicPr>
+                    <p:blipFill>
+                      <a:blip r:embed="rId4">
+                        <a:extLst>
+                          <a:ext uri="{28A0092B-C50C-407E-A947-70E740481C1C}">
+                            <a14:useLocalDpi xmlns:a14="http://schemas.microsoft.com/office/drawing/2010/main" val="0"/>
+                          </a:ext>
+                        </a:extLst>
+                      </a:blip>
+                      <a:srcRect/>
+                      <a:stretch>
+                        <a:fillRect/>
+                      </a:stretch>
+                    </p:blipFill>
+                    <p:spPr bwMode="auto">
+                      <a:xfrm>
+                        <a:off x="288925" y="1143000"/>
+                        <a:ext cx="8367713" cy="5318125"/>
+                      </a:xfrm>
+                      <a:prstGeom prst="rect">
+                        <a:avLst/>
+                      </a:prstGeom>
+                      <a:noFill/>
+                      <a:extLst>
+                        <a:ext uri="{909E8E84-426E-40dd-AFC4-6F175D3DCCD1}">
+                          <a14:hiddenFill xmlns:a14="http://schemas.microsoft.com/office/drawing/2010/main">
+                            <a:solidFill>
+                              <a:srgbClr val="FFFFFF"/>
+                            </a:solidFill>
+                          </a14:hiddenFill>
+                        </a:ext>
+                      </a:extLst>
+                    </p:spPr>
+                  </p:pic>
+                </p:oleObj>
+              </mc:Fallback>
+            </mc:AlternateContent>
           </a:graphicData>
         </a:graphic>
       </p:graphicFrame>
@@ -4315,7 +4376,7 @@
   <p:timing>
     <p:tnLst>
       <p:par>
-        <p:cTn id="1" dur="indefinite" restart="never" nodeType="tmRoot"/>
+        <p:cTn xmlns:p14="http://schemas.microsoft.com/office/powerpoint/2010/main" id="1" dur="indefinite" restart="never" nodeType="tmRoot"/>
       </p:par>
     </p:tnLst>
   </p:timing>
@@ -4399,7 +4460,7 @@
   <p:timing>
     <p:tnLst>
       <p:par>
-        <p:cTn id="1" dur="indefinite" restart="never" nodeType="tmRoot"/>
+        <p:cTn xmlns:p14="http://schemas.microsoft.com/office/powerpoint/2010/main" id="1" dur="indefinite" restart="never" nodeType="tmRoot"/>
       </p:par>
     </p:tnLst>
   </p:timing>
@@ -6272,7 +6333,7 @@
     </p:spTree>
     <p:extLst>
       <p:ext uri="{BB962C8B-B14F-4D97-AF65-F5344CB8AC3E}">
-        <p14:creationId xmlns="" xmlns:p14="http://schemas.microsoft.com/office/powerpoint/2010/main" val="2774399580"/>
+        <p14:creationId xmlns:p14="http://schemas.microsoft.com/office/powerpoint/2010/main" val="2774399580"/>
       </p:ext>
     </p:extLst>
   </p:cSld>
@@ -6282,7 +6343,7 @@
   <p:timing>
     <p:tnLst>
       <p:par>
-        <p:cTn id="1" dur="indefinite" restart="never" nodeType="tmRoot"/>
+        <p:cTn xmlns:p14="http://schemas.microsoft.com/office/powerpoint/2010/main" id="1" dur="indefinite" restart="never" nodeType="tmRoot"/>
       </p:par>
     </p:tnLst>
   </p:timing>
@@ -6958,7 +7019,7 @@
     </p:spTree>
     <p:extLst>
       <p:ext uri="{BB962C8B-B14F-4D97-AF65-F5344CB8AC3E}">
-        <p14:creationId xmlns="" xmlns:p14="http://schemas.microsoft.com/office/powerpoint/2010/main" val="4140221233"/>
+        <p14:creationId xmlns:p14="http://schemas.microsoft.com/office/powerpoint/2010/main" val="4140221233"/>
       </p:ext>
     </p:extLst>
   </p:cSld>
@@ -6968,7 +7029,7 @@
   <p:timing>
     <p:tnLst>
       <p:par>
-        <p:cTn id="1" dur="indefinite" restart="never" nodeType="tmRoot"/>
+        <p:cTn xmlns:p14="http://schemas.microsoft.com/office/powerpoint/2010/main" id="1" dur="indefinite" restart="never" nodeType="tmRoot"/>
       </p:par>
     </p:tnLst>
   </p:timing>
@@ -7361,32 +7422,17 @@
             <a:pPr lvl="1"/>
             <a:r>
               <a:rPr lang="en-US" noProof="0" dirty="0" smtClean="0"/>
-              <a:t>Deliverable</a:t>
-            </a:r>
-            <a:r>
-              <a:rPr lang="tr-TR" noProof="0" dirty="0" smtClean="0"/>
-              <a:t>s</a:t>
+              <a:t>Simulation Results and </a:t>
             </a:r>
             <a:r>
               <a:rPr lang="en-US" noProof="0" dirty="0" smtClean="0"/>
-              <a:t> </a:t>
-            </a:r>
-            <a:r>
-              <a:rPr lang="tr-TR" noProof="0" dirty="0" smtClean="0"/>
-              <a:t>2</a:t>
+              <a:t>Performance </a:t>
             </a:r>
             <a:r>
               <a:rPr lang="en-US" noProof="0" dirty="0" smtClean="0"/>
-              <a:t> and </a:t>
-            </a:r>
-            <a:r>
-              <a:rPr lang="tr-TR" noProof="0" dirty="0" smtClean="0"/>
-              <a:t>3</a:t>
-            </a:r>
-            <a:r>
-              <a:rPr lang="en-US" noProof="0" dirty="0" smtClean="0"/>
-              <a:t>: Simulation Codes and Performance Evaluation Report</a:t>
-            </a:r>
+              <a:t>Evaluation</a:t>
+            </a:r>
+            <a:endParaRPr lang="en-US" noProof="0" dirty="0" smtClean="0"/>
           </a:p>
         </p:txBody>
       </p:sp>
@@ -7422,7 +7468,7 @@
   <p:timing>
     <p:tnLst>
       <p:par>
-        <p:cTn id="1" dur="indefinite" restart="never" nodeType="tmRoot"/>
+        <p:cTn xmlns:p14="http://schemas.microsoft.com/office/powerpoint/2010/main" id="1" dur="indefinite" restart="never" nodeType="tmRoot"/>
       </p:par>
     </p:tnLst>
   </p:timing>
@@ -7503,7 +7549,13 @@
           <p:cNvGraphicFramePr>
             <a:graphicFrameLocks noGrp="1"/>
           </p:cNvGraphicFramePr>
-          <p:nvPr/>
+          <p:nvPr>
+            <p:extLst>
+              <p:ext uri="{D42A27DB-BD31-4B8C-83A1-F6EECF244321}">
+                <p14:modId xmlns:p14="http://schemas.microsoft.com/office/powerpoint/2010/main" val="3351597261"/>
+              </p:ext>
+            </p:extLst>
+          </p:nvPr>
         </p:nvGraphicFramePr>
         <p:xfrm>
           <a:off x="683568" y="1412776"/>
@@ -8363,7 +8415,7 @@
       </p:graphicFrame>
       <p:pic>
         <p:nvPicPr>
-          <p:cNvPr id="6156" name="Picture 2" descr="phone"/>
+          <p:cNvPr id="6154" name="Picture 4" descr="cloudWithoutDots"/>
           <p:cNvPicPr>
             <a:picLocks noChangeAspect="1" noChangeArrowheads="1"/>
           </p:cNvPicPr>
@@ -8371,58 +8423,6 @@
         </p:nvPicPr>
         <p:blipFill>
           <a:blip r:embed="rId3" cstate="print"/>
-          <a:srcRect/>
-          <a:stretch>
-            <a:fillRect/>
-          </a:stretch>
-        </p:blipFill>
-        <p:spPr bwMode="auto">
-          <a:xfrm>
-            <a:off x="1187624" y="1556792"/>
-            <a:ext cx="288032" cy="360040"/>
-          </a:xfrm>
-          <a:prstGeom prst="rect">
-            <a:avLst/>
-          </a:prstGeom>
-          <a:noFill/>
-        </p:spPr>
-      </p:pic>
-      <p:pic>
-        <p:nvPicPr>
-          <p:cNvPr id="6155" name="Picture 3" descr="accessPoint"/>
-          <p:cNvPicPr>
-            <a:picLocks noChangeAspect="1" noChangeArrowheads="1"/>
-          </p:cNvPicPr>
-          <p:nvPr/>
-        </p:nvPicPr>
-        <p:blipFill>
-          <a:blip r:embed="rId4" cstate="print"/>
-          <a:srcRect/>
-          <a:stretch>
-            <a:fillRect/>
-          </a:stretch>
-        </p:blipFill>
-        <p:spPr bwMode="auto">
-          <a:xfrm>
-            <a:off x="1115616" y="2204864"/>
-            <a:ext cx="360040" cy="446450"/>
-          </a:xfrm>
-          <a:prstGeom prst="rect">
-            <a:avLst/>
-          </a:prstGeom>
-          <a:noFill/>
-        </p:spPr>
-      </p:pic>
-      <p:pic>
-        <p:nvPicPr>
-          <p:cNvPr id="6154" name="Picture 4" descr="cloudWithoutDots"/>
-          <p:cNvPicPr>
-            <a:picLocks noChangeAspect="1" noChangeArrowheads="1"/>
-          </p:cNvPicPr>
-          <p:nvPr/>
-        </p:nvPicPr>
-        <p:blipFill>
-          <a:blip r:embed="rId5" cstate="print"/>
           <a:srcRect/>
           <a:stretch>
             <a:fillRect/>
@@ -8441,10 +8441,68 @@
       </p:pic>
       <p:pic>
         <p:nvPicPr>
-          <p:cNvPr id="6153" name="Picture 5" descr="gateway"/>
-          <p:cNvPicPr>
-            <a:picLocks noChangeAspect="1" noChangeArrowheads="1"/>
-          </p:cNvPicPr>
+          <p:cNvPr id="11" name="Picture 10" descr="C:\Users\Public\Pictures\client.png"/>
+          <p:cNvPicPr/>
+          <p:nvPr/>
+        </p:nvPicPr>
+        <p:blipFill>
+          <a:blip r:embed="rId4" cstate="print"/>
+          <a:srcRect/>
+          <a:stretch>
+            <a:fillRect/>
+          </a:stretch>
+        </p:blipFill>
+        <p:spPr bwMode="auto">
+          <a:xfrm>
+            <a:off x="1115616" y="1556792"/>
+            <a:ext cx="276225" cy="295275"/>
+          </a:xfrm>
+          <a:prstGeom prst="rect">
+            <a:avLst/>
+          </a:prstGeom>
+          <a:noFill/>
+          <a:ln w="9525">
+            <a:noFill/>
+            <a:miter lim="800000"/>
+            <a:headEnd/>
+            <a:tailEnd/>
+          </a:ln>
+        </p:spPr>
+      </p:pic>
+      <p:pic>
+        <p:nvPicPr>
+          <p:cNvPr id="12" name="Picture 11" descr="C:\Users\Public\Pictures\ap.png"/>
+          <p:cNvPicPr/>
+          <p:nvPr/>
+        </p:nvPicPr>
+        <p:blipFill>
+          <a:blip r:embed="rId5" cstate="print"/>
+          <a:srcRect/>
+          <a:stretch>
+            <a:fillRect/>
+          </a:stretch>
+        </p:blipFill>
+        <p:spPr bwMode="auto">
+          <a:xfrm>
+            <a:off x="1043608" y="2276872"/>
+            <a:ext cx="466725" cy="352425"/>
+          </a:xfrm>
+          <a:prstGeom prst="rect">
+            <a:avLst/>
+          </a:prstGeom>
+          <a:noFill/>
+          <a:ln w="9525">
+            <a:noFill/>
+            <a:miter lim="800000"/>
+            <a:headEnd/>
+            <a:tailEnd/>
+          </a:ln>
+        </p:spPr>
+      </p:pic>
+      <p:pic>
+        <p:nvPicPr>
+          <p:cNvPr id="14" name="Picture 13" descr="C:\Users\Public\Pictures\gateway.png"/>
+          <p:cNvPicPr/>
           <p:nvPr/>
         </p:nvPicPr>
         <p:blipFill>
@@ -8456,21 +8514,25 @@
         </p:blipFill>
         <p:spPr bwMode="auto">
           <a:xfrm>
-            <a:off x="1043608" y="3789040"/>
-            <a:ext cx="293366" cy="360040"/>
+            <a:off x="1043608" y="3933056"/>
+            <a:ext cx="438150" cy="266065"/>
           </a:xfrm>
           <a:prstGeom prst="rect">
             <a:avLst/>
           </a:prstGeom>
           <a:noFill/>
+          <a:ln w="9525">
+            <a:noFill/>
+            <a:miter lim="800000"/>
+            <a:headEnd/>
+            <a:tailEnd/>
+          </a:ln>
         </p:spPr>
       </p:pic>
       <p:pic>
         <p:nvPicPr>
-          <p:cNvPr id="6152" name="Picture 6" descr="operator"/>
-          <p:cNvPicPr>
-            <a:picLocks noChangeAspect="1" noChangeArrowheads="1"/>
-          </p:cNvPicPr>
+          <p:cNvPr id="15" name="Picture 14" descr="C:\Users\Public\Pictures\operator.png"/>
+          <p:cNvPicPr/>
           <p:nvPr/>
         </p:nvPicPr>
         <p:blipFill>
@@ -8482,25 +8544,29 @@
         </p:blipFill>
         <p:spPr bwMode="auto">
           <a:xfrm>
-            <a:off x="1043608" y="4581128"/>
-            <a:ext cx="360040" cy="438310"/>
+            <a:off x="1187624" y="4581128"/>
+            <a:ext cx="183515" cy="400050"/>
           </a:xfrm>
           <a:prstGeom prst="rect">
             <a:avLst/>
           </a:prstGeom>
           <a:noFill/>
+          <a:ln w="9525">
+            <a:noFill/>
+            <a:miter lim="800000"/>
+            <a:headEnd/>
+            <a:tailEnd/>
+          </a:ln>
         </p:spPr>
       </p:pic>
       <p:pic>
         <p:nvPicPr>
-          <p:cNvPr id="6151" name="Picture 7" descr="trustedThirdParty"/>
-          <p:cNvPicPr>
-            <a:picLocks noChangeAspect="1" noChangeArrowheads="1"/>
-          </p:cNvPicPr>
+          <p:cNvPr id="16" name="Picture 15" descr="C:\Users\SUUSER\Documents\GitHub\worddoc\thesisImages\ttp.png"/>
+          <p:cNvPicPr/>
           <p:nvPr/>
         </p:nvPicPr>
         <p:blipFill>
-          <a:blip r:embed="rId8" cstate="print"/>
+          <a:blip r:embed="rId8"/>
           <a:srcRect/>
           <a:stretch>
             <a:fillRect/>
@@ -8508,19 +8574,25 @@
         </p:blipFill>
         <p:spPr bwMode="auto">
           <a:xfrm>
-            <a:off x="1043607" y="5229200"/>
-            <a:ext cx="458233" cy="360040"/>
+            <a:off x="971600" y="5229200"/>
+            <a:ext cx="548640" cy="580390"/>
           </a:xfrm>
           <a:prstGeom prst="rect">
             <a:avLst/>
           </a:prstGeom>
           <a:noFill/>
+          <a:ln w="9525">
+            <a:noFill/>
+            <a:miter lim="800000"/>
+            <a:headEnd/>
+            <a:tailEnd/>
+          </a:ln>
         </p:spPr>
       </p:pic>
     </p:spTree>
     <p:extLst>
       <p:ext uri="{BB962C8B-B14F-4D97-AF65-F5344CB8AC3E}">
-        <p14:creationId xmlns="" xmlns:p14="http://schemas.microsoft.com/office/powerpoint/2010/main" val="3622709671"/>
+        <p14:creationId xmlns:p14="http://schemas.microsoft.com/office/powerpoint/2010/main" val="3622709671"/>
       </p:ext>
     </p:extLst>
   </p:cSld>
@@ -8530,7 +8602,7 @@
   <p:timing>
     <p:tnLst>
       <p:par>
-        <p:cTn id="1" dur="indefinite" restart="never" nodeType="tmRoot"/>
+        <p:cTn xmlns:p14="http://schemas.microsoft.com/office/powerpoint/2010/main" id="1" dur="indefinite" restart="never" nodeType="tmRoot"/>
       </p:par>
     </p:tnLst>
   </p:timing>
@@ -8657,7 +8729,7 @@
   <p:timing>
     <p:tnLst>
       <p:par>
-        <p:cTn id="1" dur="indefinite" restart="never" nodeType="tmRoot"/>
+        <p:cTn xmlns:p14="http://schemas.microsoft.com/office/powerpoint/2010/main" id="1" dur="indefinite" restart="never" nodeType="tmRoot"/>
       </p:par>
     </p:tnLst>
   </p:timing>
@@ -8923,7 +8995,7 @@
   <p:timing>
     <p:tnLst>
       <p:par>
-        <p:cTn id="1" dur="indefinite" restart="never" nodeType="tmRoot"/>
+        <p:cTn xmlns:p14="http://schemas.microsoft.com/office/powerpoint/2010/main" id="1" dur="indefinite" restart="never" nodeType="tmRoot"/>
       </p:par>
     </p:tnLst>
   </p:timing>
@@ -9013,7 +9085,7 @@
   <p:timing>
     <p:tnLst>
       <p:par>
-        <p:cTn id="1" dur="indefinite" restart="never" nodeType="tmRoot"/>
+        <p:cTn xmlns:p14="http://schemas.microsoft.com/office/powerpoint/2010/main" id="1" dur="indefinite" restart="never" nodeType="tmRoot"/>
       </p:par>
     </p:tnLst>
   </p:timing>

--- a/sunumNew.pptx
+++ b/sunumNew.pptx
@@ -5,7 +5,7 @@
     <p:sldMasterId id="2147483648" r:id="rId1"/>
   </p:sldMasterIdLst>
   <p:notesMasterIdLst>
-    <p:notesMasterId r:id="rId36"/>
+    <p:notesMasterId r:id="rId62"/>
   </p:notesMasterIdLst>
   <p:sldIdLst>
     <p:sldId id="257" r:id="rId2"/>
@@ -20,28 +20,54 @@
     <p:sldId id="266" r:id="rId11"/>
     <p:sldId id="267" r:id="rId12"/>
     <p:sldId id="268" r:id="rId13"/>
-    <p:sldId id="269" r:id="rId14"/>
-    <p:sldId id="270" r:id="rId15"/>
-    <p:sldId id="271" r:id="rId16"/>
-    <p:sldId id="272" r:id="rId17"/>
-    <p:sldId id="273" r:id="rId18"/>
-    <p:sldId id="274" r:id="rId19"/>
-    <p:sldId id="275" r:id="rId20"/>
-    <p:sldId id="276" r:id="rId21"/>
-    <p:sldId id="280" r:id="rId22"/>
-    <p:sldId id="283" r:id="rId23"/>
-    <p:sldId id="284" r:id="rId24"/>
-    <p:sldId id="285" r:id="rId25"/>
-    <p:sldId id="286" r:id="rId26"/>
-    <p:sldId id="288" r:id="rId27"/>
-    <p:sldId id="289" r:id="rId28"/>
-    <p:sldId id="297" r:id="rId29"/>
-    <p:sldId id="290" r:id="rId30"/>
-    <p:sldId id="291" r:id="rId31"/>
-    <p:sldId id="292" r:id="rId32"/>
-    <p:sldId id="293" r:id="rId33"/>
-    <p:sldId id="294" r:id="rId34"/>
-    <p:sldId id="295" r:id="rId35"/>
+    <p:sldId id="271" r:id="rId14"/>
+    <p:sldId id="272" r:id="rId15"/>
+    <p:sldId id="273" r:id="rId16"/>
+    <p:sldId id="274" r:id="rId17"/>
+    <p:sldId id="275" r:id="rId18"/>
+    <p:sldId id="299" r:id="rId19"/>
+    <p:sldId id="276" r:id="rId20"/>
+    <p:sldId id="298" r:id="rId21"/>
+    <p:sldId id="300" r:id="rId22"/>
+    <p:sldId id="280" r:id="rId23"/>
+    <p:sldId id="301" r:id="rId24"/>
+    <p:sldId id="302" r:id="rId25"/>
+    <p:sldId id="283" r:id="rId26"/>
+    <p:sldId id="284" r:id="rId27"/>
+    <p:sldId id="285" r:id="rId28"/>
+    <p:sldId id="286" r:id="rId29"/>
+    <p:sldId id="303" r:id="rId30"/>
+    <p:sldId id="304" r:id="rId31"/>
+    <p:sldId id="305" r:id="rId32"/>
+    <p:sldId id="306" r:id="rId33"/>
+    <p:sldId id="307" r:id="rId34"/>
+    <p:sldId id="308" r:id="rId35"/>
+    <p:sldId id="309" r:id="rId36"/>
+    <p:sldId id="310" r:id="rId37"/>
+    <p:sldId id="311" r:id="rId38"/>
+    <p:sldId id="312" r:id="rId39"/>
+    <p:sldId id="313" r:id="rId40"/>
+    <p:sldId id="314" r:id="rId41"/>
+    <p:sldId id="315" r:id="rId42"/>
+    <p:sldId id="316" r:id="rId43"/>
+    <p:sldId id="317" r:id="rId44"/>
+    <p:sldId id="318" r:id="rId45"/>
+    <p:sldId id="319" r:id="rId46"/>
+    <p:sldId id="320" r:id="rId47"/>
+    <p:sldId id="321" r:id="rId48"/>
+    <p:sldId id="322" r:id="rId49"/>
+    <p:sldId id="323" r:id="rId50"/>
+    <p:sldId id="324" r:id="rId51"/>
+    <p:sldId id="325" r:id="rId52"/>
+    <p:sldId id="326" r:id="rId53"/>
+    <p:sldId id="327" r:id="rId54"/>
+    <p:sldId id="328" r:id="rId55"/>
+    <p:sldId id="329" r:id="rId56"/>
+    <p:sldId id="330" r:id="rId57"/>
+    <p:sldId id="331" r:id="rId58"/>
+    <p:sldId id="332" r:id="rId59"/>
+    <p:sldId id="333" r:id="rId60"/>
+    <p:sldId id="295" r:id="rId61"/>
   </p:sldIdLst>
   <p:sldSz cx="9144000" cy="6858000" type="screen4x3"/>
   <p:notesSz cx="6858000" cy="9144000"/>
@@ -226,7 +252,7 @@
             <a:fld id="{412B4FB5-DB9C-408E-9DB4-4509C0792843}" type="datetimeFigureOut">
               <a:rPr lang="tr-TR" smtClean="0"/>
               <a:pPr/>
-              <a:t>1/15/13</a:t>
+              <a:t>15.01.2013</a:t>
             </a:fld>
             <a:endParaRPr lang="en-US" dirty="0"/>
           </a:p>
@@ -397,7 +423,7 @@
     </p:spTree>
     <p:extLst>
       <p:ext uri="{BB962C8B-B14F-4D97-AF65-F5344CB8AC3E}">
-        <p14:creationId xmlns:p14="http://schemas.microsoft.com/office/powerpoint/2010/main" val="1728728690"/>
+        <p14:creationId xmlns:p14="http://schemas.microsoft.com/office/powerpoint/2010/main" xmlns="" val="1728728690"/>
       </p:ext>
     </p:extLst>
   </p:cSld>
@@ -579,366 +605,6 @@
 </p:notes>
 </file>
 
-<file path=ppt/notesSlides/notesSlide2.xml><?xml version="1.0" encoding="utf-8"?>
-<p:notes xmlns:a="http://schemas.openxmlformats.org/drawingml/2006/main" xmlns:r="http://schemas.openxmlformats.org/officeDocument/2006/relationships" xmlns:p="http://schemas.openxmlformats.org/presentationml/2006/main">
-  <p:cSld>
-    <p:spTree>
-      <p:nvGrpSpPr>
-        <p:cNvPr id="1" name=""/>
-        <p:cNvGrpSpPr/>
-        <p:nvPr/>
-      </p:nvGrpSpPr>
-      <p:grpSpPr>
-        <a:xfrm>
-          <a:off x="0" y="0"/>
-          <a:ext cx="0" cy="0"/>
-          <a:chOff x="0" y="0"/>
-          <a:chExt cx="0" cy="0"/>
-        </a:xfrm>
-      </p:grpSpPr>
-      <p:sp>
-        <p:nvSpPr>
-          <p:cNvPr id="2" name="Slide Image Placeholder 1"/>
-          <p:cNvSpPr>
-            <a:spLocks noGrp="1" noRot="1" noChangeAspect="1"/>
-          </p:cNvSpPr>
-          <p:nvPr>
-            <p:ph type="sldImg"/>
-          </p:nvPr>
-        </p:nvSpPr>
-        <p:spPr/>
-      </p:sp>
-      <p:sp>
-        <p:nvSpPr>
-          <p:cNvPr id="3" name="Notes Placeholder 2"/>
-          <p:cNvSpPr>
-            <a:spLocks noGrp="1"/>
-          </p:cNvSpPr>
-          <p:nvPr>
-            <p:ph type="body" idx="1"/>
-          </p:nvPr>
-        </p:nvSpPr>
-        <p:spPr/>
-        <p:txBody>
-          <a:bodyPr>
-            <a:normAutofit/>
-          </a:bodyPr>
-          <a:lstStyle/>
-          <a:p>
-            <a:r>
-              <a:rPr lang="tr-TR" dirty="0" smtClean="0"/>
-              <a:t>Diğer clientlar traffic yaratmıyorlar. Tek bir client 0.5 saniye aralıklarla</a:t>
-            </a:r>
-            <a:r>
-              <a:rPr lang="tr-TR" baseline="0" dirty="0" smtClean="0"/>
-              <a:t> ttp’ye connection request gönderip response geri alıyor.</a:t>
-            </a:r>
-            <a:endParaRPr lang="en-US" dirty="0"/>
-          </a:p>
-        </p:txBody>
-      </p:sp>
-      <p:sp>
-        <p:nvSpPr>
-          <p:cNvPr id="4" name="Slide Number Placeholder 3"/>
-          <p:cNvSpPr>
-            <a:spLocks noGrp="1"/>
-          </p:cNvSpPr>
-          <p:nvPr>
-            <p:ph type="sldNum" sz="quarter" idx="10"/>
-          </p:nvPr>
-        </p:nvSpPr>
-        <p:spPr/>
-        <p:txBody>
-          <a:bodyPr/>
-          <a:lstStyle/>
-          <a:p>
-            <a:fld id="{A1EAFB59-DC4D-4EED-85F4-1C64D3038115}" type="slidenum">
-              <a:rPr lang="en-US" smtClean="0"/>
-              <a:pPr/>
-              <a:t>30</a:t>
-            </a:fld>
-            <a:endParaRPr lang="en-US" dirty="0"/>
-          </a:p>
-        </p:txBody>
-      </p:sp>
-    </p:spTree>
-  </p:cSld>
-  <p:clrMapOvr>
-    <a:masterClrMapping/>
-  </p:clrMapOvr>
-</p:notes>
-</file>
-
-<file path=ppt/notesSlides/notesSlide3.xml><?xml version="1.0" encoding="utf-8"?>
-<p:notes xmlns:a="http://schemas.openxmlformats.org/drawingml/2006/main" xmlns:r="http://schemas.openxmlformats.org/officeDocument/2006/relationships" xmlns:p="http://schemas.openxmlformats.org/presentationml/2006/main">
-  <p:cSld>
-    <p:spTree>
-      <p:nvGrpSpPr>
-        <p:cNvPr id="1" name=""/>
-        <p:cNvGrpSpPr/>
-        <p:nvPr/>
-      </p:nvGrpSpPr>
-      <p:grpSpPr>
-        <a:xfrm>
-          <a:off x="0" y="0"/>
-          <a:ext cx="0" cy="0"/>
-          <a:chOff x="0" y="0"/>
-          <a:chExt cx="0" cy="0"/>
-        </a:xfrm>
-      </p:grpSpPr>
-      <p:sp>
-        <p:nvSpPr>
-          <p:cNvPr id="2" name="Slide Image Placeholder 1"/>
-          <p:cNvSpPr>
-            <a:spLocks noGrp="1" noRot="1" noChangeAspect="1"/>
-          </p:cNvSpPr>
-          <p:nvPr>
-            <p:ph type="sldImg"/>
-          </p:nvPr>
-        </p:nvSpPr>
-        <p:spPr/>
-      </p:sp>
-      <p:sp>
-        <p:nvSpPr>
-          <p:cNvPr id="3" name="Notes Placeholder 2"/>
-          <p:cNvSpPr>
-            <a:spLocks noGrp="1"/>
-          </p:cNvSpPr>
-          <p:nvPr>
-            <p:ph type="body" idx="1"/>
-          </p:nvPr>
-        </p:nvSpPr>
-        <p:spPr/>
-        <p:txBody>
-          <a:bodyPr>
-            <a:normAutofit/>
-          </a:bodyPr>
-          <a:lstStyle/>
-          <a:p>
-            <a:r>
-              <a:rPr lang="tr-TR" dirty="0" smtClean="0"/>
-              <a:t>En başta</a:t>
-            </a:r>
-            <a:r>
-              <a:rPr lang="tr-TR" baseline="0" dirty="0" smtClean="0"/>
-              <a:t> access point authentication protokolü çalıştırılıyor, daha sonra her 0.5 saniyede bir packet atılıyor access pointe.</a:t>
-            </a:r>
-            <a:endParaRPr lang="en-US" dirty="0"/>
-          </a:p>
-        </p:txBody>
-      </p:sp>
-      <p:sp>
-        <p:nvSpPr>
-          <p:cNvPr id="4" name="Slide Number Placeholder 3"/>
-          <p:cNvSpPr>
-            <a:spLocks noGrp="1"/>
-          </p:cNvSpPr>
-          <p:nvPr>
-            <p:ph type="sldNum" sz="quarter" idx="10"/>
-          </p:nvPr>
-        </p:nvSpPr>
-        <p:spPr/>
-        <p:txBody>
-          <a:bodyPr/>
-          <a:lstStyle/>
-          <a:p>
-            <a:fld id="{A1EAFB59-DC4D-4EED-85F4-1C64D3038115}" type="slidenum">
-              <a:rPr lang="en-US" smtClean="0"/>
-              <a:pPr/>
-              <a:t>31</a:t>
-            </a:fld>
-            <a:endParaRPr lang="en-US" dirty="0"/>
-          </a:p>
-        </p:txBody>
-      </p:sp>
-    </p:spTree>
-  </p:cSld>
-  <p:clrMapOvr>
-    <a:masterClrMapping/>
-  </p:clrMapOvr>
-</p:notes>
-</file>
-
-<file path=ppt/notesSlides/notesSlide4.xml><?xml version="1.0" encoding="utf-8"?>
-<p:notes xmlns:a="http://schemas.openxmlformats.org/drawingml/2006/main" xmlns:r="http://schemas.openxmlformats.org/officeDocument/2006/relationships" xmlns:p="http://schemas.openxmlformats.org/presentationml/2006/main">
-  <p:cSld>
-    <p:spTree>
-      <p:nvGrpSpPr>
-        <p:cNvPr id="1" name=""/>
-        <p:cNvGrpSpPr/>
-        <p:nvPr/>
-      </p:nvGrpSpPr>
-      <p:grpSpPr>
-        <a:xfrm>
-          <a:off x="0" y="0"/>
-          <a:ext cx="0" cy="0"/>
-          <a:chOff x="0" y="0"/>
-          <a:chExt cx="0" cy="0"/>
-        </a:xfrm>
-      </p:grpSpPr>
-      <p:sp>
-        <p:nvSpPr>
-          <p:cNvPr id="2" name="Slide Image Placeholder 1"/>
-          <p:cNvSpPr>
-            <a:spLocks noGrp="1" noRot="1" noChangeAspect="1"/>
-          </p:cNvSpPr>
-          <p:nvPr>
-            <p:ph type="sldImg"/>
-          </p:nvPr>
-        </p:nvSpPr>
-        <p:spPr/>
-      </p:sp>
-      <p:sp>
-        <p:nvSpPr>
-          <p:cNvPr id="3" name="Notes Placeholder 2"/>
-          <p:cNvSpPr>
-            <a:spLocks noGrp="1"/>
-          </p:cNvSpPr>
-          <p:nvPr>
-            <p:ph type="body" idx="1"/>
-          </p:nvPr>
-        </p:nvSpPr>
-        <p:spPr/>
-        <p:txBody>
-          <a:bodyPr>
-            <a:normAutofit/>
-          </a:bodyPr>
-          <a:lstStyle/>
-          <a:p>
-            <a:r>
-              <a:rPr lang="tr-TR" dirty="0" smtClean="0"/>
-              <a:t>Burada random traffic yaratıyoruz</a:t>
-            </a:r>
-            <a:r>
-              <a:rPr lang="tr-TR" baseline="0" dirty="0" smtClean="0"/>
-              <a:t> ve 20-40 saniyeler arası trafiği ikiye katlıyoruz. Burada traffic normalken de ölçüm yaptığımız client dışında random birisi de mesh bakbonu kullanıyor. En baştaki delayin çokluğunun sebebi, bakbone içinde ARP paketlerinin fazlalığı.</a:t>
-            </a:r>
-            <a:endParaRPr lang="en-US" dirty="0"/>
-          </a:p>
-        </p:txBody>
-      </p:sp>
-      <p:sp>
-        <p:nvSpPr>
-          <p:cNvPr id="4" name="Slide Number Placeholder 3"/>
-          <p:cNvSpPr>
-            <a:spLocks noGrp="1"/>
-          </p:cNvSpPr>
-          <p:nvPr>
-            <p:ph type="sldNum" sz="quarter" idx="10"/>
-          </p:nvPr>
-        </p:nvSpPr>
-        <p:spPr/>
-        <p:txBody>
-          <a:bodyPr/>
-          <a:lstStyle/>
-          <a:p>
-            <a:fld id="{A1EAFB59-DC4D-4EED-85F4-1C64D3038115}" type="slidenum">
-              <a:rPr lang="en-US" smtClean="0"/>
-              <a:pPr/>
-              <a:t>32</a:t>
-            </a:fld>
-            <a:endParaRPr lang="en-US" dirty="0"/>
-          </a:p>
-        </p:txBody>
-      </p:sp>
-    </p:spTree>
-  </p:cSld>
-  <p:clrMapOvr>
-    <a:masterClrMapping/>
-  </p:clrMapOvr>
-</p:notes>
-</file>
-
-<file path=ppt/notesSlides/notesSlide5.xml><?xml version="1.0" encoding="utf-8"?>
-<p:notes xmlns:a="http://schemas.openxmlformats.org/drawingml/2006/main" xmlns:r="http://schemas.openxmlformats.org/officeDocument/2006/relationships" xmlns:p="http://schemas.openxmlformats.org/presentationml/2006/main">
-  <p:cSld>
-    <p:spTree>
-      <p:nvGrpSpPr>
-        <p:cNvPr id="1" name=""/>
-        <p:cNvGrpSpPr/>
-        <p:nvPr/>
-      </p:nvGrpSpPr>
-      <p:grpSpPr>
-        <a:xfrm>
-          <a:off x="0" y="0"/>
-          <a:ext cx="0" cy="0"/>
-          <a:chOff x="0" y="0"/>
-          <a:chExt cx="0" cy="0"/>
-        </a:xfrm>
-      </p:grpSpPr>
-      <p:sp>
-        <p:nvSpPr>
-          <p:cNvPr id="2" name="Slide Image Placeholder 1"/>
-          <p:cNvSpPr>
-            <a:spLocks noGrp="1" noRot="1" noChangeAspect="1"/>
-          </p:cNvSpPr>
-          <p:nvPr>
-            <p:ph type="sldImg"/>
-          </p:nvPr>
-        </p:nvSpPr>
-        <p:spPr/>
-      </p:sp>
-      <p:sp>
-        <p:nvSpPr>
-          <p:cNvPr id="3" name="Notes Placeholder 2"/>
-          <p:cNvSpPr>
-            <a:spLocks noGrp="1"/>
-          </p:cNvSpPr>
-          <p:nvPr>
-            <p:ph type="body" idx="1"/>
-          </p:nvPr>
-        </p:nvSpPr>
-        <p:spPr/>
-        <p:txBody>
-          <a:bodyPr>
-            <a:normAutofit/>
-          </a:bodyPr>
-          <a:lstStyle/>
-          <a:p>
-            <a:r>
-              <a:rPr lang="tr-TR" dirty="0" smtClean="0"/>
-              <a:t>Bir client iki access pointin</a:t>
-            </a:r>
-            <a:r>
-              <a:rPr lang="tr-TR" baseline="0" dirty="0" smtClean="0"/>
-              <a:t> ortasında bir oraya bir buraya commit ediyor. 0.5 saniyede bir seamless mobility protokolü çalıştırıyoruz.</a:t>
-            </a:r>
-            <a:endParaRPr lang="en-US" dirty="0"/>
-          </a:p>
-        </p:txBody>
-      </p:sp>
-      <p:sp>
-        <p:nvSpPr>
-          <p:cNvPr id="4" name="Slide Number Placeholder 3"/>
-          <p:cNvSpPr>
-            <a:spLocks noGrp="1"/>
-          </p:cNvSpPr>
-          <p:nvPr>
-            <p:ph type="sldNum" sz="quarter" idx="10"/>
-          </p:nvPr>
-        </p:nvSpPr>
-        <p:spPr/>
-        <p:txBody>
-          <a:bodyPr/>
-          <a:lstStyle/>
-          <a:p>
-            <a:fld id="{A1EAFB59-DC4D-4EED-85F4-1C64D3038115}" type="slidenum">
-              <a:rPr lang="en-US" smtClean="0"/>
-              <a:pPr/>
-              <a:t>33</a:t>
-            </a:fld>
-            <a:endParaRPr lang="en-US" dirty="0"/>
-          </a:p>
-        </p:txBody>
-      </p:sp>
-    </p:spTree>
-  </p:cSld>
-  <p:clrMapOvr>
-    <a:masterClrMapping/>
-  </p:clrMapOvr>
-</p:notes>
-</file>
-
 <file path=ppt/slideLayouts/slideLayout1.xml><?xml version="1.0" encoding="utf-8"?>
 <p:sldLayout xmlns:a="http://schemas.openxmlformats.org/drawingml/2006/main" xmlns:r="http://schemas.openxmlformats.org/officeDocument/2006/relationships" xmlns:p="http://schemas.openxmlformats.org/presentationml/2006/main" type="title" preserve="1">
   <p:cSld name="Title Slide">
@@ -1121,7 +787,7 @@
             <a:fld id="{34990BF1-3FBF-4FBC-A078-BCBD6928206A}" type="datetimeFigureOut">
               <a:rPr lang="tr-TR" smtClean="0"/>
               <a:pPr/>
-              <a:t>1/15/13</a:t>
+              <a:t>15.01.2013</a:t>
             </a:fld>
             <a:endParaRPr lang="en-US" dirty="0"/>
           </a:p>
@@ -1288,7 +954,7 @@
             <a:fld id="{34990BF1-3FBF-4FBC-A078-BCBD6928206A}" type="datetimeFigureOut">
               <a:rPr lang="tr-TR" smtClean="0"/>
               <a:pPr/>
-              <a:t>1/15/13</a:t>
+              <a:t>15.01.2013</a:t>
             </a:fld>
             <a:endParaRPr lang="en-US" dirty="0"/>
           </a:p>
@@ -1465,7 +1131,7 @@
             <a:fld id="{34990BF1-3FBF-4FBC-A078-BCBD6928206A}" type="datetimeFigureOut">
               <a:rPr lang="tr-TR" smtClean="0"/>
               <a:pPr/>
-              <a:t>1/15/13</a:t>
+              <a:t>15.01.2013</a:t>
             </a:fld>
             <a:endParaRPr lang="en-US" dirty="0"/>
           </a:p>
@@ -1632,7 +1298,7 @@
             <a:fld id="{34990BF1-3FBF-4FBC-A078-BCBD6928206A}" type="datetimeFigureOut">
               <a:rPr lang="tr-TR" smtClean="0"/>
               <a:pPr/>
-              <a:t>1/15/13</a:t>
+              <a:t>15.01.2013</a:t>
             </a:fld>
             <a:endParaRPr lang="en-US" dirty="0"/>
           </a:p>
@@ -1875,7 +1541,7 @@
             <a:fld id="{34990BF1-3FBF-4FBC-A078-BCBD6928206A}" type="datetimeFigureOut">
               <a:rPr lang="tr-TR" smtClean="0"/>
               <a:pPr/>
-              <a:t>1/15/13</a:t>
+              <a:t>15.01.2013</a:t>
             </a:fld>
             <a:endParaRPr lang="en-US" dirty="0"/>
           </a:p>
@@ -2160,7 +1826,7 @@
             <a:fld id="{34990BF1-3FBF-4FBC-A078-BCBD6928206A}" type="datetimeFigureOut">
               <a:rPr lang="tr-TR" smtClean="0"/>
               <a:pPr/>
-              <a:t>1/15/13</a:t>
+              <a:t>15.01.2013</a:t>
             </a:fld>
             <a:endParaRPr lang="en-US" dirty="0"/>
           </a:p>
@@ -2579,7 +2245,7 @@
             <a:fld id="{34990BF1-3FBF-4FBC-A078-BCBD6928206A}" type="datetimeFigureOut">
               <a:rPr lang="tr-TR" smtClean="0"/>
               <a:pPr/>
-              <a:t>1/15/13</a:t>
+              <a:t>15.01.2013</a:t>
             </a:fld>
             <a:endParaRPr lang="en-US" dirty="0"/>
           </a:p>
@@ -2694,7 +2360,7 @@
             <a:fld id="{34990BF1-3FBF-4FBC-A078-BCBD6928206A}" type="datetimeFigureOut">
               <a:rPr lang="tr-TR" smtClean="0"/>
               <a:pPr/>
-              <a:t>1/15/13</a:t>
+              <a:t>15.01.2013</a:t>
             </a:fld>
             <a:endParaRPr lang="en-US" dirty="0"/>
           </a:p>
@@ -2786,7 +2452,7 @@
             <a:fld id="{34990BF1-3FBF-4FBC-A078-BCBD6928206A}" type="datetimeFigureOut">
               <a:rPr lang="tr-TR" smtClean="0"/>
               <a:pPr/>
-              <a:t>1/15/13</a:t>
+              <a:t>15.01.2013</a:t>
             </a:fld>
             <a:endParaRPr lang="en-US" dirty="0"/>
           </a:p>
@@ -3060,7 +2726,7 @@
             <a:fld id="{34990BF1-3FBF-4FBC-A078-BCBD6928206A}" type="datetimeFigureOut">
               <a:rPr lang="tr-TR" smtClean="0"/>
               <a:pPr/>
-              <a:t>1/15/13</a:t>
+              <a:t>15.01.2013</a:t>
             </a:fld>
             <a:endParaRPr lang="en-US" dirty="0"/>
           </a:p>
@@ -3310,7 +2976,7 @@
             <a:fld id="{34990BF1-3FBF-4FBC-A078-BCBD6928206A}" type="datetimeFigureOut">
               <a:rPr lang="tr-TR" smtClean="0"/>
               <a:pPr/>
-              <a:t>1/15/13</a:t>
+              <a:t>15.01.2013</a:t>
             </a:fld>
             <a:endParaRPr lang="en-US" dirty="0"/>
           </a:p>
@@ -3520,7 +3186,7 @@
             <a:fld id="{34990BF1-3FBF-4FBC-A078-BCBD6928206A}" type="datetimeFigureOut">
               <a:rPr lang="tr-TR" smtClean="0"/>
               <a:pPr/>
-              <a:t>1/15/13</a:t>
+              <a:t>15.01.2013</a:t>
             </a:fld>
             <a:endParaRPr lang="en-US" dirty="0"/>
           </a:p>
@@ -4031,7 +3697,7 @@
                   <a:srgbClr val="515151"/>
                 </a:solidFill>
                 <a:latin typeface="+mj-lt"/>
-                <a:cs typeface="Arial"/>
+                <a:cs typeface="Times New Roman" pitchFamily="18" charset="0"/>
               </a:rPr>
               <a:t>Albert Levi </a:t>
             </a:r>
@@ -4043,7 +3709,7 @@
                   <a:srgbClr val="515151"/>
                 </a:solidFill>
                 <a:latin typeface="+mj-lt"/>
-                <a:cs typeface="Arial"/>
+                <a:cs typeface="Times New Roman" pitchFamily="18" charset="0"/>
               </a:rPr>
               <a:t>Can Serhat Leloğlu</a:t>
             </a:r>
@@ -4055,7 +3721,7 @@
                   <a:srgbClr val="515151"/>
                 </a:solidFill>
                 <a:latin typeface="+mj-lt"/>
-                <a:cs typeface="Courier New" pitchFamily="49" charset="0"/>
+                <a:cs typeface="Times New Roman" pitchFamily="18" charset="0"/>
               </a:rPr>
               <a:t>levi@sabanciuniv.edu,     canleloglu@sabanciuniv.edu </a:t>
             </a:r>
@@ -4067,21 +3733,41 @@
                   <a:srgbClr val="515151"/>
                 </a:solidFill>
                 <a:latin typeface="+mj-lt"/>
-                <a:cs typeface="Arial"/>
+                <a:cs typeface="Times New Roman" pitchFamily="18" charset="0"/>
               </a:rPr>
               <a:t> </a:t>
             </a:r>
           </a:p>
           <a:p>
+            <a:r>
+              <a:rPr lang="tr-TR" sz="2400" noProof="0" dirty="0" smtClean="0">
+                <a:solidFill>
+                  <a:srgbClr val="515151"/>
+                </a:solidFill>
+                <a:latin typeface="+mj-lt"/>
+                <a:cs typeface="Times New Roman" pitchFamily="18" charset="0"/>
+              </a:rPr>
+              <a:t>Final </a:t>
+            </a:r>
             <a:r>
               <a:rPr lang="en-US" sz="2400" noProof="0" dirty="0" smtClean="0">
                 <a:solidFill>
                   <a:srgbClr val="515151"/>
                 </a:solidFill>
                 <a:latin typeface="+mj-lt"/>
-                <a:cs typeface="Arial"/>
+                <a:cs typeface="Times New Roman" pitchFamily="18" charset="0"/>
               </a:rPr>
-              <a:t>Progress Presentation as of </a:t>
+              <a:t>Presentation </a:t>
+            </a:r>
+            <a:r>
+              <a:rPr lang="en-US" sz="2400" noProof="0" dirty="0" smtClean="0">
+                <a:solidFill>
+                  <a:srgbClr val="515151"/>
+                </a:solidFill>
+                <a:latin typeface="+mj-lt"/>
+                <a:cs typeface="Times New Roman" pitchFamily="18" charset="0"/>
+              </a:rPr>
+              <a:t>as of </a:t>
             </a:r>
             <a:r>
               <a:rPr lang="tr-TR" sz="2400" noProof="0" dirty="0" smtClean="0">
@@ -4089,9 +3775,9 @@
                   <a:srgbClr val="515151"/>
                 </a:solidFill>
                 <a:latin typeface="+mj-lt"/>
-                <a:cs typeface="Arial"/>
+                <a:cs typeface="Times New Roman" pitchFamily="18" charset="0"/>
               </a:rPr>
-              <a:t>May 3</a:t>
+              <a:t>January 16</a:t>
             </a:r>
             <a:r>
               <a:rPr lang="en-US" sz="2400" noProof="0" dirty="0" smtClean="0">
@@ -4099,26 +3785,26 @@
                   <a:srgbClr val="515151"/>
                 </a:solidFill>
                 <a:latin typeface="+mj-lt"/>
-                <a:cs typeface="Arial"/>
+                <a:cs typeface="Times New Roman" pitchFamily="18" charset="0"/>
               </a:rPr>
               <a:t>, 201</a:t>
             </a:r>
             <a:r>
-              <a:rPr lang="tr-TR" sz="2400" noProof="0" dirty="0" smtClean="0">
+              <a:rPr lang="tr-TR" sz="2400" dirty="0" smtClean="0">
                 <a:solidFill>
                   <a:srgbClr val="515151"/>
                 </a:solidFill>
                 <a:latin typeface="+mj-lt"/>
-                <a:cs typeface="Arial"/>
+                <a:cs typeface="Times New Roman" pitchFamily="18" charset="0"/>
               </a:rPr>
-              <a:t>2</a:t>
+              <a:t>3</a:t>
             </a:r>
             <a:endParaRPr lang="en-US" sz="2400" noProof="0" dirty="0">
               <a:solidFill>
                 <a:srgbClr val="515151"/>
               </a:solidFill>
               <a:latin typeface="+mj-lt"/>
-              <a:cs typeface="Arial"/>
+              <a:cs typeface="Times New Roman" pitchFamily="18" charset="0"/>
             </a:endParaRPr>
           </a:p>
         </p:txBody>
@@ -4135,7 +3821,7 @@
           <a:blip r:embed="rId2" cstate="print">
             <a:extLst>
               <a:ext uri="{28A0092B-C50C-407E-A947-70E740481C1C}">
-                <a14:useLocalDpi xmlns:a14="http://schemas.microsoft.com/office/drawing/2010/main" val="0"/>
+                <a14:useLocalDpi xmlns:a14="http://schemas.microsoft.com/office/drawing/2010/main" xmlns="" val="0"/>
               </a:ext>
             </a:extLst>
           </a:blip>
@@ -4235,7 +3921,7 @@
     </p:spTree>
     <p:extLst>
       <p:ext uri="{BB962C8B-B14F-4D97-AF65-F5344CB8AC3E}">
-        <p14:creationId xmlns:p14="http://schemas.microsoft.com/office/powerpoint/2010/main" val="145032901"/>
+        <p14:creationId xmlns:p14="http://schemas.microsoft.com/office/powerpoint/2010/main" xmlns="" val="145032901"/>
       </p:ext>
     </p:extLst>
   </p:cSld>
@@ -4245,7 +3931,7 @@
   <p:timing>
     <p:tnLst>
       <p:par>
-        <p:cTn xmlns:p14="http://schemas.microsoft.com/office/powerpoint/2010/main" id="1" dur="indefinite" restart="never" nodeType="tmRoot"/>
+        <p:cTn id="1" dur="indefinite" restart="never" nodeType="tmRoot"/>
       </p:par>
     </p:tnLst>
   </p:timing>
@@ -4292,82 +3978,128 @@
           </a:p>
         </p:txBody>
       </p:sp>
-      <p:graphicFrame>
-        <p:nvGraphicFramePr>
-          <p:cNvPr id="5" name="Object 4"/>
-          <p:cNvGraphicFramePr>
-            <a:graphicFrameLocks noChangeAspect="1"/>
-          </p:cNvGraphicFramePr>
-          <p:nvPr>
-            <p:extLst>
-              <p:ext uri="{D42A27DB-BD31-4B8C-83A1-F6EECF244321}">
-                <p14:modId xmlns:p14="http://schemas.microsoft.com/office/powerpoint/2010/main" val="221201498"/>
-              </p:ext>
-            </p:extLst>
-          </p:nvPr>
-        </p:nvGraphicFramePr>
-        <p:xfrm>
-          <a:off x="288925" y="1143000"/>
-          <a:ext cx="8367713" cy="5318125"/>
-        </p:xfrm>
-        <a:graphic>
-          <a:graphicData uri="http://schemas.openxmlformats.org/presentationml/2006/ole">
-            <mc:AlternateContent xmlns:mc="http://schemas.openxmlformats.org/markup-compatibility/2006">
-              <mc:Choice xmlns:v="urn:schemas-microsoft-com:vml" Requires="v">
-                <p:oleObj spid="_x0000_s2053" name="Document" r:id="rId3" imgW="5956844" imgH="3794717" progId="Word.Document.12">
-                  <p:embed/>
-                </p:oleObj>
-              </mc:Choice>
-              <mc:Fallback>
-                <p:oleObj name="Document" r:id="rId3" imgW="5956844" imgH="3794717" progId="Word.Document.12">
-                  <p:embed/>
-                  <p:pic>
-                    <p:nvPicPr>
-                      <p:cNvPr id="0" name="Picture 3"/>
-                      <p:cNvPicPr>
-                        <a:picLocks noChangeAspect="1" noChangeArrowheads="1"/>
-                      </p:cNvPicPr>
-                      <p:nvPr/>
-                    </p:nvPicPr>
-                    <p:blipFill>
-                      <a:blip r:embed="rId4">
-                        <a:extLst>
-                          <a:ext uri="{28A0092B-C50C-407E-A947-70E740481C1C}">
-                            <a14:useLocalDpi xmlns:a14="http://schemas.microsoft.com/office/drawing/2010/main" val="0"/>
-                          </a:ext>
-                        </a:extLst>
-                      </a:blip>
-                      <a:srcRect/>
-                      <a:stretch>
-                        <a:fillRect/>
-                      </a:stretch>
-                    </p:blipFill>
-                    <p:spPr bwMode="auto">
-                      <a:xfrm>
-                        <a:off x="288925" y="1143000"/>
-                        <a:ext cx="8367713" cy="5318125"/>
-                      </a:xfrm>
-                      <a:prstGeom prst="rect">
-                        <a:avLst/>
-                      </a:prstGeom>
-                      <a:noFill/>
-                      <a:extLst>
-                        <a:ext uri="{909E8E84-426E-40dd-AFC4-6F175D3DCCD1}">
-                          <a14:hiddenFill xmlns:a14="http://schemas.microsoft.com/office/drawing/2010/main">
-                            <a:solidFill>
-                              <a:srgbClr val="FFFFFF"/>
-                            </a:solidFill>
-                          </a14:hiddenFill>
-                        </a:ext>
-                      </a:extLst>
-                    </p:spPr>
-                  </p:pic>
-                </p:oleObj>
-              </mc:Fallback>
-            </mc:AlternateContent>
-          </a:graphicData>
-        </a:graphic>
-      </p:graphicFrame>
+      <p:sp>
+        <p:nvSpPr>
+          <p:cNvPr id="2055" name="Rectangle 7"/>
+          <p:cNvSpPr>
+            <a:spLocks noChangeArrowheads="1"/>
+          </p:cNvSpPr>
+          <p:nvPr/>
+        </p:nvSpPr>
+        <p:spPr bwMode="auto">
+          <a:xfrm>
+            <a:off x="0" y="0"/>
+            <a:ext cx="9144000" cy="0"/>
+          </a:xfrm>
+          <a:prstGeom prst="rect">
+            <a:avLst/>
+          </a:prstGeom>
+          <a:noFill/>
+          <a:ln w="9525">
+            <a:noFill/>
+            <a:miter lim="800000"/>
+            <a:headEnd/>
+            <a:tailEnd/>
+          </a:ln>
+          <a:effectLst/>
+        </p:spPr>
+        <p:txBody>
+          <a:bodyPr vert="horz" wrap="none" lIns="91440" tIns="45720" rIns="91440" bIns="45720" numCol="1" anchor="ctr" anchorCtr="0" compatLnSpc="1">
+            <a:prstTxWarp prst="textNoShape">
+              <a:avLst/>
+            </a:prstTxWarp>
+            <a:spAutoFit/>
+          </a:bodyPr>
+          <a:lstStyle/>
+          <a:p>
+            <a:endParaRPr lang="en-US"/>
+          </a:p>
+        </p:txBody>
+      </p:sp>
+      <p:sp>
+        <p:nvSpPr>
+          <p:cNvPr id="10" name="Content Placeholder 2"/>
+          <p:cNvSpPr>
+            <a:spLocks noGrp="1"/>
+          </p:cNvSpPr>
+          <p:nvPr>
+            <p:ph idx="1"/>
+          </p:nvPr>
+        </p:nvSpPr>
+        <p:spPr>
+          <a:xfrm>
+            <a:off x="500034" y="1214422"/>
+            <a:ext cx="8229600" cy="5214974"/>
+          </a:xfrm>
+        </p:spPr>
+        <p:txBody>
+          <a:bodyPr>
+            <a:normAutofit fontScale="85000" lnSpcReduction="20000"/>
+          </a:bodyPr>
+          <a:lstStyle/>
+          <a:p>
+            <a:r>
+              <a:rPr lang="en-US" dirty="0" smtClean="0"/>
+              <a:t>The serial number (SN) of the Connection Card, which is bought from an operator, will be used as a base for client’s aliases. An alias will be computed by performing the following </a:t>
+            </a:r>
+            <a:r>
+              <a:rPr lang="en-US" dirty="0" smtClean="0"/>
+              <a:t>operations</a:t>
+            </a:r>
+            <a:r>
+              <a:rPr lang="tr-TR" dirty="0" smtClean="0"/>
+              <a:t>.</a:t>
+            </a:r>
+          </a:p>
+          <a:p>
+            <a:pPr lvl="1"/>
+            <a:r>
+              <a:rPr lang="tr-TR" dirty="0" smtClean="0"/>
+              <a:t>Client picks a random 128-bit unsigned number called nonce</a:t>
+            </a:r>
+          </a:p>
+          <a:p>
+            <a:pPr lvl="1"/>
+            <a:r>
+              <a:rPr lang="tr-TR" dirty="0" smtClean="0"/>
+              <a:t>Client performes XOR operation  with  SN and Nonce and take their hash and use the output as the Alias.</a:t>
+            </a:r>
+          </a:p>
+          <a:p>
+            <a:pPr lvl="1"/>
+            <a:r>
+              <a:rPr lang="tr-TR" dirty="0" smtClean="0"/>
+              <a:t>Client will use this alias whenever her identity is required.</a:t>
+            </a:r>
+          </a:p>
+          <a:p>
+            <a:r>
+              <a:rPr lang="en-US" dirty="0" smtClean="0"/>
+              <a:t>Aliases are 128-bit values; even if it is a very small possibility to have the same alias with another client at a given point of time, there is still a nonzero probability. To address this problem, TTP checks the proposed alias to be a unique one. This check is done in Change Alias protocol which will be explained later.</a:t>
+            </a:r>
+            <a:endParaRPr lang="tr-TR" dirty="0" smtClean="0"/>
+          </a:p>
+          <a:p>
+            <a:pPr lvl="1"/>
+            <a:endParaRPr lang="tr-TR" dirty="0" smtClean="0"/>
+          </a:p>
+          <a:p>
+            <a:pPr lvl="1"/>
+            <a:endParaRPr lang="tr-TR" dirty="0" smtClean="0"/>
+          </a:p>
+          <a:p>
+            <a:pPr lvl="1"/>
+            <a:endParaRPr lang="tr-TR" dirty="0" smtClean="0"/>
+          </a:p>
+          <a:p>
+            <a:pPr lvl="1"/>
+            <a:endParaRPr lang="tr-TR" dirty="0" smtClean="0"/>
+          </a:p>
+          <a:p>
+            <a:endParaRPr lang="en-US" dirty="0"/>
+          </a:p>
+        </p:txBody>
+      </p:sp>
     </p:spTree>
   </p:cSld>
   <p:clrMapOvr>
@@ -4376,7 +4108,7 @@
   <p:timing>
     <p:tnLst>
       <p:par>
-        <p:cTn xmlns:p14="http://schemas.microsoft.com/office/powerpoint/2010/main" id="1" dur="indefinite" restart="never" nodeType="tmRoot"/>
+        <p:cTn id="1" dur="indefinite" restart="never" nodeType="tmRoot"/>
       </p:par>
     </p:tnLst>
   </p:timing>
@@ -4412,41 +4144,90 @@
         </p:nvSpPr>
         <p:spPr/>
         <p:txBody>
-          <a:bodyPr/>
+          <a:bodyPr>
+            <a:normAutofit fontScale="90000"/>
+          </a:bodyPr>
           <a:lstStyle/>
           <a:p>
             <a:r>
               <a:rPr lang="en-US" dirty="0" smtClean="0"/>
+              <a:t>Initial </a:t>
+            </a:r>
+            <a:r>
+              <a:rPr lang="en-US" dirty="0" smtClean="0"/>
+              <a:t>Authorization</a:t>
+            </a:r>
+            <a:r>
+              <a:rPr lang="tr-TR" dirty="0" smtClean="0"/>
+              <a:t> and Reuse of a Connection Card</a:t>
+            </a:r>
+            <a:endParaRPr lang="en-US" dirty="0"/>
+          </a:p>
+        </p:txBody>
+      </p:sp>
+      <p:sp>
+        <p:nvSpPr>
+          <p:cNvPr id="3" name="Content Placeholder 2"/>
+          <p:cNvSpPr>
+            <a:spLocks noGrp="1"/>
+          </p:cNvSpPr>
+          <p:nvPr>
+            <p:ph idx="1"/>
+          </p:nvPr>
+        </p:nvSpPr>
+        <p:spPr/>
+        <p:txBody>
+          <a:bodyPr>
+            <a:normAutofit fontScale="92500" lnSpcReduction="20000"/>
+          </a:bodyPr>
+          <a:lstStyle/>
+          <a:p>
+            <a:r>
+              <a:rPr lang="en-US" dirty="0" smtClean="0"/>
+              <a:t>Initial Authorization is the beginning for system usage. Whenever a client purchases new hash tokens from the TTP, she will need to authorize herself to TTP</a:t>
+            </a:r>
+            <a:r>
+              <a:rPr lang="en-US" dirty="0" smtClean="0"/>
+              <a:t>.</a:t>
+            </a:r>
+            <a:endParaRPr lang="tr-TR" dirty="0" smtClean="0"/>
+          </a:p>
+          <a:p>
+            <a:r>
+              <a:rPr lang="en-US" dirty="0" smtClean="0"/>
+              <a:t>Reuse </a:t>
+            </a:r>
+            <a:r>
+              <a:rPr lang="en-US" dirty="0" smtClean="0"/>
+              <a:t>of a Connection </a:t>
+            </a:r>
+            <a:r>
+              <a:rPr lang="en-US" dirty="0" smtClean="0"/>
+              <a:t>Card</a:t>
+            </a:r>
+            <a:r>
+              <a:rPr lang="tr-TR" dirty="0" smtClean="0"/>
+              <a:t> (Reuse-CC)</a:t>
+            </a:r>
+            <a:r>
+              <a:rPr lang="en-US" i="1" dirty="0" smtClean="0"/>
+              <a:t> </a:t>
+            </a:r>
+            <a:r>
+              <a:rPr lang="en-US" dirty="0" smtClean="0"/>
+              <a:t>protocol </a:t>
+            </a:r>
+            <a:r>
+              <a:rPr lang="en-US" dirty="0" smtClean="0"/>
+              <a:t>allows the clients to connect using the remaining credits in a card.  Reuse-CC protocol does not differ extensively from </a:t>
+            </a:r>
+            <a:r>
+              <a:rPr lang="en-US" i="1" dirty="0" smtClean="0"/>
               <a:t>Initial Authorization</a:t>
             </a:r>
-            <a:endParaRPr lang="en-US" dirty="0"/>
-          </a:p>
-        </p:txBody>
-      </p:sp>
-      <p:sp>
-        <p:nvSpPr>
-          <p:cNvPr id="3" name="Content Placeholder 2"/>
-          <p:cNvSpPr>
-            <a:spLocks noGrp="1"/>
-          </p:cNvSpPr>
-          <p:nvPr>
-            <p:ph idx="1"/>
-          </p:nvPr>
-        </p:nvSpPr>
-        <p:spPr/>
-        <p:txBody>
-          <a:bodyPr/>
-          <a:lstStyle/>
-          <a:p>
             <a:r>
               <a:rPr lang="en-US" dirty="0" smtClean="0"/>
-              <a:t>Whenever a client buys some new hash tokens from an operator, he will need to authorize himself to TTP.</a:t>
-            </a:r>
-          </a:p>
-          <a:p>
-            <a:r>
-              <a:rPr lang="en-US" dirty="0" smtClean="0"/>
-              <a:t>Initial Authorization Protocol achieves authentication and authorization of the user.</a:t>
+              <a:t> protocol. The main difference is instead of sending first hash token; the client sends whichever token is the next one.</a:t>
             </a:r>
             <a:endParaRPr lang="en-US" dirty="0"/>
           </a:p>
@@ -4460,7 +4241,7 @@
   <p:timing>
     <p:tnLst>
       <p:par>
-        <p:cTn xmlns:p14="http://schemas.microsoft.com/office/powerpoint/2010/main" id="1" dur="indefinite" restart="never" nodeType="tmRoot"/>
+        <p:cTn id="1" dur="indefinite" restart="never" nodeType="tmRoot"/>
       </p:par>
     </p:tnLst>
   </p:timing>
@@ -4496,12 +4277,22 @@
         </p:nvSpPr>
         <p:spPr/>
         <p:txBody>
-          <a:bodyPr/>
+          <a:bodyPr>
+            <a:normAutofit fontScale="90000"/>
+          </a:bodyPr>
           <a:lstStyle/>
           <a:p>
             <a:r>
               <a:rPr lang="en-US" dirty="0" smtClean="0"/>
-              <a:t>Initial Authorization</a:t>
+              <a:t>Initial </a:t>
+            </a:r>
+            <a:r>
+              <a:rPr lang="en-US" dirty="0" smtClean="0"/>
+              <a:t>Authorization</a:t>
+            </a:r>
+            <a:r>
+              <a:rPr lang="tr-TR" dirty="0" smtClean="0"/>
+              <a:t> and Reuse of a Connection Card</a:t>
             </a:r>
             <a:endParaRPr lang="en-US" dirty="0"/>
           </a:p>
@@ -4509,12 +4300,18 @@
       </p:sp>
       <p:pic>
         <p:nvPicPr>
-          <p:cNvPr id="5" name="Picture 4" descr="C:\Users\SUUSER\Desktop\Dersler\Tez\protocols\yeniler\initAuth2.png"/>
+          <p:cNvPr id="4" name="Picture 3" descr="Macintosh HD:Users:canleloglu:Desktop:worddoc:thesisImages:protocolsInDetail:seqDiagram:pdf:initAuthReuse.pdf"/>
           <p:cNvPicPr/>
           <p:nvPr/>
         </p:nvPicPr>
         <p:blipFill>
-          <a:blip r:embed="rId2" cstate="print"/>
+          <a:blip r:embed="rId2" cstate="print">
+            <a:extLst>
+              <a:ext uri="{28A0092B-C50C-407E-A947-70E740481C1C}">
+                <a14:useLocalDpi xmlns:ve="http://schemas.openxmlformats.org/markup-compatibility/2006" xmlns:m="http://schemas.openxmlformats.org/officeDocument/2006/math" xmlns:wp="http://schemas.openxmlformats.org/drawingml/2006/wordprocessingDrawing" xmlns:wne="http://schemas.microsoft.com/office/word/2006/wordml" xmlns:a14="http://schemas.microsoft.com/office/drawing/2010/main" xmlns:wps="http://schemas.microsoft.com/office/word/2010/wordprocessingShape" xmlns:wpi="http://schemas.microsoft.com/office/word/2010/wordprocessingInk" xmlns:wpg="http://schemas.microsoft.com/office/word/2010/wordprocessingGroup" xmlns:w14="http://schemas.microsoft.com/office/word/2010/wordml" xmlns:w="http://schemas.openxmlformats.org/wordprocessingml/2006/main" xmlns:w10="urn:schemas-microsoft-com:office:word" xmlns:wp14="http://schemas.microsoft.com/office/word/2010/wordprocessingDrawing" xmlns:v="urn:schemas-microsoft-com:vml" xmlns:o="urn:schemas-microsoft-com:office:office" xmlns:mv="urn:schemas-microsoft-com:mac:vml" xmlns:mc="http://schemas.openxmlformats.org/markup-compatibility/2006" xmlns:mo="http://schemas.microsoft.com/office/mac/office/2008/main" xmlns:wpc="http://schemas.microsoft.com/office/word/2010/wordprocessingCanvas" xmlns="" xmlns:pic="http://schemas.openxmlformats.org/drawingml/2006/picture" xmlns:lc="http://schemas.openxmlformats.org/drawingml/2006/lockedCanvas" val="0"/>
+              </a:ext>
+            </a:extLst>
+          </a:blip>
           <a:srcRect/>
           <a:stretch>
             <a:fillRect/>
@@ -4522,18 +4319,15 @@
         </p:blipFill>
         <p:spPr bwMode="auto">
           <a:xfrm>
-            <a:off x="1928794" y="1071546"/>
-            <a:ext cx="5723890" cy="5213350"/>
+            <a:off x="1785918" y="1357298"/>
+            <a:ext cx="5151454" cy="5313694"/>
           </a:xfrm>
           <a:prstGeom prst="rect">
             <a:avLst/>
           </a:prstGeom>
           <a:noFill/>
-          <a:ln w="9525">
+          <a:ln>
             <a:noFill/>
-            <a:miter lim="800000"/>
-            <a:headEnd/>
-            <a:tailEnd/>
           </a:ln>
         </p:spPr>
       </p:pic>
@@ -4542,6 +4336,13 @@
   <p:clrMapOvr>
     <a:masterClrMapping/>
   </p:clrMapOvr>
+  <p:timing>
+    <p:tnLst>
+      <p:par>
+        <p:cTn id="1" dur="indefinite" restart="never" nodeType="tmRoot"/>
+      </p:par>
+    </p:tnLst>
+  </p:timing>
 </p:sld>
 </file>
 
@@ -4579,7 +4380,7 @@
           <a:p>
             <a:r>
               <a:rPr lang="en-US" dirty="0" smtClean="0"/>
-              <a:t>Reuse of a Connection Card</a:t>
+              <a:t>Access Point Authentication</a:t>
             </a:r>
             <a:endParaRPr lang="en-US" dirty="0"/>
           </a:p>
@@ -4602,21 +4403,13 @@
           <a:p>
             <a:r>
               <a:rPr lang="en-US" dirty="0" smtClean="0"/>
-              <a:t>Reuse of a connection card protocol allows a user to connect using the remaining credits in a card.</a:t>
+              <a:t>After authentication processes of the client with the TTP, a second authentication step begins.</a:t>
             </a:r>
           </a:p>
           <a:p>
             <a:r>
               <a:rPr lang="en-US" dirty="0" smtClean="0"/>
-              <a:t>The main difference with the </a:t>
-            </a:r>
-            <a:r>
-              <a:rPr lang="en-US" i="1" dirty="0" smtClean="0"/>
-              <a:t>Initial Authorization</a:t>
-            </a:r>
-            <a:r>
-              <a:rPr lang="en-US" dirty="0" smtClean="0"/>
-              <a:t>, is instead of sending first hash token; client sends whichever token is the next one.</a:t>
+              <a:t>Client and access point will mutually authenticate each other for safe communication.</a:t>
             </a:r>
             <a:endParaRPr lang="en-US" dirty="0"/>
           </a:p>
@@ -4627,6 +4420,13 @@
   <p:clrMapOvr>
     <a:masterClrMapping/>
   </p:clrMapOvr>
+  <p:timing>
+    <p:tnLst>
+      <p:par>
+        <p:cTn id="1" dur="indefinite" restart="never" nodeType="tmRoot"/>
+      </p:par>
+    </p:tnLst>
+  </p:timing>
 </p:sld>
 </file>
 
@@ -4664,7 +4464,7 @@
           <a:p>
             <a:r>
               <a:rPr lang="en-US" dirty="0" smtClean="0"/>
-              <a:t>Reuse of a Connection Card</a:t>
+              <a:t>Access Point Authentication</a:t>
             </a:r>
             <a:endParaRPr lang="en-US" dirty="0"/>
           </a:p>
@@ -4672,12 +4472,18 @@
       </p:sp>
       <p:pic>
         <p:nvPicPr>
-          <p:cNvPr id="4" name="Picture 3" descr="C:\Users\SUUSER\Desktop\Dersler\Tez\protocols\yeniler\reuse.png"/>
+          <p:cNvPr id="5" name="Picture 4" descr="Macintosh HD:Users:canleloglu:Desktop:worddoc:thesisImages:protocolsInDetail:seqDiagram:pdf:accessAuth.pdf"/>
           <p:cNvPicPr/>
           <p:nvPr/>
         </p:nvPicPr>
         <p:blipFill>
-          <a:blip r:embed="rId2" cstate="print"/>
+          <a:blip r:embed="rId2" cstate="print">
+            <a:extLst>
+              <a:ext uri="{28A0092B-C50C-407E-A947-70E740481C1C}">
+                <a14:useLocalDpi xmlns:ve="http://schemas.openxmlformats.org/markup-compatibility/2006" xmlns:m="http://schemas.openxmlformats.org/officeDocument/2006/math" xmlns:wp="http://schemas.openxmlformats.org/drawingml/2006/wordprocessingDrawing" xmlns:wne="http://schemas.microsoft.com/office/word/2006/wordml" xmlns:a14="http://schemas.microsoft.com/office/drawing/2010/main" xmlns:wps="http://schemas.microsoft.com/office/word/2010/wordprocessingShape" xmlns:wpi="http://schemas.microsoft.com/office/word/2010/wordprocessingInk" xmlns:wpg="http://schemas.microsoft.com/office/word/2010/wordprocessingGroup" xmlns:w14="http://schemas.microsoft.com/office/word/2010/wordml" xmlns:w="http://schemas.openxmlformats.org/wordprocessingml/2006/main" xmlns:w10="urn:schemas-microsoft-com:office:word" xmlns:wp14="http://schemas.microsoft.com/office/word/2010/wordprocessingDrawing" xmlns:v="urn:schemas-microsoft-com:vml" xmlns:o="urn:schemas-microsoft-com:office:office" xmlns:mv="urn:schemas-microsoft-com:mac:vml" xmlns:mc="http://schemas.openxmlformats.org/markup-compatibility/2006" xmlns:mo="http://schemas.microsoft.com/office/mac/office/2008/main" xmlns:wpc="http://schemas.microsoft.com/office/word/2010/wordprocessingCanvas" xmlns="" xmlns:pic="http://schemas.openxmlformats.org/drawingml/2006/picture" xmlns:lc="http://schemas.openxmlformats.org/drawingml/2006/lockedCanvas" val="0"/>
+              </a:ext>
+            </a:extLst>
+          </a:blip>
           <a:srcRect/>
           <a:stretch>
             <a:fillRect/>
@@ -4685,18 +4491,15 @@
         </p:blipFill>
         <p:spPr bwMode="auto">
           <a:xfrm>
-            <a:off x="1857356" y="1571612"/>
-            <a:ext cx="5723890" cy="4500880"/>
+            <a:off x="1285852" y="1714488"/>
+            <a:ext cx="6357982" cy="4214842"/>
           </a:xfrm>
           <a:prstGeom prst="rect">
             <a:avLst/>
           </a:prstGeom>
           <a:noFill/>
-          <a:ln w="9525">
+          <a:ln>
             <a:noFill/>
-            <a:miter lim="800000"/>
-            <a:headEnd/>
-            <a:tailEnd/>
           </a:ln>
         </p:spPr>
       </p:pic>
@@ -4742,7 +4545,7 @@
           <a:p>
             <a:r>
               <a:rPr lang="en-US" dirty="0" smtClean="0"/>
-              <a:t>Access Point Authentication</a:t>
+              <a:t>Packet Transfer</a:t>
             </a:r>
             <a:endParaRPr lang="en-US" dirty="0"/>
           </a:p>
@@ -4765,13 +4568,7 @@
           <a:p>
             <a:r>
               <a:rPr lang="en-US" dirty="0" smtClean="0"/>
-              <a:t>After authentication processes of the client with the TTP, a second authentication step begins.</a:t>
-            </a:r>
-          </a:p>
-          <a:p>
-            <a:r>
-              <a:rPr lang="en-US" dirty="0" smtClean="0"/>
-              <a:t>Client and access point will mutually authenticate each other for safe communication.</a:t>
+              <a:t>After mutual authentication of client and  access point, client starts to send data packets to access point.</a:t>
             </a:r>
             <a:endParaRPr lang="en-US" dirty="0"/>
           </a:p>
@@ -4812,14 +4609,49 @@
             <p:ph type="title"/>
           </p:nvPr>
         </p:nvSpPr>
-        <p:spPr/>
+        <p:spPr>
+          <a:xfrm>
+            <a:off x="457200" y="274638"/>
+            <a:ext cx="8229600" cy="850106"/>
+          </a:xfrm>
+        </p:spPr>
         <p:txBody>
           <a:bodyPr/>
           <a:lstStyle/>
           <a:p>
             <a:r>
               <a:rPr lang="en-US" dirty="0" smtClean="0"/>
-              <a:t>Access Point Authentication</a:t>
+              <a:t>Packet Transfer</a:t>
+            </a:r>
+            <a:endParaRPr lang="en-US" dirty="0"/>
+          </a:p>
+        </p:txBody>
+      </p:sp>
+      <p:sp>
+        <p:nvSpPr>
+          <p:cNvPr id="5" name="Content Placeholder 2"/>
+          <p:cNvSpPr>
+            <a:spLocks noGrp="1"/>
+          </p:cNvSpPr>
+          <p:nvPr>
+            <p:ph idx="1"/>
+          </p:nvPr>
+        </p:nvSpPr>
+        <p:spPr>
+          <a:xfrm>
+            <a:off x="467544" y="1124744"/>
+            <a:ext cx="8229600" cy="748680"/>
+          </a:xfrm>
+        </p:spPr>
+        <p:txBody>
+          <a:bodyPr>
+            <a:normAutofit fontScale="77500" lnSpcReduction="20000"/>
+          </a:bodyPr>
+          <a:lstStyle/>
+          <a:p>
+            <a:r>
+              <a:rPr lang="en-US" dirty="0" smtClean="0"/>
+              <a:t>After mutual authentication of client and  access point, client starts to send data packets to access point.</a:t>
             </a:r>
             <a:endParaRPr lang="en-US" dirty="0"/>
           </a:p>
@@ -4827,12 +4659,18 @@
       </p:sp>
       <p:pic>
         <p:nvPicPr>
-          <p:cNvPr id="4" name="Resim 8"/>
+          <p:cNvPr id="6" name="Picture 5" descr="Macintosh HD:Users:canleloglu:Desktop:worddoc:thesisImages:protocolsInDetail:seqDiagram:pdf:packetTransfer.pdf"/>
           <p:cNvPicPr/>
           <p:nvPr/>
         </p:nvPicPr>
         <p:blipFill>
-          <a:blip r:embed="rId2" cstate="print"/>
+          <a:blip r:embed="rId2" cstate="print">
+            <a:extLst>
+              <a:ext uri="{28A0092B-C50C-407E-A947-70E740481C1C}">
+                <a14:useLocalDpi xmlns:ve="http://schemas.openxmlformats.org/markup-compatibility/2006" xmlns:m="http://schemas.openxmlformats.org/officeDocument/2006/math" xmlns:wp="http://schemas.openxmlformats.org/drawingml/2006/wordprocessingDrawing" xmlns:wne="http://schemas.microsoft.com/office/word/2006/wordml" xmlns:a14="http://schemas.microsoft.com/office/drawing/2010/main" xmlns:wps="http://schemas.microsoft.com/office/word/2010/wordprocessingShape" xmlns:wpi="http://schemas.microsoft.com/office/word/2010/wordprocessingInk" xmlns:wpg="http://schemas.microsoft.com/office/word/2010/wordprocessingGroup" xmlns:w14="http://schemas.microsoft.com/office/word/2010/wordml" xmlns:w="http://schemas.openxmlformats.org/wordprocessingml/2006/main" xmlns:w10="urn:schemas-microsoft-com:office:word" xmlns:wp14="http://schemas.microsoft.com/office/word/2010/wordprocessingDrawing" xmlns:v="urn:schemas-microsoft-com:vml" xmlns:o="urn:schemas-microsoft-com:office:office" xmlns:mv="urn:schemas-microsoft-com:mac:vml" xmlns:mc="http://schemas.openxmlformats.org/markup-compatibility/2006" xmlns:mo="http://schemas.microsoft.com/office/mac/office/2008/main" xmlns:wpc="http://schemas.microsoft.com/office/word/2010/wordprocessingCanvas" xmlns="" xmlns:pic="http://schemas.openxmlformats.org/drawingml/2006/picture" xmlns:lc="http://schemas.openxmlformats.org/drawingml/2006/lockedCanvas" val="0"/>
+              </a:ext>
+            </a:extLst>
+          </a:blip>
           <a:srcRect/>
           <a:stretch>
             <a:fillRect/>
@@ -4840,18 +4678,15 @@
         </p:blipFill>
         <p:spPr bwMode="auto">
           <a:xfrm>
-            <a:off x="1785918" y="1714488"/>
-            <a:ext cx="5715040" cy="3929090"/>
+            <a:off x="2214546" y="1785922"/>
+            <a:ext cx="4481401" cy="5072078"/>
           </a:xfrm>
           <a:prstGeom prst="rect">
             <a:avLst/>
           </a:prstGeom>
           <a:noFill/>
-          <a:ln w="9525">
+          <a:ln>
             <a:noFill/>
-            <a:miter lim="800000"/>
-            <a:headEnd/>
-            <a:tailEnd/>
           </a:ln>
         </p:spPr>
       </p:pic>
@@ -4897,7 +4732,7 @@
           <a:p>
             <a:r>
               <a:rPr lang="en-US" dirty="0" smtClean="0"/>
-              <a:t>Packet Transfer</a:t>
+              <a:t>Providing Unlinkability</a:t>
             </a:r>
             <a:endParaRPr lang="en-US" dirty="0"/>
           </a:p>
@@ -4915,13 +4750,36 @@
         </p:nvSpPr>
         <p:spPr/>
         <p:txBody>
-          <a:bodyPr/>
+          <a:bodyPr>
+            <a:normAutofit/>
+          </a:bodyPr>
           <a:lstStyle/>
           <a:p>
             <a:r>
               <a:rPr lang="en-US" dirty="0" smtClean="0"/>
-              <a:t>After mutual authentication of client and  access point, client starts to send data packets to access point.</a:t>
-            </a:r>
+              <a:t>Adversary should not be able to track down a user </a:t>
+            </a:r>
+          </a:p>
+          <a:p>
+            <a:r>
+              <a:rPr lang="en-US" dirty="0" smtClean="0"/>
+              <a:t>Aliases should change periodically to achieve unlinkability</a:t>
+            </a:r>
+          </a:p>
+          <a:p>
+            <a:r>
+              <a:rPr lang="en-US" dirty="0" smtClean="0"/>
+              <a:t>They change in the reuse protocol</a:t>
+            </a:r>
+          </a:p>
+          <a:p>
+            <a:pPr lvl="1"/>
+            <a:r>
+              <a:rPr lang="en-US" dirty="0" smtClean="0"/>
+              <a:t>But they also have to change while the connection resumes</a:t>
+            </a:r>
+          </a:p>
+          <a:p>
             <a:endParaRPr lang="en-US" dirty="0"/>
           </a:p>
         </p:txBody>
@@ -4961,57 +4819,22 @@
             <p:ph type="title"/>
           </p:nvPr>
         </p:nvSpPr>
-        <p:spPr>
-          <a:xfrm>
-            <a:off x="457200" y="274638"/>
-            <a:ext cx="8229600" cy="850106"/>
-          </a:xfrm>
-        </p:spPr>
+        <p:spPr/>
         <p:txBody>
           <a:bodyPr/>
           <a:lstStyle/>
           <a:p>
             <a:r>
               <a:rPr lang="en-US" dirty="0" smtClean="0"/>
-              <a:t>Packet Transfer</a:t>
-            </a:r>
-            <a:endParaRPr lang="en-US" dirty="0"/>
-          </a:p>
-        </p:txBody>
-      </p:sp>
-      <p:pic>
-        <p:nvPicPr>
-          <p:cNvPr id="4" name="Picture 3" descr="C:\Users\SUUSER\Desktop\Dersler\Tez\protocols\yeniler\packetTransfer.png"/>
-          <p:cNvPicPr/>
-          <p:nvPr/>
-        </p:nvPicPr>
-        <p:blipFill>
-          <a:blip r:embed="rId2" cstate="print"/>
-          <a:srcRect/>
-          <a:stretch>
-            <a:fillRect/>
-          </a:stretch>
-        </p:blipFill>
-        <p:spPr bwMode="auto">
-          <a:xfrm>
-            <a:off x="2339752" y="1700808"/>
-            <a:ext cx="4176464" cy="4968552"/>
-          </a:xfrm>
-          <a:prstGeom prst="rect">
-            <a:avLst/>
-          </a:prstGeom>
-          <a:noFill/>
-          <a:ln w="9525">
-            <a:noFill/>
-            <a:miter lim="800000"/>
-            <a:headEnd/>
-            <a:tailEnd/>
-          </a:ln>
-        </p:spPr>
-      </p:pic>
-      <p:sp>
-        <p:nvSpPr>
-          <p:cNvPr id="5" name="Content Placeholder 2"/>
+              <a:t>Changing Alias</a:t>
+            </a:r>
+            <a:endParaRPr lang="en-US" dirty="0"/>
+          </a:p>
+        </p:txBody>
+      </p:sp>
+      <p:sp>
+        <p:nvSpPr>
+          <p:cNvPr id="3" name="Content Placeholder 2"/>
           <p:cNvSpPr>
             <a:spLocks noGrp="1"/>
           </p:cNvSpPr>
@@ -5019,21 +4842,27 @@
             <p:ph idx="1"/>
           </p:nvPr>
         </p:nvSpPr>
-        <p:spPr>
-          <a:xfrm>
-            <a:off x="467544" y="1124744"/>
-            <a:ext cx="8229600" cy="748680"/>
-          </a:xfrm>
-        </p:spPr>
+        <p:spPr/>
         <p:txBody>
           <a:bodyPr>
-            <a:normAutofit fontScale="77500" lnSpcReduction="20000"/>
+            <a:normAutofit lnSpcReduction="10000"/>
           </a:bodyPr>
           <a:lstStyle/>
           <a:p>
             <a:r>
               <a:rPr lang="en-US" dirty="0" smtClean="0"/>
-              <a:t>After mutual authentication of client and  access point, client starts to send data packets to access point.</a:t>
+              <a:t>Anonymity property is easily achieved by using aliases, but complicated part is achieving untraceability</a:t>
+            </a:r>
+            <a:r>
+              <a:rPr lang="en-US" dirty="0" smtClean="0"/>
+              <a:t>.</a:t>
+            </a:r>
+            <a:endParaRPr lang="tr-TR" dirty="0" smtClean="0"/>
+          </a:p>
+          <a:p>
+            <a:r>
+              <a:rPr lang="en-US" dirty="0" smtClean="0"/>
+              <a:t>The aliases should change on a basis that an adversary, who knows a certain client’s alias, could not be able to trace client’s activity on her home network, and also could not trace her movements among the operators or access points.</a:t>
             </a:r>
             <a:endParaRPr lang="en-US" dirty="0"/>
           </a:p>
@@ -5081,58 +4910,45 @@
           <a:p>
             <a:r>
               <a:rPr lang="en-US" dirty="0" smtClean="0"/>
-              <a:t>Providing Unlinkability</a:t>
-            </a:r>
-            <a:endParaRPr lang="en-US" dirty="0"/>
-          </a:p>
-        </p:txBody>
-      </p:sp>
-      <p:sp>
-        <p:nvSpPr>
-          <p:cNvPr id="3" name="Content Placeholder 2"/>
-          <p:cNvSpPr>
-            <a:spLocks noGrp="1"/>
-          </p:cNvSpPr>
-          <p:nvPr>
-            <p:ph idx="1"/>
-          </p:nvPr>
-        </p:nvSpPr>
-        <p:spPr/>
-        <p:txBody>
-          <a:bodyPr>
-            <a:normAutofit/>
-          </a:bodyPr>
-          <a:lstStyle/>
-          <a:p>
-            <a:r>
-              <a:rPr lang="en-US" dirty="0" smtClean="0"/>
-              <a:t>Adversary should not be able to track down a user </a:t>
-            </a:r>
-          </a:p>
-          <a:p>
-            <a:r>
-              <a:rPr lang="en-US" dirty="0" smtClean="0"/>
-              <a:t>Aliases should change periodically to achieve unlinkability</a:t>
-            </a:r>
-          </a:p>
-          <a:p>
-            <a:r>
-              <a:rPr lang="en-US" dirty="0" smtClean="0"/>
-              <a:t>They change in the reuse protocol</a:t>
-            </a:r>
-          </a:p>
-          <a:p>
-            <a:pPr lvl="1"/>
-            <a:r>
-              <a:rPr lang="en-US" dirty="0" smtClean="0"/>
-              <a:t>But they also have to change while the connection resumes</a:t>
-            </a:r>
-          </a:p>
-          <a:p>
-            <a:endParaRPr lang="en-US" dirty="0"/>
-          </a:p>
-        </p:txBody>
-      </p:sp>
+              <a:t>Changing Alias</a:t>
+            </a:r>
+            <a:endParaRPr lang="en-US" dirty="0"/>
+          </a:p>
+        </p:txBody>
+      </p:sp>
+      <p:pic>
+        <p:nvPicPr>
+          <p:cNvPr id="5" name="Picture 4" descr="Macintosh HD:Users:canleloglu:Desktop:worddoc:thesisImages:protocolsInDetail:seqDiagram:pdf:changeAlias.pdf"/>
+          <p:cNvPicPr/>
+          <p:nvPr/>
+        </p:nvPicPr>
+        <p:blipFill>
+          <a:blip r:embed="rId2" cstate="print">
+            <a:extLst>
+              <a:ext uri="{28A0092B-C50C-407E-A947-70E740481C1C}">
+                <a14:useLocalDpi xmlns:ve="http://schemas.openxmlformats.org/markup-compatibility/2006" xmlns:m="http://schemas.openxmlformats.org/officeDocument/2006/math" xmlns:wp="http://schemas.openxmlformats.org/drawingml/2006/wordprocessingDrawing" xmlns:wne="http://schemas.microsoft.com/office/word/2006/wordml" xmlns:a14="http://schemas.microsoft.com/office/drawing/2010/main" xmlns:wps="http://schemas.microsoft.com/office/word/2010/wordprocessingShape" xmlns:wpi="http://schemas.microsoft.com/office/word/2010/wordprocessingInk" xmlns:wpg="http://schemas.microsoft.com/office/word/2010/wordprocessingGroup" xmlns:w14="http://schemas.microsoft.com/office/word/2010/wordml" xmlns:w="http://schemas.openxmlformats.org/wordprocessingml/2006/main" xmlns:w10="urn:schemas-microsoft-com:office:word" xmlns:wp14="http://schemas.microsoft.com/office/word/2010/wordprocessingDrawing" xmlns:v="urn:schemas-microsoft-com:vml" xmlns:o="urn:schemas-microsoft-com:office:office" xmlns:mv="urn:schemas-microsoft-com:mac:vml" xmlns:mc="http://schemas.openxmlformats.org/markup-compatibility/2006" xmlns:mo="http://schemas.microsoft.com/office/mac/office/2008/main" xmlns:wpc="http://schemas.microsoft.com/office/word/2010/wordprocessingCanvas" xmlns="" xmlns:pic="http://schemas.openxmlformats.org/drawingml/2006/picture" xmlns:lc="http://schemas.openxmlformats.org/drawingml/2006/lockedCanvas" val="0"/>
+              </a:ext>
+            </a:extLst>
+          </a:blip>
+          <a:srcRect/>
+          <a:stretch>
+            <a:fillRect/>
+          </a:stretch>
+        </p:blipFill>
+        <p:spPr bwMode="auto">
+          <a:xfrm>
+            <a:off x="2000232" y="1256311"/>
+            <a:ext cx="5000660" cy="5601689"/>
+          </a:xfrm>
+          <a:prstGeom prst="rect">
+            <a:avLst/>
+          </a:prstGeom>
+          <a:noFill/>
+          <a:ln>
+            <a:noFill/>
+          </a:ln>
+        </p:spPr>
+      </p:pic>
     </p:spTree>
   </p:cSld>
   <p:clrMapOvr>
@@ -5193,7 +5009,9 @@
         </p:nvSpPr>
         <p:spPr/>
         <p:txBody>
-          <a:bodyPr/>
+          <a:bodyPr>
+            <a:normAutofit fontScale="92500" lnSpcReduction="20000"/>
+          </a:bodyPr>
           <a:lstStyle/>
           <a:p>
             <a:r>
@@ -5203,41 +5021,62 @@
           </a:p>
           <a:p>
             <a:r>
+              <a:rPr lang="tr-TR" dirty="0" smtClean="0"/>
+              <a:t>Building blocks of the system</a:t>
+            </a:r>
+            <a:endParaRPr lang="en-US" dirty="0" smtClean="0"/>
+          </a:p>
+          <a:p>
+            <a:r>
               <a:rPr lang="en-US" dirty="0" smtClean="0"/>
-              <a:t>Overview of current progress</a:t>
-            </a:r>
-          </a:p>
-          <a:p>
+              <a:t>Protocol </a:t>
+            </a:r>
             <a:r>
               <a:rPr lang="en-US" dirty="0" smtClean="0"/>
-              <a:t>Basic building blocks</a:t>
-            </a:r>
-          </a:p>
-          <a:p>
-            <a:r>
-              <a:rPr lang="en-US" dirty="0" smtClean="0"/>
-              <a:t>Protocol specifications</a:t>
-            </a:r>
-          </a:p>
-          <a:p>
-            <a:r>
-              <a:rPr lang="en-US" dirty="0" smtClean="0"/>
-              <a:t>Conclusions and plan for 2nd year</a:t>
-            </a:r>
-          </a:p>
-          <a:p>
-            <a:r>
-              <a:rPr lang="en-US" dirty="0" smtClean="0"/>
-              <a:t>If time permits</a:t>
-            </a:r>
-          </a:p>
-          <a:p>
-            <a:pPr lvl="1"/>
-            <a:r>
-              <a:rPr lang="en-US" dirty="0" smtClean="0"/>
-              <a:t>Some early simulation results</a:t>
-            </a:r>
-            <a:endParaRPr lang="en-US" dirty="0"/>
+              <a:t>specifications</a:t>
+            </a:r>
+            <a:endParaRPr lang="tr-TR" dirty="0" smtClean="0"/>
+          </a:p>
+          <a:p>
+            <a:r>
+              <a:rPr lang="tr-TR" dirty="0" smtClean="0"/>
+              <a:t>Simulation environment</a:t>
+            </a:r>
+          </a:p>
+          <a:p>
+            <a:r>
+              <a:rPr lang="tr-TR" dirty="0" smtClean="0"/>
+              <a:t>Unit test results</a:t>
+            </a:r>
+          </a:p>
+          <a:p>
+            <a:r>
+              <a:rPr lang="tr-TR" dirty="0" smtClean="0"/>
+              <a:t>Client models and actions</a:t>
+            </a:r>
+          </a:p>
+          <a:p>
+            <a:r>
+              <a:rPr lang="tr-TR" dirty="0" smtClean="0"/>
+              <a:t>Real-life scenario simulation results</a:t>
+            </a:r>
+          </a:p>
+          <a:p>
+            <a:r>
+              <a:rPr lang="tr-TR" dirty="0" smtClean="0"/>
+              <a:t>Discussion on success of SSPayWMN</a:t>
+            </a:r>
+          </a:p>
+          <a:p>
+            <a:r>
+              <a:rPr lang="tr-TR" dirty="0" smtClean="0"/>
+              <a:t>C</a:t>
+            </a:r>
+            <a:r>
+              <a:rPr lang="tr-TR" dirty="0" smtClean="0"/>
+              <a:t>onclusions</a:t>
+            </a:r>
+            <a:endParaRPr lang="en-US" dirty="0" smtClean="0"/>
           </a:p>
         </p:txBody>
       </p:sp>
@@ -5282,21 +5121,73 @@
           <a:lstStyle/>
           <a:p>
             <a:r>
-              <a:rPr lang="en-US" dirty="0" smtClean="0"/>
-              <a:t>Changing Alias</a:t>
-            </a:r>
-            <a:endParaRPr lang="en-US" dirty="0"/>
+              <a:rPr lang="tr-TR" dirty="0" smtClean="0"/>
+              <a:t>Update Packets</a:t>
+            </a:r>
+            <a:endParaRPr lang="en-US" dirty="0"/>
+          </a:p>
+        </p:txBody>
+      </p:sp>
+      <p:sp>
+        <p:nvSpPr>
+          <p:cNvPr id="3" name="Content Placeholder 2"/>
+          <p:cNvSpPr>
+            <a:spLocks noGrp="1"/>
+          </p:cNvSpPr>
+          <p:nvPr>
+            <p:ph idx="1"/>
+          </p:nvPr>
+        </p:nvSpPr>
+        <p:spPr>
+          <a:xfrm>
+            <a:off x="457200" y="1600201"/>
+            <a:ext cx="8229600" cy="1257296"/>
+          </a:xfrm>
+        </p:spPr>
+        <p:txBody>
+          <a:bodyPr>
+            <a:normAutofit/>
+          </a:bodyPr>
+          <a:lstStyle/>
+          <a:p>
+            <a:r>
+              <a:rPr lang="en-US" sz="2500" dirty="0" smtClean="0"/>
+              <a:t>Access points keep track of ongoing communications, after some time passed without update from a user it </a:t>
+            </a:r>
+            <a:r>
+              <a:rPr lang="en-US" sz="2500" dirty="0" smtClean="0"/>
+              <a:t>send</a:t>
+            </a:r>
+            <a:r>
+              <a:rPr lang="tr-TR" sz="2500" dirty="0" smtClean="0"/>
+              <a:t>s</a:t>
+            </a:r>
+            <a:r>
+              <a:rPr lang="en-US" sz="2500" dirty="0" smtClean="0"/>
+              <a:t> </a:t>
+            </a:r>
+            <a:r>
+              <a:rPr lang="en-US" sz="2500" dirty="0" smtClean="0"/>
+              <a:t>disconnection request by itself.</a:t>
+            </a:r>
+            <a:endParaRPr lang="en-US" sz="2500" dirty="0"/>
           </a:p>
         </p:txBody>
       </p:sp>
       <p:pic>
         <p:nvPicPr>
-          <p:cNvPr id="4" name="Picture 3" descr="C:\Users\SUUSER\Desktop\Dersler\Tez\protocols\yeniler\changeAlias2.png"/>
+          <p:cNvPr id="4" name="Picture 3" descr="Macintosh HD:Users:canleloglu:Desktop:worddoc:thesisImages:protocolsInDetail:seqDiagram:pdf:updatePackets.pdf"/>
           <p:cNvPicPr/>
           <p:nvPr/>
         </p:nvPicPr>
         <p:blipFill>
-          <a:blip r:embed="rId2" cstate="print"/>
+          <a:blip r:embed="rId2" cstate="print">
+            <a:extLst>
+              <a:ext uri="{28A0092B-C50C-407E-A947-70E740481C1C}">
+                <a14:useLocalDpi xmlns:ve="http://schemas.openxmlformats.org/markup-compatibility/2006" xmlns:m="http://schemas.openxmlformats.org/officeDocument/2006/math" xmlns:wp="http://schemas.openxmlformats.org/drawingml/2006/wordprocessingDrawing" xmlns:wne="http://schemas.microsoft.com/office/word/2006/wordml" xmlns:a14="http://schemas.microsoft.com/office/drawing/2010/main" xmlns:wps="http://schemas.microsoft.com/office/word/2010/wordprocessingShape" xmlns:wpi="http://schemas.microsoft.com/office/word/2010/wordprocessingInk" xmlns:wpg="http://schemas.microsoft.com/office/word/2010/wordprocessingGroup" xmlns:w14="http://schemas.microsoft.com/office/word/2010/wordml" xmlns:w="http://schemas.openxmlformats.org/wordprocessingml/2006/main" xmlns:w10="urn:schemas-microsoft-com:office:word" xmlns:wp14="http://schemas.microsoft.com/office/word/2010/wordprocessingDrawing" xmlns:v="urn:schemas-microsoft-com:vml" xmlns:o="urn:schemas-microsoft-com:office:office" xmlns:mv="urn:schemas-microsoft-com:mac:vml" xmlns:mc="http://schemas.openxmlformats.org/markup-compatibility/2006" xmlns:mo="http://schemas.microsoft.com/office/mac/office/2008/main" xmlns:wpc="http://schemas.microsoft.com/office/word/2010/wordprocessingCanvas" xmlns="" xmlns:pic="http://schemas.openxmlformats.org/drawingml/2006/picture" xmlns:lc="http://schemas.openxmlformats.org/drawingml/2006/lockedCanvas" val="0"/>
+              </a:ext>
+            </a:extLst>
+          </a:blip>
           <a:srcRect/>
           <a:stretch>
             <a:fillRect/>
@@ -5304,18 +5195,15 @@
         </p:blipFill>
         <p:spPr bwMode="auto">
           <a:xfrm>
-            <a:off x="1919944" y="1214422"/>
-            <a:ext cx="5723890" cy="5474335"/>
+            <a:off x="1928794" y="2784484"/>
+            <a:ext cx="4714908" cy="3930664"/>
           </a:xfrm>
           <a:prstGeom prst="rect">
             <a:avLst/>
           </a:prstGeom>
           <a:noFill/>
-          <a:ln w="9525">
+          <a:ln>
             <a:noFill/>
-            <a:miter lim="800000"/>
-            <a:headEnd/>
-            <a:tailEnd/>
           </a:ln>
         </p:spPr>
       </p:pic>
@@ -5360,43 +5248,55 @@
           <a:lstStyle/>
           <a:p>
             <a:r>
+              <a:rPr lang="tr-TR" dirty="0" smtClean="0"/>
+              <a:t>Disconnection</a:t>
+            </a:r>
+            <a:endParaRPr lang="en-US" dirty="0"/>
+          </a:p>
+        </p:txBody>
+      </p:sp>
+      <p:sp>
+        <p:nvSpPr>
+          <p:cNvPr id="3" name="Content Placeholder 2"/>
+          <p:cNvSpPr>
+            <a:spLocks noGrp="1"/>
+          </p:cNvSpPr>
+          <p:nvPr>
+            <p:ph idx="1"/>
+          </p:nvPr>
+        </p:nvSpPr>
+        <p:spPr/>
+        <p:txBody>
+          <a:bodyPr/>
+          <a:lstStyle/>
+          <a:p>
+            <a:r>
               <a:rPr lang="en-US" dirty="0" smtClean="0"/>
-              <a:t>Disconnection</a:t>
-            </a:r>
-            <a:endParaRPr lang="en-US" dirty="0"/>
-          </a:p>
-        </p:txBody>
-      </p:sp>
-      <p:pic>
-        <p:nvPicPr>
-          <p:cNvPr id="4" name="Picture 3" descr="C:\Users\SUUSER\Desktop\Dersler\Tez\protocols\yeniler\disconnection.png"/>
-          <p:cNvPicPr/>
-          <p:nvPr/>
-        </p:nvPicPr>
-        <p:blipFill>
-          <a:blip r:embed="rId2" cstate="print"/>
-          <a:srcRect/>
-          <a:stretch>
-            <a:fillRect/>
-          </a:stretch>
-        </p:blipFill>
-        <p:spPr bwMode="auto">
-          <a:xfrm>
-            <a:off x="2000232" y="1357298"/>
-            <a:ext cx="5452447" cy="4400550"/>
-          </a:xfrm>
-          <a:prstGeom prst="rect">
-            <a:avLst/>
-          </a:prstGeom>
-          <a:noFill/>
-          <a:ln w="9525">
-            <a:noFill/>
-            <a:miter lim="800000"/>
-            <a:headEnd/>
-            <a:tailEnd/>
-          </a:ln>
-        </p:spPr>
-      </p:pic>
+              <a:t>To be able to run Reuse-CC, the client has to run a proper disconnection protocol</a:t>
+            </a:r>
+            <a:r>
+              <a:rPr lang="en-US" dirty="0" smtClean="0"/>
+              <a:t>.</a:t>
+            </a:r>
+            <a:endParaRPr lang="tr-TR" dirty="0" smtClean="0"/>
+          </a:p>
+          <a:p>
+            <a:r>
+              <a:rPr lang="en-US" dirty="0" smtClean="0"/>
+              <a:t>The Update Packets protocol brings stability to the system in case of a connection interruption, but the main assumption is that most of the users will be disconnecting from the operator using the disconnection </a:t>
+            </a:r>
+            <a:r>
+              <a:rPr lang="en-US" dirty="0" smtClean="0"/>
+              <a:t>protocol</a:t>
+            </a:r>
+            <a:r>
+              <a:rPr lang="tr-TR" dirty="0" smtClean="0"/>
+              <a:t>.</a:t>
+            </a:r>
+            <a:endParaRPr lang="en-US" dirty="0"/>
+          </a:p>
+        </p:txBody>
+      </p:sp>
     </p:spTree>
   </p:cSld>
   <p:clrMapOvr>
@@ -5439,69 +5339,45 @@
           <a:p>
             <a:r>
               <a:rPr lang="en-US" dirty="0" smtClean="0"/>
-              <a:t>Seamless Roaming</a:t>
-            </a:r>
-            <a:endParaRPr lang="en-US" dirty="0"/>
-          </a:p>
-        </p:txBody>
-      </p:sp>
-      <p:sp>
-        <p:nvSpPr>
-          <p:cNvPr id="3" name="Content Placeholder 2"/>
-          <p:cNvSpPr>
-            <a:spLocks noGrp="1"/>
-          </p:cNvSpPr>
-          <p:nvPr>
-            <p:ph idx="1"/>
-          </p:nvPr>
-        </p:nvSpPr>
-        <p:spPr/>
-        <p:txBody>
-          <a:bodyPr>
-            <a:normAutofit fontScale="92500" lnSpcReduction="20000"/>
-          </a:bodyPr>
-          <a:lstStyle/>
-          <a:p>
-            <a:r>
-              <a:rPr lang="en-US" dirty="0" smtClean="0"/>
-              <a:t>When the clients need to get service from an access point of a new operator, they roam between old operator and new one.</a:t>
-            </a:r>
-          </a:p>
-          <a:p>
-            <a:r>
-              <a:rPr lang="en-US" dirty="0" smtClean="0"/>
-              <a:t>In this kind of situations, we do not bother TTP and save time and computational power.</a:t>
-            </a:r>
-          </a:p>
-          <a:p>
-            <a:r>
-              <a:rPr lang="en-US" dirty="0" smtClean="0"/>
-              <a:t>Every access point has</a:t>
-            </a:r>
-          </a:p>
-          <a:p>
-            <a:pPr lvl="1"/>
-            <a:r>
-              <a:rPr lang="en-US" dirty="0" smtClean="0"/>
-              <a:t>Public/Private key pairs and certificates</a:t>
-            </a:r>
-          </a:p>
-          <a:p>
-            <a:pPr lvl="1"/>
-            <a:r>
-              <a:rPr lang="en-US" dirty="0" smtClean="0"/>
-              <a:t>Ability to broadcast certificates</a:t>
-            </a:r>
-          </a:p>
-          <a:p>
-            <a:r>
-              <a:rPr lang="en-US" dirty="0" smtClean="0"/>
-              <a:t>We can handle roaming in a seamless way without running the authorization process from scratch.</a:t>
-            </a:r>
-            <a:endParaRPr lang="en-US" dirty="0"/>
-          </a:p>
-        </p:txBody>
-      </p:sp>
+              <a:t>Disconnection</a:t>
+            </a:r>
+            <a:endParaRPr lang="en-US" dirty="0"/>
+          </a:p>
+        </p:txBody>
+      </p:sp>
+      <p:pic>
+        <p:nvPicPr>
+          <p:cNvPr id="5" name="Picture 4" descr="Macintosh HD:Users:canleloglu:Desktop:worddoc:thesisImages:protocolsInDetail:seqDiagram:pdf:updatePackets.pdf"/>
+          <p:cNvPicPr/>
+          <p:nvPr/>
+        </p:nvPicPr>
+        <p:blipFill>
+          <a:blip r:embed="rId2" cstate="print">
+            <a:extLst>
+              <a:ext uri="{28A0092B-C50C-407E-A947-70E740481C1C}">
+                <a14:useLocalDpi xmlns:ve="http://schemas.openxmlformats.org/markup-compatibility/2006" xmlns:m="http://schemas.openxmlformats.org/officeDocument/2006/math" xmlns:wp="http://schemas.openxmlformats.org/drawingml/2006/wordprocessingDrawing" xmlns:wne="http://schemas.microsoft.com/office/word/2006/wordml" xmlns:a14="http://schemas.microsoft.com/office/drawing/2010/main" xmlns:wps="http://schemas.microsoft.com/office/word/2010/wordprocessingShape" xmlns:wpi="http://schemas.microsoft.com/office/word/2010/wordprocessingInk" xmlns:wpg="http://schemas.microsoft.com/office/word/2010/wordprocessingGroup" xmlns:w14="http://schemas.microsoft.com/office/word/2010/wordml" xmlns:w="http://schemas.openxmlformats.org/wordprocessingml/2006/main" xmlns:w10="urn:schemas-microsoft-com:office:word" xmlns:wp14="http://schemas.microsoft.com/office/word/2010/wordprocessingDrawing" xmlns:v="urn:schemas-microsoft-com:vml" xmlns:o="urn:schemas-microsoft-com:office:office" xmlns:mv="urn:schemas-microsoft-com:mac:vml" xmlns:mc="http://schemas.openxmlformats.org/markup-compatibility/2006" xmlns:mo="http://schemas.microsoft.com/office/mac/office/2008/main" xmlns:wpc="http://schemas.microsoft.com/office/word/2010/wordprocessingCanvas" xmlns="" xmlns:pic="http://schemas.openxmlformats.org/drawingml/2006/picture" xmlns:lc="http://schemas.openxmlformats.org/drawingml/2006/lockedCanvas" val="0"/>
+              </a:ext>
+            </a:extLst>
+          </a:blip>
+          <a:srcRect/>
+          <a:stretch>
+            <a:fillRect/>
+          </a:stretch>
+        </p:blipFill>
+        <p:spPr bwMode="auto">
+          <a:xfrm>
+            <a:off x="1643042" y="1285860"/>
+            <a:ext cx="5730875" cy="5359400"/>
+          </a:xfrm>
+          <a:prstGeom prst="rect">
+            <a:avLst/>
+          </a:prstGeom>
+          <a:noFill/>
+          <a:ln>
+            <a:noFill/>
+          </a:ln>
+        </p:spPr>
+      </p:pic>
     </p:spTree>
   </p:cSld>
   <p:clrMapOvr>
@@ -5539,47 +5415,55 @@
         </p:nvSpPr>
         <p:spPr/>
         <p:txBody>
-          <a:bodyPr/>
+          <a:bodyPr>
+            <a:normAutofit fontScale="90000"/>
+          </a:bodyPr>
+          <a:lstStyle/>
+          <a:p>
+            <a:r>
+              <a:rPr lang="tr-TR" dirty="0" smtClean="0"/>
+              <a:t>Distributing Access Point Public Keys</a:t>
+            </a:r>
+            <a:endParaRPr lang="en-US" dirty="0"/>
+          </a:p>
+        </p:txBody>
+      </p:sp>
+      <p:sp>
+        <p:nvSpPr>
+          <p:cNvPr id="3" name="Content Placeholder 2"/>
+          <p:cNvSpPr>
+            <a:spLocks noGrp="1"/>
+          </p:cNvSpPr>
+          <p:nvPr>
+            <p:ph idx="1"/>
+          </p:nvPr>
+        </p:nvSpPr>
+        <p:spPr/>
+        <p:txBody>
+          <a:bodyPr>
+            <a:normAutofit lnSpcReduction="10000"/>
+          </a:bodyPr>
           <a:lstStyle/>
           <a:p>
             <a:r>
               <a:rPr lang="en-US" dirty="0" smtClean="0"/>
-              <a:t>Seamless Roaming</a:t>
-            </a:r>
-            <a:endParaRPr lang="en-US" dirty="0"/>
-          </a:p>
-        </p:txBody>
-      </p:sp>
-      <p:pic>
-        <p:nvPicPr>
-          <p:cNvPr id="4" name="Picture 3" descr="C:\Users\SUUSER\Desktop\Dersler\Tez\protocols\yeniler\seamlessRoaming.png"/>
-          <p:cNvPicPr/>
-          <p:nvPr/>
-        </p:nvPicPr>
-        <p:blipFill>
-          <a:blip r:embed="rId2" cstate="print"/>
-          <a:srcRect/>
-          <a:stretch>
-            <a:fillRect/>
-          </a:stretch>
-        </p:blipFill>
-        <p:spPr bwMode="auto">
-          <a:xfrm>
-            <a:off x="611560" y="1412776"/>
-            <a:ext cx="7416824" cy="4664560"/>
-          </a:xfrm>
-          <a:prstGeom prst="rect">
-            <a:avLst/>
-          </a:prstGeom>
-          <a:noFill/>
-          <a:ln w="9525">
-            <a:noFill/>
-            <a:miter lim="800000"/>
-            <a:headEnd/>
-            <a:tailEnd/>
-          </a:ln>
-        </p:spPr>
-      </p:pic>
+              <a:t>Achieving seamless mobility in home operator and also to support seamless roaming, a public key distribution mechanism is integrated in SSPayWMN system</a:t>
+            </a:r>
+            <a:r>
+              <a:rPr lang="en-US" dirty="0" smtClean="0"/>
+              <a:t>.</a:t>
+            </a:r>
+            <a:endParaRPr lang="tr-TR" dirty="0" smtClean="0"/>
+          </a:p>
+          <a:p>
+            <a:r>
+              <a:rPr lang="en-US" dirty="0" smtClean="0"/>
+              <a:t>This protocol has two parts; one is certificate generation for access point public keys, the other one is distribution of the public keys. The part between operator and the TTP is offline.</a:t>
+            </a:r>
+            <a:endParaRPr lang="en-US" dirty="0"/>
+          </a:p>
+        </p:txBody>
+      </p:sp>
     </p:spTree>
   </p:cSld>
   <p:clrMapOvr>
@@ -5623,50 +5507,46 @@
           <a:lstStyle/>
           <a:p>
             <a:r>
-              <a:rPr lang="en-US" dirty="0" smtClean="0"/>
-              <a:t>Seamless Mobility in Home Operator</a:t>
-            </a:r>
-            <a:endParaRPr lang="en-US" dirty="0"/>
-          </a:p>
-        </p:txBody>
-      </p:sp>
-      <p:sp>
-        <p:nvSpPr>
-          <p:cNvPr id="3" name="Content Placeholder 2"/>
-          <p:cNvSpPr>
-            <a:spLocks noGrp="1"/>
-          </p:cNvSpPr>
-          <p:nvPr>
-            <p:ph idx="1"/>
-          </p:nvPr>
-        </p:nvSpPr>
-        <p:spPr/>
-        <p:txBody>
-          <a:bodyPr/>
-          <a:lstStyle/>
-          <a:p>
-            <a:r>
-              <a:rPr lang="en-US" dirty="0" smtClean="0"/>
-              <a:t>When a client moves out of the coverage area of its associated AP or if another AP provides a better service, the client may want to hand off to another AP.</a:t>
-            </a:r>
-          </a:p>
-          <a:p>
-            <a:r>
-              <a:rPr lang="en-US" dirty="0" smtClean="0"/>
-              <a:t>W</a:t>
-            </a:r>
-            <a:r>
               <a:rPr lang="tr-TR" dirty="0" smtClean="0"/>
-              <a:t>e </a:t>
-            </a:r>
-            <a:r>
-              <a:rPr lang="en-US" dirty="0" smtClean="0"/>
-              <a:t>develop seamless mobility protocol in order to avoid a full authorization process during such a hand off.</a:t>
-            </a:r>
-            <a:endParaRPr lang="en-US" dirty="0"/>
-          </a:p>
-        </p:txBody>
-      </p:sp>
+              <a:t>Distributing Access Point Public Keys</a:t>
+            </a:r>
+            <a:endParaRPr lang="en-US" dirty="0"/>
+          </a:p>
+        </p:txBody>
+      </p:sp>
+      <p:pic>
+        <p:nvPicPr>
+          <p:cNvPr id="4" name="Picture 3" descr="Macintosh HD:Users:canleloglu:Desktop:worddoc:thesisImages:protocolsInDetail:seqDiagram:pdf:distributeAccessPublicKeys.pdf"/>
+          <p:cNvPicPr/>
+          <p:nvPr/>
+        </p:nvPicPr>
+        <p:blipFill>
+          <a:blip r:embed="rId2" cstate="print">
+            <a:extLst>
+              <a:ext uri="{28A0092B-C50C-407E-A947-70E740481C1C}">
+                <a14:useLocalDpi xmlns:ve="http://schemas.openxmlformats.org/markup-compatibility/2006" xmlns:m="http://schemas.openxmlformats.org/officeDocument/2006/math" xmlns:wp="http://schemas.openxmlformats.org/drawingml/2006/wordprocessingDrawing" xmlns:wne="http://schemas.microsoft.com/office/word/2006/wordml" xmlns:a14="http://schemas.microsoft.com/office/drawing/2010/main" xmlns:wps="http://schemas.microsoft.com/office/word/2010/wordprocessingShape" xmlns:wpi="http://schemas.microsoft.com/office/word/2010/wordprocessingInk" xmlns:wpg="http://schemas.microsoft.com/office/word/2010/wordprocessingGroup" xmlns:w14="http://schemas.microsoft.com/office/word/2010/wordml" xmlns:w="http://schemas.openxmlformats.org/wordprocessingml/2006/main" xmlns:w10="urn:schemas-microsoft-com:office:word" xmlns:wp14="http://schemas.microsoft.com/office/word/2010/wordprocessingDrawing" xmlns:v="urn:schemas-microsoft-com:vml" xmlns:o="urn:schemas-microsoft-com:office:office" xmlns:mv="urn:schemas-microsoft-com:mac:vml" xmlns:mc="http://schemas.openxmlformats.org/markup-compatibility/2006" xmlns:mo="http://schemas.microsoft.com/office/mac/office/2008/main" xmlns:wpc="http://schemas.microsoft.com/office/word/2010/wordprocessingCanvas" xmlns="" xmlns:pic="http://schemas.openxmlformats.org/drawingml/2006/picture" xmlns:lc="http://schemas.openxmlformats.org/drawingml/2006/lockedCanvas" val="0"/>
+              </a:ext>
+            </a:extLst>
+          </a:blip>
+          <a:srcRect/>
+          <a:stretch>
+            <a:fillRect/>
+          </a:stretch>
+        </p:blipFill>
+        <p:spPr bwMode="auto">
+          <a:xfrm>
+            <a:off x="1714480" y="1857364"/>
+            <a:ext cx="5730875" cy="4336415"/>
+          </a:xfrm>
+          <a:prstGeom prst="rect">
+            <a:avLst/>
+          </a:prstGeom>
+          <a:noFill/>
+          <a:ln>
+            <a:noFill/>
+          </a:ln>
+        </p:spPr>
+      </p:pic>
     </p:spTree>
   </p:cSld>
   <p:clrMapOvr>
@@ -5704,49 +5584,74 @@
         </p:nvSpPr>
         <p:spPr/>
         <p:txBody>
+          <a:bodyPr/>
+          <a:lstStyle/>
+          <a:p>
+            <a:r>
+              <a:rPr lang="en-US" dirty="0" smtClean="0"/>
+              <a:t>Seamless Roaming</a:t>
+            </a:r>
+            <a:endParaRPr lang="en-US" dirty="0"/>
+          </a:p>
+        </p:txBody>
+      </p:sp>
+      <p:sp>
+        <p:nvSpPr>
+          <p:cNvPr id="3" name="Content Placeholder 2"/>
+          <p:cNvSpPr>
+            <a:spLocks noGrp="1"/>
+          </p:cNvSpPr>
+          <p:nvPr>
+            <p:ph idx="1"/>
+          </p:nvPr>
+        </p:nvSpPr>
+        <p:spPr/>
+        <p:txBody>
           <a:bodyPr>
-            <a:normAutofit fontScale="90000"/>
+            <a:normAutofit fontScale="92500" lnSpcReduction="20000"/>
           </a:bodyPr>
           <a:lstStyle/>
           <a:p>
             <a:r>
               <a:rPr lang="en-US" dirty="0" smtClean="0"/>
-              <a:t>Seamless Mobility in Home Operator</a:t>
-            </a:r>
-            <a:endParaRPr lang="en-US" dirty="0"/>
-          </a:p>
-        </p:txBody>
-      </p:sp>
-      <p:pic>
-        <p:nvPicPr>
-          <p:cNvPr id="4" name="Picture 3" descr="C:\Users\SUUSER\Desktop\Dersler\Tez\protocols\yeniler\seamlessMob2.png"/>
-          <p:cNvPicPr/>
-          <p:nvPr/>
-        </p:nvPicPr>
-        <p:blipFill>
-          <a:blip r:embed="rId2" cstate="print"/>
-          <a:srcRect/>
-          <a:stretch>
-            <a:fillRect/>
-          </a:stretch>
-        </p:blipFill>
-        <p:spPr bwMode="auto">
-          <a:xfrm>
-            <a:off x="1357290" y="1500174"/>
-            <a:ext cx="6386856" cy="4608849"/>
-          </a:xfrm>
-          <a:prstGeom prst="rect">
-            <a:avLst/>
-          </a:prstGeom>
-          <a:noFill/>
-          <a:ln w="9525">
-            <a:noFill/>
-            <a:miter lim="800000"/>
-            <a:headEnd/>
-            <a:tailEnd/>
-          </a:ln>
-        </p:spPr>
-      </p:pic>
+              <a:t>When the clients need to get service from an access point of a new operator, they roam between old operator and new one.</a:t>
+            </a:r>
+          </a:p>
+          <a:p>
+            <a:r>
+              <a:rPr lang="en-US" dirty="0" smtClean="0"/>
+              <a:t>In this kind of situations, we do not bother TTP and save time and computational power.</a:t>
+            </a:r>
+          </a:p>
+          <a:p>
+            <a:r>
+              <a:rPr lang="en-US" dirty="0" smtClean="0"/>
+              <a:t>Every access point has</a:t>
+            </a:r>
+          </a:p>
+          <a:p>
+            <a:pPr lvl="1"/>
+            <a:r>
+              <a:rPr lang="en-US" dirty="0" smtClean="0"/>
+              <a:t>Public/Private key pairs and certificates</a:t>
+            </a:r>
+          </a:p>
+          <a:p>
+            <a:pPr lvl="1"/>
+            <a:r>
+              <a:rPr lang="en-US" dirty="0" smtClean="0"/>
+              <a:t>Ability to broadcast certificates</a:t>
+            </a:r>
+          </a:p>
+          <a:p>
+            <a:r>
+              <a:rPr lang="en-US" dirty="0" smtClean="0"/>
+              <a:t>We can handle roaming in a seamless way without running the authorization process from scratch.</a:t>
+            </a:r>
+            <a:endParaRPr lang="en-US" dirty="0"/>
+          </a:p>
+        </p:txBody>
+      </p:sp>
     </p:spTree>
   </p:cSld>
   <p:clrMapOvr>
@@ -5789,93 +5694,70 @@
           <a:p>
             <a:r>
               <a:rPr lang="en-US" dirty="0" smtClean="0"/>
-              <a:t>Conclusions</a:t>
-            </a:r>
-            <a:endParaRPr lang="en-US" dirty="0"/>
-          </a:p>
-        </p:txBody>
-      </p:sp>
-      <p:sp>
-        <p:nvSpPr>
-          <p:cNvPr id="3" name="Content Placeholder 2"/>
-          <p:cNvSpPr>
-            <a:spLocks noGrp="1"/>
-          </p:cNvSpPr>
-          <p:nvPr>
-            <p:ph idx="1"/>
-          </p:nvPr>
-        </p:nvSpPr>
-        <p:spPr/>
-        <p:txBody>
-          <a:bodyPr>
-            <a:normAutofit fontScale="92500" lnSpcReduction="20000"/>
+              <a:t>Seamless Roaming</a:t>
+            </a:r>
+            <a:endParaRPr lang="en-US" dirty="0"/>
+          </a:p>
+        </p:txBody>
+      </p:sp>
+      <p:sp>
+        <p:nvSpPr>
+          <p:cNvPr id="41986" name="Rectangle 2"/>
+          <p:cNvSpPr>
+            <a:spLocks noChangeArrowheads="1"/>
+          </p:cNvSpPr>
+          <p:nvPr/>
+        </p:nvSpPr>
+        <p:spPr bwMode="auto">
+          <a:xfrm>
+            <a:off x="0" y="0"/>
+            <a:ext cx="9144000" cy="0"/>
+          </a:xfrm>
+          <a:prstGeom prst="rect">
+            <a:avLst/>
+          </a:prstGeom>
+          <a:noFill/>
+          <a:ln w="9525">
+            <a:noFill/>
+            <a:miter lim="800000"/>
+            <a:headEnd/>
+            <a:tailEnd/>
+          </a:ln>
+          <a:effectLst/>
+        </p:spPr>
+        <p:txBody>
+          <a:bodyPr vert="horz" wrap="none" lIns="91440" tIns="45720" rIns="91440" bIns="45720" numCol="1" anchor="ctr" anchorCtr="0" compatLnSpc="1">
+            <a:prstTxWarp prst="textNoShape">
+              <a:avLst/>
+            </a:prstTxWarp>
+            <a:spAutoFit/>
           </a:bodyPr>
           <a:lstStyle/>
           <a:p>
-            <a:r>
-              <a:rPr lang="en-US" dirty="0" smtClean="0"/>
-              <a:t>We designed the protocols to be used in the SSPayWMN protocol. With these protocols, the following security requirements are met. </a:t>
-            </a:r>
-          </a:p>
-          <a:p>
-            <a:pPr lvl="1"/>
-            <a:r>
-              <a:rPr lang="en-US" i="1" dirty="0" smtClean="0"/>
-              <a:t>Roaming/mobility</a:t>
-            </a:r>
-          </a:p>
-          <a:p>
-            <a:pPr lvl="1"/>
-            <a:r>
-              <a:rPr lang="en-US" i="1" dirty="0" smtClean="0"/>
-              <a:t>Seamless connection</a:t>
-            </a:r>
-          </a:p>
-          <a:p>
-            <a:pPr lvl="1"/>
-            <a:r>
-              <a:rPr lang="en-US" i="1" dirty="0" smtClean="0"/>
-              <a:t>Seamless roaming</a:t>
-            </a:r>
-          </a:p>
-          <a:p>
-            <a:pPr lvl="1"/>
-            <a:r>
-              <a:rPr lang="en-US" i="1" dirty="0" smtClean="0"/>
-              <a:t>Anonymity</a:t>
-            </a:r>
-          </a:p>
-          <a:p>
-            <a:pPr lvl="1"/>
-            <a:r>
-              <a:rPr lang="en-US" i="1" dirty="0" smtClean="0"/>
-              <a:t>Mutual authentication</a:t>
-            </a:r>
-          </a:p>
-          <a:p>
-            <a:pPr lvl="1"/>
-            <a:r>
-              <a:rPr lang="en-US" i="1" dirty="0" smtClean="0"/>
-              <a:t>Three-way honesty</a:t>
-            </a:r>
-          </a:p>
-          <a:p>
-            <a:pPr lvl="1"/>
-            <a:r>
-              <a:rPr lang="en-US" i="1" dirty="0" smtClean="0"/>
-              <a:t>Preventing double spending</a:t>
-            </a:r>
-          </a:p>
-          <a:p>
-            <a:pPr lvl="1"/>
-            <a:r>
-              <a:rPr lang="en-US" i="1" dirty="0" smtClean="0"/>
-              <a:t>Unlinkability</a:t>
-            </a:r>
-            <a:endParaRPr lang="en-US" dirty="0"/>
-          </a:p>
-        </p:txBody>
-      </p:sp>
+            <a:endParaRPr lang="en-US"/>
+          </a:p>
+        </p:txBody>
+      </p:sp>
+      <p:graphicFrame>
+        <p:nvGraphicFramePr>
+          <p:cNvPr id="41985" name="Object 1"/>
+          <p:cNvGraphicFramePr>
+            <a:graphicFrameLocks noChangeAspect="1"/>
+          </p:cNvGraphicFramePr>
+          <p:nvPr/>
+        </p:nvGraphicFramePr>
+        <p:xfrm>
+          <a:off x="1643042" y="1500174"/>
+          <a:ext cx="5717644" cy="4572032"/>
+        </p:xfrm>
+        <a:graphic>
+          <a:graphicData uri="http://schemas.openxmlformats.org/presentationml/2006/ole">
+            <p:oleObj spid="_x0000_s41985" name="Acrobat Document" r:id="rId3" imgW="5489280" imgH="4389120" progId="AcroExch.Document.11">
+              <p:embed/>
+            </p:oleObj>
+          </a:graphicData>
+        </a:graphic>
+      </p:graphicFrame>
     </p:spTree>
   </p:cSld>
   <p:clrMapOvr>
@@ -5913,91 +5795,51 @@
         </p:nvSpPr>
         <p:spPr/>
         <p:txBody>
+          <a:bodyPr>
+            <a:normAutofit fontScale="90000"/>
+          </a:bodyPr>
+          <a:lstStyle/>
+          <a:p>
+            <a:r>
+              <a:rPr lang="en-US" dirty="0" smtClean="0"/>
+              <a:t>Seamless Mobility in Home Operator</a:t>
+            </a:r>
+            <a:endParaRPr lang="en-US" dirty="0"/>
+          </a:p>
+        </p:txBody>
+      </p:sp>
+      <p:sp>
+        <p:nvSpPr>
+          <p:cNvPr id="3" name="Content Placeholder 2"/>
+          <p:cNvSpPr>
+            <a:spLocks noGrp="1"/>
+          </p:cNvSpPr>
+          <p:nvPr>
+            <p:ph idx="1"/>
+          </p:nvPr>
+        </p:nvSpPr>
+        <p:spPr/>
+        <p:txBody>
           <a:bodyPr/>
           <a:lstStyle/>
           <a:p>
             <a:r>
               <a:rPr lang="en-US" dirty="0" smtClean="0"/>
-              <a:t>Plan for Next Year</a:t>
-            </a:r>
-            <a:endParaRPr lang="en-US" dirty="0"/>
-          </a:p>
-        </p:txBody>
-      </p:sp>
-      <p:sp>
-        <p:nvSpPr>
-          <p:cNvPr id="3" name="Content Placeholder 2"/>
-          <p:cNvSpPr>
-            <a:spLocks noGrp="1"/>
-          </p:cNvSpPr>
-          <p:nvPr>
-            <p:ph idx="1"/>
-          </p:nvPr>
-        </p:nvSpPr>
-        <p:spPr>
-          <a:xfrm>
-            <a:off x="457200" y="1412776"/>
-            <a:ext cx="8229600" cy="5112568"/>
-          </a:xfrm>
-        </p:spPr>
-        <p:txBody>
-          <a:bodyPr>
-            <a:normAutofit fontScale="77500" lnSpcReduction="20000"/>
-          </a:bodyPr>
-          <a:lstStyle/>
+              <a:t>When a client moves out of the coverage area of its associated AP or if another AP provides a better service, the client may want to hand off to another AP.</a:t>
+            </a:r>
+          </a:p>
           <a:p>
             <a:r>
               <a:rPr lang="en-US" dirty="0" smtClean="0"/>
-              <a:t>We have finished the planned tasks of the first year of the SSPayWMN project.</a:t>
-            </a:r>
-          </a:p>
-          <a:p>
+              <a:t>W</a:t>
+            </a:r>
+            <a:r>
+              <a:rPr lang="tr-TR" dirty="0" smtClean="0"/>
+              <a:t>e </a:t>
+            </a:r>
             <a:r>
               <a:rPr lang="en-US" dirty="0" smtClean="0"/>
-              <a:t>Next stage is the implementation of the protocols in the selected simulator (ns-3). </a:t>
-            </a:r>
-          </a:p>
-          <a:p>
-            <a:pPr lvl="1"/>
-            <a:r>
-              <a:rPr lang="en-US" dirty="0" smtClean="0"/>
-              <a:t>Actually, some individual implementations have already been done.</a:t>
-            </a:r>
-          </a:p>
-          <a:p>
-            <a:r>
-              <a:rPr lang="en-US" dirty="0" smtClean="0"/>
-              <a:t>We will also define the user profiles and parameters for the simulations.</a:t>
-            </a:r>
-          </a:p>
-          <a:p>
-            <a:r>
-              <a:rPr lang="en-US" dirty="0" smtClean="0"/>
-              <a:t>Finally, we will run the simulations and make the performance analyses.</a:t>
-            </a:r>
-          </a:p>
-          <a:p>
-            <a:r>
-              <a:rPr lang="en-US" dirty="0" smtClean="0"/>
-              <a:t>We expect to finish all these tasks and the project until the end of March 2013, as planned. </a:t>
-            </a:r>
-            <a:endParaRPr lang="tr-TR" dirty="0" smtClean="0"/>
-          </a:p>
-          <a:p>
-            <a:r>
-              <a:rPr lang="en-US" dirty="0" smtClean="0"/>
-              <a:t>We plan to write a conference paper after obtaining some more results</a:t>
-            </a:r>
-          </a:p>
-          <a:p>
-            <a:pPr lvl="1"/>
-            <a:r>
-              <a:rPr lang="en-US" smtClean="0"/>
-              <a:t>June </a:t>
-            </a:r>
-            <a:r>
-              <a:rPr lang="en-US" dirty="0" smtClean="0"/>
-              <a:t>2012</a:t>
+              <a:t>develop seamless mobility protocol in order to avoid a full authorization process during such a hand off.</a:t>
             </a:r>
             <a:endParaRPr lang="en-US" dirty="0"/>
           </a:p>
@@ -6040,36 +5882,77 @@
         </p:nvSpPr>
         <p:spPr/>
         <p:txBody>
-          <a:bodyPr/>
+          <a:bodyPr>
+            <a:normAutofit fontScale="90000"/>
+          </a:bodyPr>
           <a:lstStyle/>
           <a:p>
             <a:r>
               <a:rPr lang="en-US" dirty="0" smtClean="0"/>
-              <a:t>Some Early Simulation Results</a:t>
-            </a:r>
-            <a:endParaRPr lang="en-US" dirty="0"/>
-          </a:p>
-        </p:txBody>
-      </p:sp>
-      <p:sp>
-        <p:nvSpPr>
-          <p:cNvPr id="3" name="Content Placeholder 2"/>
-          <p:cNvSpPr>
-            <a:spLocks noGrp="1"/>
-          </p:cNvSpPr>
-          <p:nvPr>
-            <p:ph idx="1"/>
-          </p:nvPr>
-        </p:nvSpPr>
-        <p:spPr/>
-        <p:txBody>
-          <a:bodyPr/>
-          <a:lstStyle/>
-          <a:p>
-            <a:endParaRPr lang="tr-TR" dirty="0"/>
-          </a:p>
-        </p:txBody>
-      </p:sp>
+              <a:t>Seamless Mobility in Home Operator</a:t>
+            </a:r>
+            <a:endParaRPr lang="en-US" dirty="0"/>
+          </a:p>
+        </p:txBody>
+      </p:sp>
+      <p:sp>
+        <p:nvSpPr>
+          <p:cNvPr id="39938" name="Rectangle 2"/>
+          <p:cNvSpPr>
+            <a:spLocks noChangeArrowheads="1"/>
+          </p:cNvSpPr>
+          <p:nvPr/>
+        </p:nvSpPr>
+        <p:spPr bwMode="auto">
+          <a:xfrm>
+            <a:off x="0" y="0"/>
+            <a:ext cx="9144000" cy="0"/>
+          </a:xfrm>
+          <a:prstGeom prst="rect">
+            <a:avLst/>
+          </a:prstGeom>
+          <a:noFill/>
+          <a:ln w="9525">
+            <a:noFill/>
+            <a:miter lim="800000"/>
+            <a:headEnd/>
+            <a:tailEnd/>
+          </a:ln>
+          <a:effectLst/>
+        </p:spPr>
+        <p:txBody>
+          <a:bodyPr vert="horz" wrap="none" lIns="91440" tIns="45720" rIns="91440" bIns="45720" numCol="1" anchor="ctr" anchorCtr="0" compatLnSpc="1">
+            <a:prstTxWarp prst="textNoShape">
+              <a:avLst/>
+            </a:prstTxWarp>
+            <a:spAutoFit/>
+          </a:bodyPr>
+          <a:lstStyle/>
+          <a:p>
+            <a:endParaRPr lang="en-US"/>
+          </a:p>
+        </p:txBody>
+      </p:sp>
+      <p:graphicFrame>
+        <p:nvGraphicFramePr>
+          <p:cNvPr id="39937" name="Object 1"/>
+          <p:cNvGraphicFramePr>
+            <a:graphicFrameLocks noChangeAspect="1"/>
+          </p:cNvGraphicFramePr>
+          <p:nvPr/>
+        </p:nvGraphicFramePr>
+        <p:xfrm>
+          <a:off x="1857356" y="1785926"/>
+          <a:ext cx="5353050" cy="4391025"/>
+        </p:xfrm>
+        <a:graphic>
+          <a:graphicData uri="http://schemas.openxmlformats.org/presentationml/2006/ole">
+            <p:oleObj spid="_x0000_s39937" name="Acrobat Document" r:id="rId3" imgW="5362200" imgH="4389120" progId="AcroExch.Document.11">
+              <p:embed/>
+            </p:oleObj>
+          </a:graphicData>
+        </a:graphic>
+      </p:graphicFrame>
     </p:spTree>
   </p:cSld>
   <p:clrMapOvr>
@@ -6111,94 +5994,62 @@
           <a:lstStyle/>
           <a:p>
             <a:r>
+              <a:rPr lang="tr-TR" dirty="0" smtClean="0"/>
+              <a:t>Simulations of SSPayWMN</a:t>
+            </a:r>
+            <a:endParaRPr lang="en-US" dirty="0"/>
+          </a:p>
+        </p:txBody>
+      </p:sp>
+      <p:sp>
+        <p:nvSpPr>
+          <p:cNvPr id="3" name="Content Placeholder 2"/>
+          <p:cNvSpPr>
+            <a:spLocks noGrp="1"/>
+          </p:cNvSpPr>
+          <p:nvPr>
+            <p:ph idx="1"/>
+          </p:nvPr>
+        </p:nvSpPr>
+        <p:spPr/>
+        <p:txBody>
+          <a:bodyPr/>
+          <a:lstStyle/>
+          <a:p>
+            <a:r>
               <a:rPr lang="en-US" dirty="0" smtClean="0"/>
-              <a:t>Network Topology</a:t>
-            </a:r>
-            <a:endParaRPr lang="en-US" dirty="0"/>
-          </a:p>
-        </p:txBody>
-      </p:sp>
-      <p:sp>
-        <p:nvSpPr>
-          <p:cNvPr id="3" name="Content Placeholder 2"/>
-          <p:cNvSpPr>
-            <a:spLocks noGrp="1"/>
-          </p:cNvSpPr>
-          <p:nvPr>
-            <p:ph idx="1"/>
-          </p:nvPr>
-        </p:nvSpPr>
-        <p:spPr>
-          <a:xfrm>
-            <a:off x="457200" y="4357694"/>
-            <a:ext cx="8229600" cy="1768469"/>
-          </a:xfrm>
-        </p:spPr>
-        <p:txBody>
-          <a:bodyPr>
-            <a:normAutofit fontScale="85000" lnSpcReduction="20000"/>
-          </a:bodyPr>
-          <a:lstStyle/>
-          <a:p>
+              <a:t>The simulations of SSPayWMN are conducted using ns-3</a:t>
+            </a:r>
             <a:r>
               <a:rPr lang="en-US" dirty="0" smtClean="0"/>
-              <a:t>We have 20 mesh router and a client for each of them.</a:t>
-            </a:r>
+              <a:t>.</a:t>
+            </a:r>
+            <a:endParaRPr lang="tr-TR" dirty="0" smtClean="0"/>
           </a:p>
           <a:p>
             <a:r>
               <a:rPr lang="en-US" dirty="0" smtClean="0"/>
-              <a:t>Mesh backbone uses 802.11s protocol.</a:t>
-            </a:r>
-          </a:p>
-          <a:p>
+              <a:t>The simulator was run on a computer with 2.4 GHz Intel Core 2 Duo, 2 GB 1067 MHz DDR3, Apple </a:t>
+            </a:r>
+            <a:r>
+              <a:rPr lang="en-US" dirty="0" err="1" smtClean="0"/>
+              <a:t>MacBook</a:t>
+            </a:r>
             <a:r>
               <a:rPr lang="en-US" dirty="0" smtClean="0"/>
-              <a:t>Clients use 802.11b/g protocol (can be 3G as well).</a:t>
-            </a:r>
-          </a:p>
-          <a:p>
+              <a:t> OSX v10.6.8</a:t>
+            </a:r>
             <a:r>
               <a:rPr lang="en-US" dirty="0" smtClean="0"/>
-              <a:t>GW, OP, and TTP uses 802.3 protocol.</a:t>
-            </a:r>
-            <a:endParaRPr lang="en-US" dirty="0"/>
-          </a:p>
-        </p:txBody>
-      </p:sp>
-      <p:pic>
-        <p:nvPicPr>
-          <p:cNvPr id="45059" name="Picture 3"/>
-          <p:cNvPicPr>
-            <a:picLocks noChangeAspect="1" noChangeArrowheads="1"/>
-          </p:cNvPicPr>
-          <p:nvPr/>
-        </p:nvPicPr>
-        <p:blipFill>
-          <a:blip r:embed="rId2" cstate="print"/>
-          <a:srcRect/>
-          <a:stretch>
-            <a:fillRect/>
-          </a:stretch>
-        </p:blipFill>
-        <p:spPr bwMode="auto">
-          <a:xfrm>
-            <a:off x="2214546" y="1285860"/>
-            <a:ext cx="4762500" cy="3009900"/>
-          </a:xfrm>
-          <a:prstGeom prst="rect">
-            <a:avLst/>
-          </a:prstGeom>
-          <a:noFill/>
-          <a:ln w="9525">
-            <a:noFill/>
-            <a:miter lim="800000"/>
-            <a:headEnd/>
-            <a:tailEnd/>
-          </a:ln>
-          <a:effectLst/>
-        </p:spPr>
-      </p:pic>
+              <a:t>.</a:t>
+            </a:r>
+            <a:endParaRPr lang="tr-TR" dirty="0" smtClean="0"/>
+          </a:p>
+          <a:p>
+            <a:endParaRPr lang="en-US" dirty="0"/>
+          </a:p>
+        </p:txBody>
+      </p:sp>
     </p:spTree>
   </p:cSld>
   <p:clrMapOvr>
@@ -6278,7 +6129,25 @@
               <a:rPr lang="en-US" noProof="0" dirty="0">
                 <a:cs typeface="Arial"/>
               </a:rPr>
-              <a:t>prepaid payment scheme for broadband Internet access will be designed and developed in a simulation environment</a:t>
+              <a:t>prepaid payment scheme for broadband Internet access </a:t>
+            </a:r>
+            <a:r>
+              <a:rPr lang="tr-TR" noProof="0" dirty="0" smtClean="0">
+                <a:cs typeface="Arial"/>
+              </a:rPr>
+              <a:t>is </a:t>
+            </a:r>
+            <a:r>
+              <a:rPr lang="en-US" noProof="0" dirty="0" smtClean="0">
+                <a:cs typeface="Arial"/>
+              </a:rPr>
+              <a:t>designed </a:t>
+            </a:r>
+            <a:r>
+              <a:rPr lang="en-US" noProof="0" dirty="0">
+                <a:cs typeface="Arial"/>
+              </a:rPr>
+              <a:t>and developed in a simulation environment</a:t>
             </a:r>
             <a:r>
               <a:rPr lang="en-US" noProof="0" dirty="0" smtClean="0">
@@ -6333,7 +6202,7 @@
     </p:spTree>
     <p:extLst>
       <p:ext uri="{BB962C8B-B14F-4D97-AF65-F5344CB8AC3E}">
-        <p14:creationId xmlns:p14="http://schemas.microsoft.com/office/powerpoint/2010/main" val="2774399580"/>
+        <p14:creationId xmlns:p14="http://schemas.microsoft.com/office/powerpoint/2010/main" xmlns="" val="2774399580"/>
       </p:ext>
     </p:extLst>
   </p:cSld>
@@ -6343,7 +6212,7 @@
   <p:timing>
     <p:tnLst>
       <p:par>
-        <p:cTn xmlns:p14="http://schemas.microsoft.com/office/powerpoint/2010/main" id="1" dur="indefinite" restart="never" nodeType="tmRoot"/>
+        <p:cTn id="1" dur="indefinite" restart="never" nodeType="tmRoot"/>
       </p:par>
     </p:tnLst>
   </p:timing>
@@ -6379,14 +6248,12 @@
         </p:nvSpPr>
         <p:spPr/>
         <p:txBody>
-          <a:bodyPr>
-            <a:normAutofit fontScale="90000"/>
-          </a:bodyPr>
-          <a:lstStyle/>
-          <a:p>
-            <a:r>
-              <a:rPr lang="en-US" dirty="0" smtClean="0"/>
-              <a:t>Initial Authorization &amp; Reuse of a Connection Card</a:t>
+          <a:bodyPr/>
+          <a:lstStyle/>
+          <a:p>
+            <a:r>
+              <a:rPr lang="tr-TR" dirty="0" smtClean="0"/>
+              <a:t>Simulation Environment</a:t>
             </a:r>
             <a:endParaRPr lang="en-US" dirty="0"/>
           </a:p>
@@ -6404,8 +6271,8 @@
         </p:nvSpPr>
         <p:spPr>
           <a:xfrm>
-            <a:off x="467544" y="5085184"/>
-            <a:ext cx="8229600" cy="1014952"/>
+            <a:off x="457200" y="1600201"/>
+            <a:ext cx="8229600" cy="1757362"/>
           </a:xfrm>
         </p:spPr>
         <p:txBody>
@@ -6415,44 +6282,594 @@
           <a:lstStyle/>
           <a:p>
             <a:r>
-              <a:rPr lang="en-US" dirty="0" smtClean="0"/>
-              <a:t>Average end-to-end delay.</a:t>
-            </a:r>
-          </a:p>
-          <a:p>
-            <a:r>
-              <a:rPr lang="en-US" dirty="0" smtClean="0"/>
-              <a:t>Reuse period is 0.5 second.</a:t>
-            </a:r>
-          </a:p>
-        </p:txBody>
-      </p:sp>
-      <p:pic>
-        <p:nvPicPr>
-          <p:cNvPr id="46082" name="Picture 2" descr="C:\Users\SUUSER\Desktop\initAuth.png"/>
-          <p:cNvPicPr>
-            <a:picLocks noChangeAspect="1" noChangeArrowheads="1"/>
-          </p:cNvPicPr>
+              <a:rPr lang="en-US" sz="2500" dirty="0" smtClean="0"/>
+              <a:t>The network topology is hierarchical and WMN supports connections with other IEEE 802.11 protocols, clients communicate with TTP via access points, GWs and operators in sequence</a:t>
+            </a:r>
+            <a:r>
+              <a:rPr lang="en-US" sz="2500" dirty="0" smtClean="0"/>
+              <a:t>.</a:t>
+            </a:r>
+            <a:endParaRPr lang="tr-TR" sz="2500" dirty="0" smtClean="0"/>
+          </a:p>
+          <a:p>
+            <a:r>
+              <a:rPr lang="tr-TR" sz="2500" dirty="0" smtClean="0"/>
+              <a:t>Access point specifications are given below.</a:t>
+            </a:r>
+          </a:p>
+          <a:p>
+            <a:endParaRPr lang="en-US" dirty="0"/>
+          </a:p>
+        </p:txBody>
+      </p:sp>
+      <p:graphicFrame>
+        <p:nvGraphicFramePr>
+          <p:cNvPr id="4" name="Table 3"/>
+          <p:cNvGraphicFramePr>
+            <a:graphicFrameLocks noGrp="1"/>
+          </p:cNvGraphicFramePr>
           <p:nvPr/>
-        </p:nvPicPr>
-        <p:blipFill>
-          <a:blip r:embed="rId3" cstate="print"/>
-          <a:srcRect/>
-          <a:stretch>
-            <a:fillRect/>
-          </a:stretch>
-        </p:blipFill>
-        <p:spPr bwMode="auto">
-          <a:xfrm>
-            <a:off x="755576" y="1628800"/>
-            <a:ext cx="7674639" cy="3240360"/>
-          </a:xfrm>
-          <a:prstGeom prst="rect">
-            <a:avLst/>
-          </a:prstGeom>
-          <a:noFill/>
-        </p:spPr>
-      </p:pic>
+        </p:nvGraphicFramePr>
+        <p:xfrm>
+          <a:off x="1571604" y="3571876"/>
+          <a:ext cx="5643602" cy="3000372"/>
+        </p:xfrm>
+        <a:graphic>
+          <a:graphicData uri="http://schemas.openxmlformats.org/drawingml/2006/table">
+            <a:tbl>
+              <a:tblPr/>
+              <a:tblGrid>
+                <a:gridCol w="2821801"/>
+                <a:gridCol w="2821801"/>
+              </a:tblGrid>
+              <a:tr h="1000124">
+                <a:tc>
+                  <a:txBody>
+                    <a:bodyPr/>
+                    <a:lstStyle/>
+                    <a:p>
+                      <a:pPr indent="137160" algn="ctr">
+                        <a:spcBef>
+                          <a:spcPts val="600"/>
+                        </a:spcBef>
+                        <a:spcAft>
+                          <a:spcPts val="1200"/>
+                        </a:spcAft>
+                      </a:pPr>
+                      <a:r>
+                        <a:rPr lang="en-AU" sz="1500" dirty="0">
+                          <a:latin typeface="+mj-lt"/>
+                          <a:ea typeface="SimSun"/>
+                          <a:cs typeface="Times New Roman"/>
+                        </a:rPr>
+                        <a:t>AP-Gateway Connection bit rate</a:t>
+                      </a:r>
+                      <a:endParaRPr lang="tr-TR" sz="1500" dirty="0">
+                        <a:latin typeface="+mj-lt"/>
+                        <a:ea typeface="SimSun"/>
+                        <a:cs typeface="Times New Roman"/>
+                      </a:endParaRPr>
+                    </a:p>
+                  </a:txBody>
+                  <a:tcPr marL="68580" marR="68580" marT="0" marB="0" anchor="ctr">
+                    <a:lnL w="12700" cap="flat" cmpd="sng" algn="ctr">
+                      <a:solidFill>
+                        <a:srgbClr val="000000"/>
+                      </a:solidFill>
+                      <a:prstDash val="solid"/>
+                      <a:round/>
+                      <a:headEnd type="none" w="med" len="med"/>
+                      <a:tailEnd type="none" w="med" len="med"/>
+                    </a:lnL>
+                    <a:lnR w="12700" cap="flat" cmpd="sng" algn="ctr">
+                      <a:solidFill>
+                        <a:srgbClr val="000000"/>
+                      </a:solidFill>
+                      <a:prstDash val="solid"/>
+                      <a:round/>
+                      <a:headEnd type="none" w="med" len="med"/>
+                      <a:tailEnd type="none" w="med" len="med"/>
+                    </a:lnR>
+                    <a:lnT w="12700" cap="flat" cmpd="sng" algn="ctr">
+                      <a:solidFill>
+                        <a:srgbClr val="000000"/>
+                      </a:solidFill>
+                      <a:prstDash val="solid"/>
+                      <a:round/>
+                      <a:headEnd type="none" w="med" len="med"/>
+                      <a:tailEnd type="none" w="med" len="med"/>
+                    </a:lnT>
+                    <a:lnB w="12700" cap="flat" cmpd="sng" algn="ctr">
+                      <a:solidFill>
+                        <a:srgbClr val="000000"/>
+                      </a:solidFill>
+                      <a:prstDash val="solid"/>
+                      <a:round/>
+                      <a:headEnd type="none" w="med" len="med"/>
+                      <a:tailEnd type="none" w="med" len="med"/>
+                    </a:lnB>
+                  </a:tcPr>
+                </a:tc>
+                <a:tc>
+                  <a:txBody>
+                    <a:bodyPr/>
+                    <a:lstStyle/>
+                    <a:p>
+                      <a:pPr indent="137160" algn="ctr">
+                        <a:spcBef>
+                          <a:spcPts val="600"/>
+                        </a:spcBef>
+                        <a:spcAft>
+                          <a:spcPts val="1200"/>
+                        </a:spcAft>
+                      </a:pPr>
+                      <a:r>
+                        <a:rPr lang="en-AU" sz="1500">
+                          <a:latin typeface="+mj-lt"/>
+                          <a:ea typeface="SimSun"/>
+                          <a:cs typeface="Times New Roman"/>
+                        </a:rPr>
+                        <a:t>6-54 Mbps – Wi-Fi</a:t>
+                      </a:r>
+                      <a:endParaRPr lang="tr-TR" sz="1500">
+                        <a:latin typeface="+mj-lt"/>
+                        <a:ea typeface="SimSun"/>
+                        <a:cs typeface="Times New Roman"/>
+                      </a:endParaRPr>
+                    </a:p>
+                  </a:txBody>
+                  <a:tcPr marL="68580" marR="68580" marT="0" marB="0" anchor="ctr">
+                    <a:lnL w="12700" cap="flat" cmpd="sng" algn="ctr">
+                      <a:solidFill>
+                        <a:srgbClr val="000000"/>
+                      </a:solidFill>
+                      <a:prstDash val="solid"/>
+                      <a:round/>
+                      <a:headEnd type="none" w="med" len="med"/>
+                      <a:tailEnd type="none" w="med" len="med"/>
+                    </a:lnL>
+                    <a:lnR w="12700" cap="flat" cmpd="sng" algn="ctr">
+                      <a:solidFill>
+                        <a:srgbClr val="000000"/>
+                      </a:solidFill>
+                      <a:prstDash val="solid"/>
+                      <a:round/>
+                      <a:headEnd type="none" w="med" len="med"/>
+                      <a:tailEnd type="none" w="med" len="med"/>
+                    </a:lnR>
+                    <a:lnT w="12700" cap="flat" cmpd="sng" algn="ctr">
+                      <a:solidFill>
+                        <a:srgbClr val="000000"/>
+                      </a:solidFill>
+                      <a:prstDash val="solid"/>
+                      <a:round/>
+                      <a:headEnd type="none" w="med" len="med"/>
+                      <a:tailEnd type="none" w="med" len="med"/>
+                    </a:lnT>
+                    <a:lnB w="12700" cap="flat" cmpd="sng" algn="ctr">
+                      <a:solidFill>
+                        <a:srgbClr val="000000"/>
+                      </a:solidFill>
+                      <a:prstDash val="solid"/>
+                      <a:round/>
+                      <a:headEnd type="none" w="med" len="med"/>
+                      <a:tailEnd type="none" w="med" len="med"/>
+                    </a:lnB>
+                  </a:tcPr>
+                </a:tc>
+              </a:tr>
+              <a:tr h="500062">
+                <a:tc>
+                  <a:txBody>
+                    <a:bodyPr/>
+                    <a:lstStyle/>
+                    <a:p>
+                      <a:pPr indent="137160" algn="ctr">
+                        <a:spcBef>
+                          <a:spcPts val="600"/>
+                        </a:spcBef>
+                        <a:spcAft>
+                          <a:spcPts val="1200"/>
+                        </a:spcAft>
+                      </a:pPr>
+                      <a:r>
+                        <a:rPr lang="en-AU" sz="1500">
+                          <a:latin typeface="+mj-lt"/>
+                          <a:ea typeface="SimSun"/>
+                          <a:cs typeface="Times New Roman"/>
+                        </a:rPr>
+                        <a:t>AP-Gateway Distance</a:t>
+                      </a:r>
+                      <a:endParaRPr lang="tr-TR" sz="1500">
+                        <a:latin typeface="+mj-lt"/>
+                        <a:ea typeface="SimSun"/>
+                        <a:cs typeface="Times New Roman"/>
+                      </a:endParaRPr>
+                    </a:p>
+                  </a:txBody>
+                  <a:tcPr marL="68580" marR="68580" marT="0" marB="0" anchor="ctr">
+                    <a:lnL w="12700" cap="flat" cmpd="sng" algn="ctr">
+                      <a:solidFill>
+                        <a:srgbClr val="000000"/>
+                      </a:solidFill>
+                      <a:prstDash val="solid"/>
+                      <a:round/>
+                      <a:headEnd type="none" w="med" len="med"/>
+                      <a:tailEnd type="none" w="med" len="med"/>
+                    </a:lnL>
+                    <a:lnR w="12700" cap="flat" cmpd="sng" algn="ctr">
+                      <a:solidFill>
+                        <a:srgbClr val="000000"/>
+                      </a:solidFill>
+                      <a:prstDash val="solid"/>
+                      <a:round/>
+                      <a:headEnd type="none" w="med" len="med"/>
+                      <a:tailEnd type="none" w="med" len="med"/>
+                    </a:lnR>
+                    <a:lnT w="12700" cap="flat" cmpd="sng" algn="ctr">
+                      <a:solidFill>
+                        <a:srgbClr val="000000"/>
+                      </a:solidFill>
+                      <a:prstDash val="solid"/>
+                      <a:round/>
+                      <a:headEnd type="none" w="med" len="med"/>
+                      <a:tailEnd type="none" w="med" len="med"/>
+                    </a:lnT>
+                    <a:lnB w="12700" cap="flat" cmpd="sng" algn="ctr">
+                      <a:solidFill>
+                        <a:srgbClr val="000000"/>
+                      </a:solidFill>
+                      <a:prstDash val="solid"/>
+                      <a:round/>
+                      <a:headEnd type="none" w="med" len="med"/>
+                      <a:tailEnd type="none" w="med" len="med"/>
+                    </a:lnB>
+                  </a:tcPr>
+                </a:tc>
+                <a:tc>
+                  <a:txBody>
+                    <a:bodyPr/>
+                    <a:lstStyle/>
+                    <a:p>
+                      <a:pPr indent="137160" algn="ctr">
+                        <a:spcBef>
+                          <a:spcPts val="600"/>
+                        </a:spcBef>
+                        <a:spcAft>
+                          <a:spcPts val="1200"/>
+                        </a:spcAft>
+                      </a:pPr>
+                      <a:r>
+                        <a:rPr lang="en-AU" sz="1500">
+                          <a:latin typeface="+mj-lt"/>
+                          <a:ea typeface="SimSun"/>
+                          <a:cs typeface="Times New Roman"/>
+                        </a:rPr>
+                        <a:t>70 m</a:t>
+                      </a:r>
+                      <a:endParaRPr lang="tr-TR" sz="1500">
+                        <a:latin typeface="+mj-lt"/>
+                        <a:ea typeface="SimSun"/>
+                        <a:cs typeface="Times New Roman"/>
+                      </a:endParaRPr>
+                    </a:p>
+                  </a:txBody>
+                  <a:tcPr marL="68580" marR="68580" marT="0" marB="0" anchor="ctr">
+                    <a:lnL w="12700" cap="flat" cmpd="sng" algn="ctr">
+                      <a:solidFill>
+                        <a:srgbClr val="000000"/>
+                      </a:solidFill>
+                      <a:prstDash val="solid"/>
+                      <a:round/>
+                      <a:headEnd type="none" w="med" len="med"/>
+                      <a:tailEnd type="none" w="med" len="med"/>
+                    </a:lnL>
+                    <a:lnR w="12700" cap="flat" cmpd="sng" algn="ctr">
+                      <a:solidFill>
+                        <a:srgbClr val="000000"/>
+                      </a:solidFill>
+                      <a:prstDash val="solid"/>
+                      <a:round/>
+                      <a:headEnd type="none" w="med" len="med"/>
+                      <a:tailEnd type="none" w="med" len="med"/>
+                    </a:lnR>
+                    <a:lnT w="12700" cap="flat" cmpd="sng" algn="ctr">
+                      <a:solidFill>
+                        <a:srgbClr val="000000"/>
+                      </a:solidFill>
+                      <a:prstDash val="solid"/>
+                      <a:round/>
+                      <a:headEnd type="none" w="med" len="med"/>
+                      <a:tailEnd type="none" w="med" len="med"/>
+                    </a:lnT>
+                    <a:lnB w="12700" cap="flat" cmpd="sng" algn="ctr">
+                      <a:solidFill>
+                        <a:srgbClr val="000000"/>
+                      </a:solidFill>
+                      <a:prstDash val="solid"/>
+                      <a:round/>
+                      <a:headEnd type="none" w="med" len="med"/>
+                      <a:tailEnd type="none" w="med" len="med"/>
+                    </a:lnB>
+                  </a:tcPr>
+                </a:tc>
+              </a:tr>
+              <a:tr h="1000124">
+                <a:tc>
+                  <a:txBody>
+                    <a:bodyPr/>
+                    <a:lstStyle/>
+                    <a:p>
+                      <a:pPr indent="137160" algn="ctr">
+                        <a:spcBef>
+                          <a:spcPts val="600"/>
+                        </a:spcBef>
+                        <a:spcAft>
+                          <a:spcPts val="1200"/>
+                        </a:spcAft>
+                      </a:pPr>
+                      <a:r>
+                        <a:rPr lang="en-AU" sz="1500">
+                          <a:latin typeface="+mj-lt"/>
+                          <a:ea typeface="SimSun"/>
+                          <a:cs typeface="Times New Roman"/>
+                        </a:rPr>
+                        <a:t>Service Duration per token</a:t>
+                      </a:r>
+                      <a:endParaRPr lang="tr-TR" sz="1500">
+                        <a:latin typeface="+mj-lt"/>
+                        <a:ea typeface="SimSun"/>
+                        <a:cs typeface="Times New Roman"/>
+                      </a:endParaRPr>
+                    </a:p>
+                  </a:txBody>
+                  <a:tcPr marL="68580" marR="68580" marT="0" marB="0" anchor="ctr">
+                    <a:lnL w="12700" cap="flat" cmpd="sng" algn="ctr">
+                      <a:solidFill>
+                        <a:srgbClr val="000000"/>
+                      </a:solidFill>
+                      <a:prstDash val="solid"/>
+                      <a:round/>
+                      <a:headEnd type="none" w="med" len="med"/>
+                      <a:tailEnd type="none" w="med" len="med"/>
+                    </a:lnL>
+                    <a:lnR w="12700" cap="flat" cmpd="sng" algn="ctr">
+                      <a:solidFill>
+                        <a:srgbClr val="000000"/>
+                      </a:solidFill>
+                      <a:prstDash val="solid"/>
+                      <a:round/>
+                      <a:headEnd type="none" w="med" len="med"/>
+                      <a:tailEnd type="none" w="med" len="med"/>
+                    </a:lnR>
+                    <a:lnT w="12700" cap="flat" cmpd="sng" algn="ctr">
+                      <a:solidFill>
+                        <a:srgbClr val="000000"/>
+                      </a:solidFill>
+                      <a:prstDash val="solid"/>
+                      <a:round/>
+                      <a:headEnd type="none" w="med" len="med"/>
+                      <a:tailEnd type="none" w="med" len="med"/>
+                    </a:lnT>
+                    <a:lnB w="12700" cap="flat" cmpd="sng" algn="ctr">
+                      <a:solidFill>
+                        <a:srgbClr val="000000"/>
+                      </a:solidFill>
+                      <a:prstDash val="solid"/>
+                      <a:round/>
+                      <a:headEnd type="none" w="med" len="med"/>
+                      <a:tailEnd type="none" w="med" len="med"/>
+                    </a:lnB>
+                  </a:tcPr>
+                </a:tc>
+                <a:tc>
+                  <a:txBody>
+                    <a:bodyPr/>
+                    <a:lstStyle/>
+                    <a:p>
+                      <a:pPr indent="137160" algn="ctr">
+                        <a:spcBef>
+                          <a:spcPts val="600"/>
+                        </a:spcBef>
+                        <a:spcAft>
+                          <a:spcPts val="1200"/>
+                        </a:spcAft>
+                      </a:pPr>
+                      <a:r>
+                        <a:rPr lang="en-AU" sz="1500">
+                          <a:latin typeface="+mj-lt"/>
+                          <a:ea typeface="SimSun"/>
+                          <a:cs typeface="Times New Roman"/>
+                        </a:rPr>
+                        <a:t>5 minutes</a:t>
+                      </a:r>
+                      <a:endParaRPr lang="tr-TR" sz="1500">
+                        <a:latin typeface="+mj-lt"/>
+                        <a:ea typeface="SimSun"/>
+                        <a:cs typeface="Times New Roman"/>
+                      </a:endParaRPr>
+                    </a:p>
+                  </a:txBody>
+                  <a:tcPr marL="68580" marR="68580" marT="0" marB="0" anchor="ctr">
+                    <a:lnL w="12700" cap="flat" cmpd="sng" algn="ctr">
+                      <a:solidFill>
+                        <a:srgbClr val="000000"/>
+                      </a:solidFill>
+                      <a:prstDash val="solid"/>
+                      <a:round/>
+                      <a:headEnd type="none" w="med" len="med"/>
+                      <a:tailEnd type="none" w="med" len="med"/>
+                    </a:lnL>
+                    <a:lnR w="12700" cap="flat" cmpd="sng" algn="ctr">
+                      <a:solidFill>
+                        <a:srgbClr val="000000"/>
+                      </a:solidFill>
+                      <a:prstDash val="solid"/>
+                      <a:round/>
+                      <a:headEnd type="none" w="med" len="med"/>
+                      <a:tailEnd type="none" w="med" len="med"/>
+                    </a:lnR>
+                    <a:lnT w="12700" cap="flat" cmpd="sng" algn="ctr">
+                      <a:solidFill>
+                        <a:srgbClr val="000000"/>
+                      </a:solidFill>
+                      <a:prstDash val="solid"/>
+                      <a:round/>
+                      <a:headEnd type="none" w="med" len="med"/>
+                      <a:tailEnd type="none" w="med" len="med"/>
+                    </a:lnT>
+                    <a:lnB w="12700" cap="flat" cmpd="sng" algn="ctr">
+                      <a:solidFill>
+                        <a:srgbClr val="000000"/>
+                      </a:solidFill>
+                      <a:prstDash val="solid"/>
+                      <a:round/>
+                      <a:headEnd type="none" w="med" len="med"/>
+                      <a:tailEnd type="none" w="med" len="med"/>
+                    </a:lnB>
+                  </a:tcPr>
+                </a:tc>
+              </a:tr>
+              <a:tr h="500062">
+                <a:tc>
+                  <a:txBody>
+                    <a:bodyPr/>
+                    <a:lstStyle/>
+                    <a:p>
+                      <a:pPr indent="137160" algn="ctr">
+                        <a:spcBef>
+                          <a:spcPts val="600"/>
+                        </a:spcBef>
+                        <a:spcAft>
+                          <a:spcPts val="1200"/>
+                        </a:spcAft>
+                      </a:pPr>
+                      <a:r>
+                        <a:rPr lang="en-AU" sz="1500">
+                          <a:latin typeface="+mj-lt"/>
+                          <a:ea typeface="SimSun"/>
+                          <a:cs typeface="Times New Roman"/>
+                        </a:rPr>
+                        <a:t>Update Interval</a:t>
+                      </a:r>
+                      <a:endParaRPr lang="tr-TR" sz="1500">
+                        <a:latin typeface="+mj-lt"/>
+                        <a:ea typeface="SimSun"/>
+                        <a:cs typeface="Times New Roman"/>
+                      </a:endParaRPr>
+                    </a:p>
+                  </a:txBody>
+                  <a:tcPr marL="68580" marR="68580" marT="0" marB="0" anchor="ctr">
+                    <a:lnL w="12700" cap="flat" cmpd="sng" algn="ctr">
+                      <a:solidFill>
+                        <a:srgbClr val="000000"/>
+                      </a:solidFill>
+                      <a:prstDash val="solid"/>
+                      <a:round/>
+                      <a:headEnd type="none" w="med" len="med"/>
+                      <a:tailEnd type="none" w="med" len="med"/>
+                    </a:lnL>
+                    <a:lnR w="12700" cap="flat" cmpd="sng" algn="ctr">
+                      <a:solidFill>
+                        <a:srgbClr val="000000"/>
+                      </a:solidFill>
+                      <a:prstDash val="solid"/>
+                      <a:round/>
+                      <a:headEnd type="none" w="med" len="med"/>
+                      <a:tailEnd type="none" w="med" len="med"/>
+                    </a:lnR>
+                    <a:lnT w="12700" cap="flat" cmpd="sng" algn="ctr">
+                      <a:solidFill>
+                        <a:srgbClr val="000000"/>
+                      </a:solidFill>
+                      <a:prstDash val="solid"/>
+                      <a:round/>
+                      <a:headEnd type="none" w="med" len="med"/>
+                      <a:tailEnd type="none" w="med" len="med"/>
+                    </a:lnT>
+                    <a:lnB w="12700" cap="flat" cmpd="sng" algn="ctr">
+                      <a:solidFill>
+                        <a:srgbClr val="000000"/>
+                      </a:solidFill>
+                      <a:prstDash val="solid"/>
+                      <a:round/>
+                      <a:headEnd type="none" w="med" len="med"/>
+                      <a:tailEnd type="none" w="med" len="med"/>
+                    </a:lnB>
+                  </a:tcPr>
+                </a:tc>
+                <a:tc>
+                  <a:txBody>
+                    <a:bodyPr/>
+                    <a:lstStyle/>
+                    <a:p>
+                      <a:pPr indent="137160" algn="ctr">
+                        <a:spcBef>
+                          <a:spcPts val="600"/>
+                        </a:spcBef>
+                        <a:spcAft>
+                          <a:spcPts val="1200"/>
+                        </a:spcAft>
+                      </a:pPr>
+                      <a:r>
+                        <a:rPr lang="en-AU" sz="1500" dirty="0">
+                          <a:latin typeface="+mj-lt"/>
+                          <a:ea typeface="SimSun"/>
+                          <a:cs typeface="Times New Roman"/>
+                        </a:rPr>
+                        <a:t>11 minutes</a:t>
+                      </a:r>
+                      <a:endParaRPr lang="tr-TR" sz="1500" dirty="0">
+                        <a:latin typeface="+mj-lt"/>
+                        <a:ea typeface="SimSun"/>
+                        <a:cs typeface="Times New Roman"/>
+                      </a:endParaRPr>
+                    </a:p>
+                  </a:txBody>
+                  <a:tcPr marL="68580" marR="68580" marT="0" marB="0" anchor="ctr">
+                    <a:lnL w="12700" cap="flat" cmpd="sng" algn="ctr">
+                      <a:solidFill>
+                        <a:srgbClr val="000000"/>
+                      </a:solidFill>
+                      <a:prstDash val="solid"/>
+                      <a:round/>
+                      <a:headEnd type="none" w="med" len="med"/>
+                      <a:tailEnd type="none" w="med" len="med"/>
+                    </a:lnL>
+                    <a:lnR w="12700" cap="flat" cmpd="sng" algn="ctr">
+                      <a:solidFill>
+                        <a:srgbClr val="000000"/>
+                      </a:solidFill>
+                      <a:prstDash val="solid"/>
+                      <a:round/>
+                      <a:headEnd type="none" w="med" len="med"/>
+                      <a:tailEnd type="none" w="med" len="med"/>
+                    </a:lnR>
+                    <a:lnT w="12700" cap="flat" cmpd="sng" algn="ctr">
+                      <a:solidFill>
+                        <a:srgbClr val="000000"/>
+                      </a:solidFill>
+                      <a:prstDash val="solid"/>
+                      <a:round/>
+                      <a:headEnd type="none" w="med" len="med"/>
+                      <a:tailEnd type="none" w="med" len="med"/>
+                    </a:lnT>
+                    <a:lnB w="12700" cap="flat" cmpd="sng" algn="ctr">
+                      <a:solidFill>
+                        <a:srgbClr val="000000"/>
+                      </a:solidFill>
+                      <a:prstDash val="solid"/>
+                      <a:round/>
+                      <a:headEnd type="none" w="med" len="med"/>
+                      <a:tailEnd type="none" w="med" len="med"/>
+                    </a:lnB>
+                  </a:tcPr>
+                </a:tc>
+              </a:tr>
+            </a:tbl>
+          </a:graphicData>
+        </a:graphic>
+      </p:graphicFrame>
     </p:spTree>
   </p:cSld>
   <p:clrMapOvr>
@@ -6490,14 +6907,12 @@
         </p:nvSpPr>
         <p:spPr/>
         <p:txBody>
-          <a:bodyPr>
-            <a:normAutofit fontScale="90000"/>
-          </a:bodyPr>
-          <a:lstStyle/>
-          <a:p>
-            <a:r>
-              <a:rPr lang="en-US" dirty="0" smtClean="0"/>
-              <a:t>Access Point Authentication &amp; Packet Transfer</a:t>
+          <a:bodyPr/>
+          <a:lstStyle/>
+          <a:p>
+            <a:r>
+              <a:rPr lang="tr-TR" dirty="0" smtClean="0"/>
+              <a:t>Simulation Environment</a:t>
             </a:r>
             <a:endParaRPr lang="en-US" dirty="0"/>
           </a:p>
@@ -6513,58 +6928,32 @@
             <p:ph idx="1"/>
           </p:nvPr>
         </p:nvSpPr>
-        <p:spPr>
-          <a:xfrm>
-            <a:off x="323528" y="5373216"/>
-            <a:ext cx="8229600" cy="1087530"/>
-          </a:xfrm>
-        </p:spPr>
-        <p:txBody>
-          <a:bodyPr>
-            <a:normAutofit fontScale="77500" lnSpcReduction="20000"/>
-          </a:bodyPr>
-          <a:lstStyle/>
-          <a:p>
-            <a:r>
-              <a:rPr lang="en-US" dirty="0" smtClean="0"/>
-              <a:t>One packet is sent in every 0.5 second.</a:t>
-            </a:r>
-          </a:p>
-          <a:p>
-            <a:r>
-              <a:rPr lang="en-US" dirty="0" smtClean="0"/>
-              <a:t>At the beginning access point authentication protocol runs and brings extra overhead.</a:t>
-            </a:r>
-            <a:endParaRPr lang="en-US" dirty="0"/>
-          </a:p>
-        </p:txBody>
-      </p:sp>
-      <p:pic>
-        <p:nvPicPr>
-          <p:cNvPr id="47106" name="Picture 2" descr="C:\Users\SUUSER\Desktop\packettransfer.png"/>
-          <p:cNvPicPr>
-            <a:picLocks noChangeAspect="1" noChangeArrowheads="1"/>
-          </p:cNvPicPr>
-          <p:nvPr/>
-        </p:nvPicPr>
-        <p:blipFill>
-          <a:blip r:embed="rId3" cstate="print"/>
-          <a:srcRect/>
-          <a:stretch>
-            <a:fillRect/>
-          </a:stretch>
-        </p:blipFill>
-        <p:spPr bwMode="auto">
-          <a:xfrm>
-            <a:off x="611560" y="1628800"/>
-            <a:ext cx="7845186" cy="3312368"/>
-          </a:xfrm>
-          <a:prstGeom prst="rect">
-            <a:avLst/>
-          </a:prstGeom>
-          <a:noFill/>
-        </p:spPr>
-      </p:pic>
+        <p:spPr/>
+        <p:txBody>
+          <a:bodyPr/>
+          <a:lstStyle/>
+          <a:p>
+            <a:r>
+              <a:rPr lang="tr-TR" dirty="0" smtClean="0"/>
+              <a:t>Our network has 100 access points, 32 gateways, 2 operators ans a TTP server covering a 1 km</a:t>
+            </a:r>
+            <a:r>
+              <a:rPr lang="tr-TR" baseline="30000" dirty="0" smtClean="0"/>
+              <a:t>2</a:t>
+            </a:r>
+            <a:r>
+              <a:rPr lang="tr-TR" dirty="0" smtClean="0"/>
+              <a:t> metropolitan area.</a:t>
+            </a:r>
+          </a:p>
+          <a:p>
+            <a:r>
+              <a:rPr lang="tr-TR" dirty="0" smtClean="0"/>
+              <a:t>There are 300 clients simultaneously trying to get internet service in a day.</a:t>
+            </a:r>
+          </a:p>
+        </p:txBody>
+      </p:sp>
     </p:spTree>
   </p:cSld>
   <p:clrMapOvr>
@@ -6606,50 +6995,8 @@
           <a:lstStyle/>
           <a:p>
             <a:r>
-              <a:rPr lang="en-US" dirty="0" smtClean="0"/>
-              <a:t>Changing Alias</a:t>
-            </a:r>
-            <a:endParaRPr lang="en-US" dirty="0"/>
-          </a:p>
-        </p:txBody>
-      </p:sp>
-      <p:sp>
-        <p:nvSpPr>
-          <p:cNvPr id="3" name="Content Placeholder 2"/>
-          <p:cNvSpPr>
-            <a:spLocks noGrp="1"/>
-          </p:cNvSpPr>
-          <p:nvPr>
-            <p:ph idx="1"/>
-          </p:nvPr>
-        </p:nvSpPr>
-        <p:spPr>
-          <a:xfrm>
-            <a:off x="457200" y="5072074"/>
-            <a:ext cx="8229600" cy="1428760"/>
-          </a:xfrm>
-        </p:spPr>
-        <p:txBody>
-          <a:bodyPr>
-            <a:normAutofit fontScale="70000" lnSpcReduction="20000"/>
-          </a:bodyPr>
-          <a:lstStyle/>
-          <a:p>
-            <a:r>
-              <a:rPr lang="en-US" dirty="0" smtClean="0"/>
-              <a:t>On average each client sends one packet in every 2 seconds.</a:t>
-            </a:r>
-          </a:p>
-          <a:p>
-            <a:r>
-              <a:rPr lang="en-US" dirty="0" smtClean="0"/>
-              <a:t>Traffic is doubled between 20th and  40th seconds.</a:t>
-            </a:r>
-          </a:p>
-          <a:p>
-            <a:r>
-              <a:rPr lang="en-US" dirty="0" smtClean="0"/>
-              <a:t>Average end-to-end delay is calculated as seen from a particular client.</a:t>
+              <a:rPr lang="tr-TR" dirty="0" smtClean="0"/>
+              <a:t>Simulation Environment</a:t>
             </a:r>
             <a:endParaRPr lang="en-US" dirty="0"/>
           </a:p>
@@ -6657,14 +7004,12 @@
       </p:sp>
       <p:pic>
         <p:nvPicPr>
-          <p:cNvPr id="5" name="Picture 2"/>
-          <p:cNvPicPr>
-            <a:picLocks noChangeAspect="1" noChangeArrowheads="1"/>
-          </p:cNvPicPr>
+          <p:cNvPr id="4" name="Picture 3" descr="C:\Users\SUUSER\Documents\GitHub\worddoc\thesisImages\networkTopology.png"/>
+          <p:cNvPicPr/>
           <p:nvPr/>
         </p:nvPicPr>
         <p:blipFill>
-          <a:blip r:embed="rId3" cstate="print"/>
+          <a:blip r:embed="rId2" cstate="print"/>
           <a:srcRect/>
           <a:stretch>
             <a:fillRect/>
@@ -6672,8 +7017,8 @@
         </p:blipFill>
         <p:spPr bwMode="auto">
           <a:xfrm>
-            <a:off x="1087815" y="1285860"/>
-            <a:ext cx="7056085" cy="3643338"/>
+            <a:off x="2071670" y="2000240"/>
+            <a:ext cx="4915700" cy="3877814"/>
           </a:xfrm>
           <a:prstGeom prst="rect">
             <a:avLst/>
@@ -6685,7 +7030,6 @@
             <a:headEnd/>
             <a:tailEnd/>
           </a:ln>
-          <a:effectLst/>
         </p:spPr>
       </p:pic>
     </p:spTree>
@@ -6729,80 +7073,59 @@
           <a:lstStyle/>
           <a:p>
             <a:r>
+              <a:rPr lang="tr-TR" dirty="0" smtClean="0"/>
+              <a:t>SSPayWMN Simulations</a:t>
+            </a:r>
+            <a:endParaRPr lang="en-US" dirty="0"/>
+          </a:p>
+        </p:txBody>
+      </p:sp>
+      <p:sp>
+        <p:nvSpPr>
+          <p:cNvPr id="3" name="Content Placeholder 2"/>
+          <p:cNvSpPr>
+            <a:spLocks noGrp="1"/>
+          </p:cNvSpPr>
+          <p:nvPr>
+            <p:ph idx="1"/>
+          </p:nvPr>
+        </p:nvSpPr>
+        <p:spPr/>
+        <p:txBody>
+          <a:bodyPr>
+            <a:normAutofit fontScale="92500" lnSpcReduction="10000"/>
+          </a:bodyPr>
+          <a:lstStyle/>
+          <a:p>
+            <a:r>
+              <a:rPr lang="tr-TR" dirty="0" smtClean="0"/>
+              <a:t>We have conducted the simulations of SSPayWMN in two groups.</a:t>
+            </a:r>
+          </a:p>
+          <a:p>
+            <a:r>
+              <a:rPr lang="tr-TR" dirty="0" smtClean="0"/>
+              <a:t>Unit Tests: These simulations </a:t>
+            </a:r>
+            <a:r>
               <a:rPr lang="en-US" dirty="0" smtClean="0"/>
-              <a:t>Seamless Mobility</a:t>
-            </a:r>
-            <a:endParaRPr lang="en-US" dirty="0"/>
-          </a:p>
-        </p:txBody>
-      </p:sp>
-      <p:sp>
-        <p:nvSpPr>
-          <p:cNvPr id="3" name="Content Placeholder 2"/>
-          <p:cNvSpPr>
-            <a:spLocks noGrp="1"/>
-          </p:cNvSpPr>
-          <p:nvPr>
-            <p:ph idx="1"/>
-          </p:nvPr>
-        </p:nvSpPr>
-        <p:spPr>
-          <a:xfrm>
-            <a:off x="467544" y="5877272"/>
-            <a:ext cx="8229600" cy="733190"/>
-          </a:xfrm>
-        </p:spPr>
-        <p:txBody>
-          <a:bodyPr>
-            <a:normAutofit fontScale="85000" lnSpcReduction="10000"/>
-          </a:bodyPr>
-          <a:lstStyle/>
-          <a:p>
+              <a:t>aim </a:t>
+            </a:r>
             <a:r>
               <a:rPr lang="en-US" dirty="0" smtClean="0"/>
-              <a:t>Client changes his access point in every 0.5 </a:t>
-            </a:r>
-            <a:r>
-              <a:rPr lang="en-US" smtClean="0"/>
-              <a:t>seconds.</a:t>
-            </a:r>
-            <a:endParaRPr lang="en-US" dirty="0" smtClean="0"/>
-          </a:p>
-        </p:txBody>
-      </p:sp>
-      <p:pic>
-        <p:nvPicPr>
-          <p:cNvPr id="5" name="Picture 2"/>
-          <p:cNvPicPr>
-            <a:picLocks noChangeAspect="1" noChangeArrowheads="1"/>
-          </p:cNvPicPr>
-          <p:nvPr/>
-        </p:nvPicPr>
-        <p:blipFill>
-          <a:blip r:embed="rId3" cstate="print"/>
-          <a:srcRect/>
-          <a:stretch>
-            <a:fillRect/>
-          </a:stretch>
-        </p:blipFill>
-        <p:spPr bwMode="auto">
-          <a:xfrm>
-            <a:off x="785786" y="1214422"/>
-            <a:ext cx="7572428" cy="4561704"/>
-          </a:xfrm>
-          <a:prstGeom prst="rect">
-            <a:avLst/>
-          </a:prstGeom>
-          <a:noFill/>
-          <a:ln w="9525">
-            <a:noFill/>
-            <a:miter lim="800000"/>
-            <a:headEnd/>
-            <a:tailEnd/>
-          </a:ln>
-          <a:effectLst/>
-        </p:spPr>
-      </p:pic>
+              <a:t>to simulate protocols of protocols of SSPayWMN, independent from each other to analyze the delay caused by protocols.</a:t>
+            </a:r>
+            <a:endParaRPr lang="tr-TR" dirty="0" smtClean="0"/>
+          </a:p>
+          <a:p>
+            <a:r>
+              <a:rPr lang="tr-TR" dirty="0" smtClean="0"/>
+              <a:t>Real-life Scenario Simulation: These simulations evaluate the system’s overall performance in an ordinary day usage with client mobility and high Internet service demand.</a:t>
+            </a:r>
+            <a:endParaRPr lang="en-US" dirty="0"/>
+          </a:p>
+        </p:txBody>
+      </p:sp>
     </p:spTree>
   </p:cSld>
   <p:clrMapOvr>
@@ -6844,31 +7167,594 @@
           <a:lstStyle/>
           <a:p>
             <a:r>
+              <a:rPr lang="tr-TR" dirty="0" smtClean="0"/>
+              <a:t>Unit Test Results</a:t>
+            </a:r>
+            <a:endParaRPr lang="en-US" dirty="0"/>
+          </a:p>
+        </p:txBody>
+      </p:sp>
+      <p:sp>
+        <p:nvSpPr>
+          <p:cNvPr id="3" name="Content Placeholder 2"/>
+          <p:cNvSpPr>
+            <a:spLocks noGrp="1"/>
+          </p:cNvSpPr>
+          <p:nvPr>
+            <p:ph idx="1"/>
+          </p:nvPr>
+        </p:nvSpPr>
+        <p:spPr>
+          <a:xfrm>
+            <a:off x="457200" y="1600201"/>
+            <a:ext cx="8229600" cy="1114420"/>
+          </a:xfrm>
+        </p:spPr>
+        <p:txBody>
+          <a:bodyPr/>
+          <a:lstStyle/>
+          <a:p>
+            <a:r>
+              <a:rPr lang="tr-TR" dirty="0" smtClean="0"/>
+              <a:t>Unit Test Result for End-to-end Two-Way Protocols</a:t>
+            </a:r>
+            <a:endParaRPr lang="en-US" dirty="0"/>
+          </a:p>
+        </p:txBody>
+      </p:sp>
+      <p:pic>
+        <p:nvPicPr>
+          <p:cNvPr id="4" name="Picture 3" descr="C:\Users\SUUSER\Documents\GitHub\worddoc\thesisImages\unitSimImages\endToEndMedium.png"/>
+          <p:cNvPicPr/>
+          <p:nvPr/>
+        </p:nvPicPr>
+        <p:blipFill>
+          <a:blip r:embed="rId2" cstate="print"/>
+          <a:srcRect/>
+          <a:stretch>
+            <a:fillRect/>
+          </a:stretch>
+        </p:blipFill>
+        <p:spPr bwMode="auto">
+          <a:xfrm>
+            <a:off x="1643042" y="2714620"/>
+            <a:ext cx="5724525" cy="3810000"/>
+          </a:xfrm>
+          <a:prstGeom prst="rect">
+            <a:avLst/>
+          </a:prstGeom>
+          <a:noFill/>
+          <a:ln w="9525">
+            <a:noFill/>
+            <a:miter lim="800000"/>
+            <a:headEnd/>
+            <a:tailEnd/>
+          </a:ln>
+        </p:spPr>
+      </p:pic>
+    </p:spTree>
+  </p:cSld>
+  <p:clrMapOvr>
+    <a:masterClrMapping/>
+  </p:clrMapOvr>
+</p:sld>
+</file>
+
+<file path=ppt/slides/slide35.xml><?xml version="1.0" encoding="utf-8"?>
+<p:sld xmlns:a="http://schemas.openxmlformats.org/drawingml/2006/main" xmlns:r="http://schemas.openxmlformats.org/officeDocument/2006/relationships" xmlns:p="http://schemas.openxmlformats.org/presentationml/2006/main">
+  <p:cSld>
+    <p:spTree>
+      <p:nvGrpSpPr>
+        <p:cNvPr id="1" name=""/>
+        <p:cNvGrpSpPr/>
+        <p:nvPr/>
+      </p:nvGrpSpPr>
+      <p:grpSpPr>
+        <a:xfrm>
+          <a:off x="0" y="0"/>
+          <a:ext cx="0" cy="0"/>
+          <a:chOff x="0" y="0"/>
+          <a:chExt cx="0" cy="0"/>
+        </a:xfrm>
+      </p:grpSpPr>
+      <p:sp>
+        <p:nvSpPr>
+          <p:cNvPr id="2" name="Title 1"/>
+          <p:cNvSpPr>
+            <a:spLocks noGrp="1"/>
+          </p:cNvSpPr>
+          <p:nvPr>
+            <p:ph type="title"/>
+          </p:nvPr>
+        </p:nvSpPr>
+        <p:spPr/>
+        <p:txBody>
+          <a:bodyPr/>
+          <a:lstStyle/>
+          <a:p>
+            <a:r>
+              <a:rPr lang="tr-TR" dirty="0" smtClean="0"/>
+              <a:t>Unit Test Results</a:t>
+            </a:r>
+            <a:endParaRPr lang="en-US" dirty="0"/>
+          </a:p>
+        </p:txBody>
+      </p:sp>
+      <p:sp>
+        <p:nvSpPr>
+          <p:cNvPr id="3" name="Content Placeholder 2"/>
+          <p:cNvSpPr>
+            <a:spLocks noGrp="1"/>
+          </p:cNvSpPr>
+          <p:nvPr>
+            <p:ph idx="1"/>
+          </p:nvPr>
+        </p:nvSpPr>
+        <p:spPr>
+          <a:xfrm>
+            <a:off x="457200" y="1600201"/>
+            <a:ext cx="8229600" cy="1114420"/>
+          </a:xfrm>
+        </p:spPr>
+        <p:txBody>
+          <a:bodyPr/>
+          <a:lstStyle/>
+          <a:p>
+            <a:r>
+              <a:rPr lang="tr-TR" dirty="0" smtClean="0"/>
+              <a:t>Unit Test Results for Access Point Authentication</a:t>
+            </a:r>
+            <a:endParaRPr lang="en-US" dirty="0"/>
+          </a:p>
+        </p:txBody>
+      </p:sp>
+      <p:pic>
+        <p:nvPicPr>
+          <p:cNvPr id="4" name="Picture 3" descr="D:\My Documents\albert\tt proje\D4-accesspoint.png"/>
+          <p:cNvPicPr/>
+          <p:nvPr/>
+        </p:nvPicPr>
+        <p:blipFill>
+          <a:blip r:embed="rId2" cstate="print"/>
+          <a:srcRect/>
+          <a:stretch>
+            <a:fillRect/>
+          </a:stretch>
+        </p:blipFill>
+        <p:spPr bwMode="auto">
+          <a:xfrm>
+            <a:off x="1928794" y="2857496"/>
+            <a:ext cx="5306695" cy="3559810"/>
+          </a:xfrm>
+          <a:prstGeom prst="rect">
+            <a:avLst/>
+          </a:prstGeom>
+          <a:noFill/>
+          <a:ln w="9525">
+            <a:noFill/>
+            <a:miter lim="800000"/>
+            <a:headEnd/>
+            <a:tailEnd/>
+          </a:ln>
+        </p:spPr>
+      </p:pic>
+    </p:spTree>
+  </p:cSld>
+  <p:clrMapOvr>
+    <a:masterClrMapping/>
+  </p:clrMapOvr>
+</p:sld>
+</file>
+
+<file path=ppt/slides/slide36.xml><?xml version="1.0" encoding="utf-8"?>
+<p:sld xmlns:a="http://schemas.openxmlformats.org/drawingml/2006/main" xmlns:r="http://schemas.openxmlformats.org/officeDocument/2006/relationships" xmlns:p="http://schemas.openxmlformats.org/presentationml/2006/main">
+  <p:cSld>
+    <p:spTree>
+      <p:nvGrpSpPr>
+        <p:cNvPr id="1" name=""/>
+        <p:cNvGrpSpPr/>
+        <p:nvPr/>
+      </p:nvGrpSpPr>
+      <p:grpSpPr>
+        <a:xfrm>
+          <a:off x="0" y="0"/>
+          <a:ext cx="0" cy="0"/>
+          <a:chOff x="0" y="0"/>
+          <a:chExt cx="0" cy="0"/>
+        </a:xfrm>
+      </p:grpSpPr>
+      <p:sp>
+        <p:nvSpPr>
+          <p:cNvPr id="2" name="Title 1"/>
+          <p:cNvSpPr>
+            <a:spLocks noGrp="1"/>
+          </p:cNvSpPr>
+          <p:nvPr>
+            <p:ph type="title"/>
+          </p:nvPr>
+        </p:nvSpPr>
+        <p:spPr/>
+        <p:txBody>
+          <a:bodyPr/>
+          <a:lstStyle/>
+          <a:p>
+            <a:r>
+              <a:rPr lang="tr-TR" dirty="0" smtClean="0"/>
+              <a:t>Unit Test Results</a:t>
+            </a:r>
+            <a:endParaRPr lang="en-US" dirty="0"/>
+          </a:p>
+        </p:txBody>
+      </p:sp>
+      <p:sp>
+        <p:nvSpPr>
+          <p:cNvPr id="3" name="Content Placeholder 2"/>
+          <p:cNvSpPr>
+            <a:spLocks noGrp="1"/>
+          </p:cNvSpPr>
+          <p:nvPr>
+            <p:ph idx="1"/>
+          </p:nvPr>
+        </p:nvSpPr>
+        <p:spPr>
+          <a:xfrm>
+            <a:off x="457200" y="1600201"/>
+            <a:ext cx="8229600" cy="1042982"/>
+          </a:xfrm>
+        </p:spPr>
+        <p:txBody>
+          <a:bodyPr>
+            <a:normAutofit lnSpcReduction="10000"/>
+          </a:bodyPr>
+          <a:lstStyle/>
+          <a:p>
+            <a:r>
+              <a:rPr lang="tr-TR" dirty="0" smtClean="0"/>
+              <a:t>Unit Test Result for Seamless Mobility and Roaming</a:t>
+            </a:r>
+            <a:endParaRPr lang="en-US" dirty="0"/>
+          </a:p>
+        </p:txBody>
+      </p:sp>
+      <p:pic>
+        <p:nvPicPr>
+          <p:cNvPr id="5" name="Picture 4" descr="D:\My Documents\albert\tt proje\D4-seamlessmobilityroaming.png"/>
+          <p:cNvPicPr/>
+          <p:nvPr/>
+        </p:nvPicPr>
+        <p:blipFill>
+          <a:blip r:embed="rId2" cstate="print"/>
+          <a:srcRect/>
+          <a:stretch>
+            <a:fillRect/>
+          </a:stretch>
+        </p:blipFill>
+        <p:spPr bwMode="auto">
+          <a:xfrm>
+            <a:off x="1928794" y="2857496"/>
+            <a:ext cx="5331460" cy="3592195"/>
+          </a:xfrm>
+          <a:prstGeom prst="rect">
+            <a:avLst/>
+          </a:prstGeom>
+          <a:noFill/>
+          <a:ln w="9525">
+            <a:noFill/>
+            <a:miter lim="800000"/>
+            <a:headEnd/>
+            <a:tailEnd/>
+          </a:ln>
+        </p:spPr>
+      </p:pic>
+    </p:spTree>
+  </p:cSld>
+  <p:clrMapOvr>
+    <a:masterClrMapping/>
+  </p:clrMapOvr>
+</p:sld>
+</file>
+
+<file path=ppt/slides/slide37.xml><?xml version="1.0" encoding="utf-8"?>
+<p:sld xmlns:a="http://schemas.openxmlformats.org/drawingml/2006/main" xmlns:r="http://schemas.openxmlformats.org/officeDocument/2006/relationships" xmlns:p="http://schemas.openxmlformats.org/presentationml/2006/main">
+  <p:cSld>
+    <p:spTree>
+      <p:nvGrpSpPr>
+        <p:cNvPr id="1" name=""/>
+        <p:cNvGrpSpPr/>
+        <p:nvPr/>
+      </p:nvGrpSpPr>
+      <p:grpSpPr>
+        <a:xfrm>
+          <a:off x="0" y="0"/>
+          <a:ext cx="0" cy="0"/>
+          <a:chOff x="0" y="0"/>
+          <a:chExt cx="0" cy="0"/>
+        </a:xfrm>
+      </p:grpSpPr>
+      <p:sp>
+        <p:nvSpPr>
+          <p:cNvPr id="2" name="Title 1"/>
+          <p:cNvSpPr>
+            <a:spLocks noGrp="1"/>
+          </p:cNvSpPr>
+          <p:nvPr>
+            <p:ph type="title"/>
+          </p:nvPr>
+        </p:nvSpPr>
+        <p:spPr/>
+        <p:txBody>
+          <a:bodyPr/>
+          <a:lstStyle/>
+          <a:p>
+            <a:r>
+              <a:rPr lang="tr-TR" dirty="0" smtClean="0"/>
+              <a:t>Unit Test Results</a:t>
+            </a:r>
+            <a:endParaRPr lang="en-US" dirty="0"/>
+          </a:p>
+        </p:txBody>
+      </p:sp>
+      <p:sp>
+        <p:nvSpPr>
+          <p:cNvPr id="3" name="Content Placeholder 2"/>
+          <p:cNvSpPr>
+            <a:spLocks noGrp="1"/>
+          </p:cNvSpPr>
+          <p:nvPr>
+            <p:ph idx="1"/>
+          </p:nvPr>
+        </p:nvSpPr>
+        <p:spPr>
+          <a:xfrm>
+            <a:off x="457200" y="1600201"/>
+            <a:ext cx="8229600" cy="685792"/>
+          </a:xfrm>
+        </p:spPr>
+        <p:txBody>
+          <a:bodyPr/>
+          <a:lstStyle/>
+          <a:p>
+            <a:r>
+              <a:rPr lang="tr-TR" dirty="0" smtClean="0"/>
+              <a:t>Unit Test Result for Packet Transfer</a:t>
+            </a:r>
+            <a:endParaRPr lang="en-US" dirty="0"/>
+          </a:p>
+        </p:txBody>
+      </p:sp>
+      <p:pic>
+        <p:nvPicPr>
+          <p:cNvPr id="4" name="Picture 3" descr="D:\My Documents\albert\tt proje\D4-packettreansfer.png"/>
+          <p:cNvPicPr/>
+          <p:nvPr/>
+        </p:nvPicPr>
+        <p:blipFill>
+          <a:blip r:embed="rId2" cstate="print"/>
+          <a:srcRect/>
+          <a:stretch>
+            <a:fillRect/>
+          </a:stretch>
+        </p:blipFill>
+        <p:spPr bwMode="auto">
+          <a:xfrm>
+            <a:off x="1928794" y="2571744"/>
+            <a:ext cx="5355590" cy="3592195"/>
+          </a:xfrm>
+          <a:prstGeom prst="rect">
+            <a:avLst/>
+          </a:prstGeom>
+          <a:noFill/>
+          <a:ln w="9525">
+            <a:noFill/>
+            <a:miter lim="800000"/>
+            <a:headEnd/>
+            <a:tailEnd/>
+          </a:ln>
+        </p:spPr>
+      </p:pic>
+    </p:spTree>
+  </p:cSld>
+  <p:clrMapOvr>
+    <a:masterClrMapping/>
+  </p:clrMapOvr>
+</p:sld>
+</file>
+
+<file path=ppt/slides/slide38.xml><?xml version="1.0" encoding="utf-8"?>
+<p:sld xmlns:a="http://schemas.openxmlformats.org/drawingml/2006/main" xmlns:r="http://schemas.openxmlformats.org/officeDocument/2006/relationships" xmlns:p="http://schemas.openxmlformats.org/presentationml/2006/main">
+  <p:cSld>
+    <p:spTree>
+      <p:nvGrpSpPr>
+        <p:cNvPr id="1" name=""/>
+        <p:cNvGrpSpPr/>
+        <p:nvPr/>
+      </p:nvGrpSpPr>
+      <p:grpSpPr>
+        <a:xfrm>
+          <a:off x="0" y="0"/>
+          <a:ext cx="0" cy="0"/>
+          <a:chOff x="0" y="0"/>
+          <a:chExt cx="0" cy="0"/>
+        </a:xfrm>
+      </p:grpSpPr>
+      <p:sp>
+        <p:nvSpPr>
+          <p:cNvPr id="2" name="Title 1"/>
+          <p:cNvSpPr>
+            <a:spLocks noGrp="1"/>
+          </p:cNvSpPr>
+          <p:nvPr>
+            <p:ph type="title"/>
+          </p:nvPr>
+        </p:nvSpPr>
+        <p:spPr/>
+        <p:txBody>
+          <a:bodyPr/>
+          <a:lstStyle/>
+          <a:p>
+            <a:r>
+              <a:rPr lang="tr-TR" dirty="0" smtClean="0"/>
+              <a:t>Unit Test Results</a:t>
+            </a:r>
+            <a:endParaRPr lang="en-US" dirty="0"/>
+          </a:p>
+        </p:txBody>
+      </p:sp>
+      <p:sp>
+        <p:nvSpPr>
+          <p:cNvPr id="3" name="Content Placeholder 2"/>
+          <p:cNvSpPr>
+            <a:spLocks noGrp="1"/>
+          </p:cNvSpPr>
+          <p:nvPr>
+            <p:ph idx="1"/>
+          </p:nvPr>
+        </p:nvSpPr>
+        <p:spPr>
+          <a:xfrm>
+            <a:off x="457200" y="1600201"/>
+            <a:ext cx="8229600" cy="542916"/>
+          </a:xfrm>
+        </p:spPr>
+        <p:txBody>
+          <a:bodyPr>
+            <a:normAutofit lnSpcReduction="10000"/>
+          </a:bodyPr>
+          <a:lstStyle/>
+          <a:p>
+            <a:r>
+              <a:rPr lang="tr-TR" dirty="0" smtClean="0"/>
+              <a:t>Unit Test Result for Update Packets</a:t>
+            </a:r>
+            <a:endParaRPr lang="en-US" dirty="0"/>
+          </a:p>
+        </p:txBody>
+      </p:sp>
+      <p:pic>
+        <p:nvPicPr>
+          <p:cNvPr id="4" name="Picture 3" descr="C:\Users\SUUSER\Documents\GitHub\worddoc\thesisImages\unitSimImages\updatePacketsMedium.png"/>
+          <p:cNvPicPr/>
+          <p:nvPr/>
+        </p:nvPicPr>
+        <p:blipFill>
+          <a:blip r:embed="rId2" cstate="print"/>
+          <a:srcRect/>
+          <a:stretch>
+            <a:fillRect/>
+          </a:stretch>
+        </p:blipFill>
+        <p:spPr bwMode="auto">
+          <a:xfrm>
+            <a:off x="1714480" y="2643182"/>
+            <a:ext cx="5724525" cy="3800475"/>
+          </a:xfrm>
+          <a:prstGeom prst="rect">
+            <a:avLst/>
+          </a:prstGeom>
+          <a:noFill/>
+          <a:ln w="9525">
+            <a:noFill/>
+            <a:miter lim="800000"/>
+            <a:headEnd/>
+            <a:tailEnd/>
+          </a:ln>
+        </p:spPr>
+      </p:pic>
+    </p:spTree>
+  </p:cSld>
+  <p:clrMapOvr>
+    <a:masterClrMapping/>
+  </p:clrMapOvr>
+</p:sld>
+</file>
+
+<file path=ppt/slides/slide39.xml><?xml version="1.0" encoding="utf-8"?>
+<p:sld xmlns:a="http://schemas.openxmlformats.org/drawingml/2006/main" xmlns:r="http://schemas.openxmlformats.org/officeDocument/2006/relationships" xmlns:p="http://schemas.openxmlformats.org/presentationml/2006/main">
+  <p:cSld>
+    <p:spTree>
+      <p:nvGrpSpPr>
+        <p:cNvPr id="1" name=""/>
+        <p:cNvGrpSpPr/>
+        <p:nvPr/>
+      </p:nvGrpSpPr>
+      <p:grpSpPr>
+        <a:xfrm>
+          <a:off x="0" y="0"/>
+          <a:ext cx="0" cy="0"/>
+          <a:chOff x="0" y="0"/>
+          <a:chExt cx="0" cy="0"/>
+        </a:xfrm>
+      </p:grpSpPr>
+      <p:sp>
+        <p:nvSpPr>
+          <p:cNvPr id="2" name="Title 1"/>
+          <p:cNvSpPr>
+            <a:spLocks noGrp="1"/>
+          </p:cNvSpPr>
+          <p:nvPr>
+            <p:ph type="title"/>
+          </p:nvPr>
+        </p:nvSpPr>
+        <p:spPr/>
+        <p:txBody>
+          <a:bodyPr>
+            <a:normAutofit fontScale="90000"/>
+          </a:bodyPr>
+          <a:lstStyle/>
+          <a:p>
+            <a:r>
+              <a:rPr lang="tr-TR" dirty="0" smtClean="0"/>
+              <a:t>User Modeling and Mobility in </a:t>
+            </a:r>
+            <a:br>
+              <a:rPr lang="tr-TR" dirty="0" smtClean="0"/>
+            </a:br>
+            <a:r>
+              <a:rPr lang="tr-TR" dirty="0" smtClean="0"/>
+              <a:t>Real-Life Scenario</a:t>
+            </a:r>
+            <a:endParaRPr lang="en-US" dirty="0"/>
+          </a:p>
+        </p:txBody>
+      </p:sp>
+      <p:sp>
+        <p:nvSpPr>
+          <p:cNvPr id="3" name="Content Placeholder 2"/>
+          <p:cNvSpPr>
+            <a:spLocks noGrp="1"/>
+          </p:cNvSpPr>
+          <p:nvPr>
+            <p:ph idx="1"/>
+          </p:nvPr>
+        </p:nvSpPr>
+        <p:spPr/>
+        <p:txBody>
+          <a:bodyPr>
+            <a:normAutofit lnSpcReduction="10000"/>
+          </a:bodyPr>
+          <a:lstStyle/>
+          <a:p>
+            <a:r>
               <a:rPr lang="en-US" dirty="0" smtClean="0"/>
-              <a:t>Questions?</a:t>
-            </a:r>
-            <a:endParaRPr lang="en-US" dirty="0"/>
-          </a:p>
-        </p:txBody>
-      </p:sp>
-      <p:sp>
-        <p:nvSpPr>
-          <p:cNvPr id="3" name="Content Placeholder 2"/>
-          <p:cNvSpPr>
-            <a:spLocks noGrp="1"/>
-          </p:cNvSpPr>
-          <p:nvPr>
-            <p:ph idx="1"/>
-          </p:nvPr>
-        </p:nvSpPr>
-        <p:spPr/>
-        <p:txBody>
-          <a:bodyPr/>
-          <a:lstStyle/>
+              <a:t>The proposed system intends to serve a variety of users (a.k.a. network clients). </a:t>
+            </a:r>
+            <a:endParaRPr lang="tr-TR" dirty="0" smtClean="0"/>
+          </a:p>
           <a:p>
             <a:r>
               <a:rPr lang="en-US" dirty="0" smtClean="0"/>
-              <a:t>Thank you for listening.</a:t>
+              <a:t>Certain kinds of actions are defined, such as authorization (initial or reuse of a connection card), disconnection, packet transfer (network usage), payment related roaming and payment related AP handover</a:t>
+            </a:r>
+            <a:r>
+              <a:rPr lang="en-US" dirty="0" smtClean="0"/>
+              <a:t>.</a:t>
+            </a:r>
+            <a:endParaRPr lang="tr-TR" dirty="0" smtClean="0"/>
+          </a:p>
+          <a:p>
+            <a:r>
+              <a:rPr lang="en-US" dirty="0" smtClean="0"/>
+              <a:t>All of these actions are triggered as a result of a random event.</a:t>
             </a:r>
             <a:endParaRPr lang="en-US" dirty="0"/>
           </a:p>
@@ -7019,7 +7905,7 @@
     </p:spTree>
     <p:extLst>
       <p:ext uri="{BB962C8B-B14F-4D97-AF65-F5344CB8AC3E}">
-        <p14:creationId xmlns:p14="http://schemas.microsoft.com/office/powerpoint/2010/main" val="4140221233"/>
+        <p14:creationId xmlns:p14="http://schemas.microsoft.com/office/powerpoint/2010/main" xmlns="" val="4140221233"/>
       </p:ext>
     </p:extLst>
   </p:cSld>
@@ -7029,10 +7915,1048 @@
   <p:timing>
     <p:tnLst>
       <p:par>
-        <p:cTn xmlns:p14="http://schemas.microsoft.com/office/powerpoint/2010/main" id="1" dur="indefinite" restart="never" nodeType="tmRoot"/>
+        <p:cTn id="1" dur="indefinite" restart="never" nodeType="tmRoot"/>
       </p:par>
     </p:tnLst>
   </p:timing>
+</p:sld>
+</file>
+
+<file path=ppt/slides/slide40.xml><?xml version="1.0" encoding="utf-8"?>
+<p:sld xmlns:a="http://schemas.openxmlformats.org/drawingml/2006/main" xmlns:r="http://schemas.openxmlformats.org/officeDocument/2006/relationships" xmlns:p="http://schemas.openxmlformats.org/presentationml/2006/main">
+  <p:cSld>
+    <p:spTree>
+      <p:nvGrpSpPr>
+        <p:cNvPr id="1" name=""/>
+        <p:cNvGrpSpPr/>
+        <p:nvPr/>
+      </p:nvGrpSpPr>
+      <p:grpSpPr>
+        <a:xfrm>
+          <a:off x="0" y="0"/>
+          <a:ext cx="0" cy="0"/>
+          <a:chOff x="0" y="0"/>
+          <a:chExt cx="0" cy="0"/>
+        </a:xfrm>
+      </p:grpSpPr>
+      <p:sp>
+        <p:nvSpPr>
+          <p:cNvPr id="2" name="Title 1"/>
+          <p:cNvSpPr>
+            <a:spLocks noGrp="1"/>
+          </p:cNvSpPr>
+          <p:nvPr>
+            <p:ph type="title"/>
+          </p:nvPr>
+        </p:nvSpPr>
+        <p:spPr/>
+        <p:txBody>
+          <a:bodyPr/>
+          <a:lstStyle/>
+          <a:p>
+            <a:r>
+              <a:rPr lang="tr-TR" dirty="0" smtClean="0"/>
+              <a:t>User Actions</a:t>
+            </a:r>
+            <a:endParaRPr lang="en-US" dirty="0"/>
+          </a:p>
+        </p:txBody>
+      </p:sp>
+      <p:sp>
+        <p:nvSpPr>
+          <p:cNvPr id="3" name="Content Placeholder 2"/>
+          <p:cNvSpPr>
+            <a:spLocks noGrp="1"/>
+          </p:cNvSpPr>
+          <p:nvPr>
+            <p:ph idx="1"/>
+          </p:nvPr>
+        </p:nvSpPr>
+        <p:spPr/>
+        <p:txBody>
+          <a:bodyPr/>
+          <a:lstStyle/>
+          <a:p>
+            <a:r>
+              <a:rPr lang="en-US" dirty="0" smtClean="0"/>
+              <a:t>In real-life scenario simulations, network usage related actions are modeled using two-state Markov </a:t>
+            </a:r>
+            <a:r>
+              <a:rPr lang="en-US" dirty="0" smtClean="0"/>
+              <a:t>Chain</a:t>
+            </a:r>
+            <a:r>
+              <a:rPr lang="tr-TR" dirty="0" smtClean="0"/>
+              <a:t>.</a:t>
+            </a:r>
+          </a:p>
+          <a:p>
+            <a:r>
+              <a:rPr lang="en-US" dirty="0" smtClean="0"/>
+              <a:t>There are two states that a user could be in: </a:t>
+            </a:r>
+            <a:r>
+              <a:rPr lang="en-US" i="1" dirty="0" smtClean="0"/>
+              <a:t>Connected</a:t>
+            </a:r>
+            <a:r>
+              <a:rPr lang="en-US" dirty="0" smtClean="0"/>
+              <a:t> and </a:t>
+            </a:r>
+            <a:r>
+              <a:rPr lang="en-US" i="1" dirty="0" smtClean="0"/>
+              <a:t>Not Connected</a:t>
+            </a:r>
+            <a:r>
+              <a:rPr lang="en-US" dirty="0" smtClean="0"/>
+              <a:t>. State transitions or staying in the same state triggers </a:t>
+            </a:r>
+            <a:r>
+              <a:rPr lang="en-US" dirty="0" smtClean="0"/>
+              <a:t>actions</a:t>
+            </a:r>
+            <a:r>
+              <a:rPr lang="tr-TR" dirty="0" smtClean="0"/>
+              <a:t>.</a:t>
+            </a:r>
+            <a:endParaRPr lang="en-US" dirty="0"/>
+          </a:p>
+        </p:txBody>
+      </p:sp>
+    </p:spTree>
+  </p:cSld>
+  <p:clrMapOvr>
+    <a:masterClrMapping/>
+  </p:clrMapOvr>
+</p:sld>
+</file>
+
+<file path=ppt/slides/slide41.xml><?xml version="1.0" encoding="utf-8"?>
+<p:sld xmlns:a="http://schemas.openxmlformats.org/drawingml/2006/main" xmlns:r="http://schemas.openxmlformats.org/officeDocument/2006/relationships" xmlns:p="http://schemas.openxmlformats.org/presentationml/2006/main">
+  <p:cSld>
+    <p:spTree>
+      <p:nvGrpSpPr>
+        <p:cNvPr id="1" name=""/>
+        <p:cNvGrpSpPr/>
+        <p:nvPr/>
+      </p:nvGrpSpPr>
+      <p:grpSpPr>
+        <a:xfrm>
+          <a:off x="0" y="0"/>
+          <a:ext cx="0" cy="0"/>
+          <a:chOff x="0" y="0"/>
+          <a:chExt cx="0" cy="0"/>
+        </a:xfrm>
+      </p:grpSpPr>
+      <p:sp>
+        <p:nvSpPr>
+          <p:cNvPr id="2" name="Title 1"/>
+          <p:cNvSpPr>
+            <a:spLocks noGrp="1"/>
+          </p:cNvSpPr>
+          <p:nvPr>
+            <p:ph type="title"/>
+          </p:nvPr>
+        </p:nvSpPr>
+        <p:spPr/>
+        <p:txBody>
+          <a:bodyPr/>
+          <a:lstStyle/>
+          <a:p>
+            <a:r>
+              <a:rPr lang="tr-TR" dirty="0" smtClean="0"/>
+              <a:t>User Actions</a:t>
+            </a:r>
+            <a:endParaRPr lang="en-US" dirty="0"/>
+          </a:p>
+        </p:txBody>
+      </p:sp>
+      <p:pic>
+        <p:nvPicPr>
+          <p:cNvPr id="4" name="Picture 3" descr="C:\Users\SUUSER\Documents\GitHub\worddoc\thesisImages\markovChain.png"/>
+          <p:cNvPicPr/>
+          <p:nvPr/>
+        </p:nvPicPr>
+        <p:blipFill>
+          <a:blip r:embed="rId2" cstate="print"/>
+          <a:srcRect/>
+          <a:stretch>
+            <a:fillRect/>
+          </a:stretch>
+        </p:blipFill>
+        <p:spPr bwMode="auto">
+          <a:xfrm>
+            <a:off x="1857356" y="2143116"/>
+            <a:ext cx="5381017" cy="3484579"/>
+          </a:xfrm>
+          <a:prstGeom prst="rect">
+            <a:avLst/>
+          </a:prstGeom>
+          <a:noFill/>
+          <a:ln w="9525">
+            <a:noFill/>
+            <a:miter lim="800000"/>
+            <a:headEnd/>
+            <a:tailEnd/>
+          </a:ln>
+        </p:spPr>
+      </p:pic>
+    </p:spTree>
+  </p:cSld>
+  <p:clrMapOvr>
+    <a:masterClrMapping/>
+  </p:clrMapOvr>
+</p:sld>
+</file>
+
+<file path=ppt/slides/slide42.xml><?xml version="1.0" encoding="utf-8"?>
+<p:sld xmlns:a="http://schemas.openxmlformats.org/drawingml/2006/main" xmlns:r="http://schemas.openxmlformats.org/officeDocument/2006/relationships" xmlns:p="http://schemas.openxmlformats.org/presentationml/2006/main">
+  <p:cSld>
+    <p:spTree>
+      <p:nvGrpSpPr>
+        <p:cNvPr id="1" name=""/>
+        <p:cNvGrpSpPr/>
+        <p:nvPr/>
+      </p:nvGrpSpPr>
+      <p:grpSpPr>
+        <a:xfrm>
+          <a:off x="0" y="0"/>
+          <a:ext cx="0" cy="0"/>
+          <a:chOff x="0" y="0"/>
+          <a:chExt cx="0" cy="0"/>
+        </a:xfrm>
+      </p:grpSpPr>
+      <p:sp>
+        <p:nvSpPr>
+          <p:cNvPr id="2" name="Title 1"/>
+          <p:cNvSpPr>
+            <a:spLocks noGrp="1"/>
+          </p:cNvSpPr>
+          <p:nvPr>
+            <p:ph type="title"/>
+          </p:nvPr>
+        </p:nvSpPr>
+        <p:spPr/>
+        <p:txBody>
+          <a:bodyPr/>
+          <a:lstStyle/>
+          <a:p>
+            <a:r>
+              <a:rPr lang="tr-TR" dirty="0" smtClean="0"/>
+              <a:t>Client Types</a:t>
+            </a:r>
+            <a:endParaRPr lang="en-US" dirty="0"/>
+          </a:p>
+        </p:txBody>
+      </p:sp>
+      <p:sp>
+        <p:nvSpPr>
+          <p:cNvPr id="3" name="Content Placeholder 2"/>
+          <p:cNvSpPr>
+            <a:spLocks noGrp="1"/>
+          </p:cNvSpPr>
+          <p:nvPr>
+            <p:ph idx="1"/>
+          </p:nvPr>
+        </p:nvSpPr>
+        <p:spPr/>
+        <p:txBody>
+          <a:bodyPr>
+            <a:normAutofit fontScale="92500" lnSpcReduction="20000"/>
+          </a:bodyPr>
+          <a:lstStyle/>
+          <a:p>
+            <a:r>
+              <a:rPr lang="en-US" dirty="0" smtClean="0"/>
+              <a:t>Three different user types are outlined with different networking and mobility requirements</a:t>
+            </a:r>
+            <a:r>
+              <a:rPr lang="en-US" dirty="0" smtClean="0"/>
+              <a:t>.</a:t>
+            </a:r>
+            <a:endParaRPr lang="tr-TR" dirty="0" smtClean="0"/>
+          </a:p>
+          <a:p>
+            <a:pPr lvl="1"/>
+            <a:r>
+              <a:rPr lang="tr-TR" dirty="0" smtClean="0"/>
+              <a:t>Students: The most mobile type of clients. They are assumed to be active in the evening hours.</a:t>
+            </a:r>
+          </a:p>
+          <a:p>
+            <a:pPr lvl="1"/>
+            <a:r>
+              <a:rPr lang="tr-TR" dirty="0" smtClean="0"/>
+              <a:t>Workers: </a:t>
+            </a:r>
+            <a:r>
+              <a:rPr lang="en-US" dirty="0" smtClean="0"/>
+              <a:t>This kind of clients has routine lives. They are immobile and not so active during evenings. However, during the daytime, they are very active and use network services at their work places.</a:t>
+            </a:r>
+            <a:endParaRPr lang="tr-TR" dirty="0" smtClean="0"/>
+          </a:p>
+          <a:p>
+            <a:pPr lvl="1"/>
+            <a:r>
+              <a:rPr lang="tr-TR" dirty="0" smtClean="0"/>
+              <a:t>Non-Workers: </a:t>
+            </a:r>
+            <a:r>
+              <a:rPr lang="en-US" dirty="0" smtClean="0"/>
+              <a:t>This </a:t>
+            </a:r>
+            <a:r>
+              <a:rPr lang="en-US" dirty="0" smtClean="0"/>
+              <a:t>type of users does not work outside and spend their time at home. Usually the domestics get Internet service in an immobile way. These users are highly active at all times.</a:t>
+            </a:r>
+            <a:endParaRPr lang="en-US" dirty="0"/>
+          </a:p>
+        </p:txBody>
+      </p:sp>
+    </p:spTree>
+  </p:cSld>
+  <p:clrMapOvr>
+    <a:masterClrMapping/>
+  </p:clrMapOvr>
+</p:sld>
+</file>
+
+<file path=ppt/slides/slide43.xml><?xml version="1.0" encoding="utf-8"?>
+<p:sld xmlns:a="http://schemas.openxmlformats.org/drawingml/2006/main" xmlns:r="http://schemas.openxmlformats.org/officeDocument/2006/relationships" xmlns:p="http://schemas.openxmlformats.org/presentationml/2006/main">
+  <p:cSld>
+    <p:spTree>
+      <p:nvGrpSpPr>
+        <p:cNvPr id="1" name=""/>
+        <p:cNvGrpSpPr/>
+        <p:nvPr/>
+      </p:nvGrpSpPr>
+      <p:grpSpPr>
+        <a:xfrm>
+          <a:off x="0" y="0"/>
+          <a:ext cx="0" cy="0"/>
+          <a:chOff x="0" y="0"/>
+          <a:chExt cx="0" cy="0"/>
+        </a:xfrm>
+      </p:grpSpPr>
+      <p:sp>
+        <p:nvSpPr>
+          <p:cNvPr id="2" name="Title 1"/>
+          <p:cNvSpPr>
+            <a:spLocks noGrp="1"/>
+          </p:cNvSpPr>
+          <p:nvPr>
+            <p:ph type="title"/>
+          </p:nvPr>
+        </p:nvSpPr>
+        <p:spPr/>
+        <p:txBody>
+          <a:bodyPr>
+            <a:normAutofit fontScale="90000"/>
+          </a:bodyPr>
+          <a:lstStyle/>
+          <a:p>
+            <a:r>
+              <a:rPr lang="tr-TR" dirty="0" smtClean="0"/>
+              <a:t>Real-Life Scenario Simulation Results</a:t>
+            </a:r>
+            <a:endParaRPr lang="en-US" dirty="0"/>
+          </a:p>
+        </p:txBody>
+      </p:sp>
+      <p:sp>
+        <p:nvSpPr>
+          <p:cNvPr id="3" name="Content Placeholder 2"/>
+          <p:cNvSpPr>
+            <a:spLocks noGrp="1"/>
+          </p:cNvSpPr>
+          <p:nvPr>
+            <p:ph idx="1"/>
+          </p:nvPr>
+        </p:nvSpPr>
+        <p:spPr/>
+        <p:txBody>
+          <a:bodyPr/>
+          <a:lstStyle/>
+          <a:p>
+            <a:r>
+              <a:rPr lang="en-US" dirty="0" smtClean="0"/>
+              <a:t>In these simulations clients have mobility </a:t>
+            </a:r>
+            <a:r>
+              <a:rPr lang="en-US" dirty="0" smtClean="0"/>
+              <a:t>patterns</a:t>
+            </a:r>
+            <a:r>
+              <a:rPr lang="tr-TR" dirty="0" smtClean="0"/>
+              <a:t>.</a:t>
+            </a:r>
+          </a:p>
+          <a:p>
+            <a:r>
+              <a:rPr lang="en-US" dirty="0" smtClean="0"/>
+              <a:t>Client’s network usage frequency is affected by their socio-economical status.</a:t>
+            </a:r>
+            <a:endParaRPr lang="en-US" dirty="0"/>
+          </a:p>
+        </p:txBody>
+      </p:sp>
+    </p:spTree>
+  </p:cSld>
+  <p:clrMapOvr>
+    <a:masterClrMapping/>
+  </p:clrMapOvr>
+</p:sld>
+</file>
+
+<file path=ppt/slides/slide44.xml><?xml version="1.0" encoding="utf-8"?>
+<p:sld xmlns:a="http://schemas.openxmlformats.org/drawingml/2006/main" xmlns:r="http://schemas.openxmlformats.org/officeDocument/2006/relationships" xmlns:p="http://schemas.openxmlformats.org/presentationml/2006/main">
+  <p:cSld>
+    <p:spTree>
+      <p:nvGrpSpPr>
+        <p:cNvPr id="1" name=""/>
+        <p:cNvGrpSpPr/>
+        <p:nvPr/>
+      </p:nvGrpSpPr>
+      <p:grpSpPr>
+        <a:xfrm>
+          <a:off x="0" y="0"/>
+          <a:ext cx="0" cy="0"/>
+          <a:chOff x="0" y="0"/>
+          <a:chExt cx="0" cy="0"/>
+        </a:xfrm>
+      </p:grpSpPr>
+      <p:sp>
+        <p:nvSpPr>
+          <p:cNvPr id="2" name="Title 1"/>
+          <p:cNvSpPr>
+            <a:spLocks noGrp="1"/>
+          </p:cNvSpPr>
+          <p:nvPr>
+            <p:ph type="title"/>
+          </p:nvPr>
+        </p:nvSpPr>
+        <p:spPr/>
+        <p:txBody>
+          <a:bodyPr/>
+          <a:lstStyle/>
+          <a:p>
+            <a:r>
+              <a:rPr lang="tr-TR" dirty="0" smtClean="0"/>
+              <a:t>Simulation Results of Protocols</a:t>
+            </a:r>
+            <a:endParaRPr lang="en-US" dirty="0"/>
+          </a:p>
+        </p:txBody>
+      </p:sp>
+      <p:sp>
+        <p:nvSpPr>
+          <p:cNvPr id="3" name="Content Placeholder 2"/>
+          <p:cNvSpPr>
+            <a:spLocks noGrp="1"/>
+          </p:cNvSpPr>
+          <p:nvPr>
+            <p:ph idx="1"/>
+          </p:nvPr>
+        </p:nvSpPr>
+        <p:spPr>
+          <a:xfrm>
+            <a:off x="457200" y="1600201"/>
+            <a:ext cx="8229600" cy="1114420"/>
+          </a:xfrm>
+        </p:spPr>
+        <p:txBody>
+          <a:bodyPr/>
+          <a:lstStyle/>
+          <a:p>
+            <a:r>
+              <a:rPr lang="en-US" dirty="0" smtClean="0"/>
+              <a:t>Real-Life Scenario Simulation Result for Initial Authorization </a:t>
+            </a:r>
+            <a:r>
+              <a:rPr lang="en-US" dirty="0" smtClean="0"/>
+              <a:t>Protocol</a:t>
+            </a:r>
+            <a:endParaRPr lang="tr-TR" dirty="0" smtClean="0"/>
+          </a:p>
+        </p:txBody>
+      </p:sp>
+      <p:pic>
+        <p:nvPicPr>
+          <p:cNvPr id="4" name="Picture 3" descr="C:\Users\SUUSER\Desktop\finalResults\initialauthorization.png"/>
+          <p:cNvPicPr/>
+          <p:nvPr/>
+        </p:nvPicPr>
+        <p:blipFill>
+          <a:blip r:embed="rId2" cstate="print"/>
+          <a:srcRect/>
+          <a:stretch>
+            <a:fillRect/>
+          </a:stretch>
+        </p:blipFill>
+        <p:spPr bwMode="auto">
+          <a:xfrm>
+            <a:off x="1285852" y="2928934"/>
+            <a:ext cx="6572296" cy="3429024"/>
+          </a:xfrm>
+          <a:prstGeom prst="rect">
+            <a:avLst/>
+          </a:prstGeom>
+          <a:noFill/>
+          <a:ln w="9525">
+            <a:noFill/>
+            <a:miter lim="800000"/>
+            <a:headEnd/>
+            <a:tailEnd/>
+          </a:ln>
+        </p:spPr>
+      </p:pic>
+    </p:spTree>
+  </p:cSld>
+  <p:clrMapOvr>
+    <a:masterClrMapping/>
+  </p:clrMapOvr>
+</p:sld>
+</file>
+
+<file path=ppt/slides/slide45.xml><?xml version="1.0" encoding="utf-8"?>
+<p:sld xmlns:a="http://schemas.openxmlformats.org/drawingml/2006/main" xmlns:r="http://schemas.openxmlformats.org/officeDocument/2006/relationships" xmlns:p="http://schemas.openxmlformats.org/presentationml/2006/main">
+  <p:cSld>
+    <p:spTree>
+      <p:nvGrpSpPr>
+        <p:cNvPr id="1" name=""/>
+        <p:cNvGrpSpPr/>
+        <p:nvPr/>
+      </p:nvGrpSpPr>
+      <p:grpSpPr>
+        <a:xfrm>
+          <a:off x="0" y="0"/>
+          <a:ext cx="0" cy="0"/>
+          <a:chOff x="0" y="0"/>
+          <a:chExt cx="0" cy="0"/>
+        </a:xfrm>
+      </p:grpSpPr>
+      <p:sp>
+        <p:nvSpPr>
+          <p:cNvPr id="2" name="Title 1"/>
+          <p:cNvSpPr>
+            <a:spLocks noGrp="1"/>
+          </p:cNvSpPr>
+          <p:nvPr>
+            <p:ph type="title"/>
+          </p:nvPr>
+        </p:nvSpPr>
+        <p:spPr/>
+        <p:txBody>
+          <a:bodyPr/>
+          <a:lstStyle/>
+          <a:p>
+            <a:r>
+              <a:rPr lang="tr-TR" dirty="0" smtClean="0"/>
+              <a:t>Simulation Results of Protocols</a:t>
+            </a:r>
+            <a:endParaRPr lang="en-US" dirty="0"/>
+          </a:p>
+        </p:txBody>
+      </p:sp>
+      <p:sp>
+        <p:nvSpPr>
+          <p:cNvPr id="3" name="Content Placeholder 2"/>
+          <p:cNvSpPr>
+            <a:spLocks noGrp="1"/>
+          </p:cNvSpPr>
+          <p:nvPr>
+            <p:ph idx="1"/>
+          </p:nvPr>
+        </p:nvSpPr>
+        <p:spPr>
+          <a:xfrm>
+            <a:off x="457200" y="1600201"/>
+            <a:ext cx="8229600" cy="1114420"/>
+          </a:xfrm>
+        </p:spPr>
+        <p:txBody>
+          <a:bodyPr/>
+          <a:lstStyle/>
+          <a:p>
+            <a:r>
+              <a:rPr lang="en-US" dirty="0" smtClean="0"/>
+              <a:t>Real-Life Scenario Simulation Result for Reuse of a Connection Card Protocol</a:t>
+            </a:r>
+            <a:endParaRPr lang="tr-TR" dirty="0" smtClean="0"/>
+          </a:p>
+          <a:p>
+            <a:endParaRPr lang="en-US" dirty="0"/>
+          </a:p>
+        </p:txBody>
+      </p:sp>
+      <p:pic>
+        <p:nvPicPr>
+          <p:cNvPr id="4" name="Picture 3" descr="C:\Users\SUUSER\Desktop\finalResults\reuse.png"/>
+          <p:cNvPicPr/>
+          <p:nvPr/>
+        </p:nvPicPr>
+        <p:blipFill>
+          <a:blip r:embed="rId2" cstate="print"/>
+          <a:srcRect/>
+          <a:stretch>
+            <a:fillRect/>
+          </a:stretch>
+        </p:blipFill>
+        <p:spPr bwMode="auto">
+          <a:xfrm>
+            <a:off x="1571604" y="2857496"/>
+            <a:ext cx="6429420" cy="3429024"/>
+          </a:xfrm>
+          <a:prstGeom prst="rect">
+            <a:avLst/>
+          </a:prstGeom>
+          <a:noFill/>
+          <a:ln w="9525">
+            <a:noFill/>
+            <a:miter lim="800000"/>
+            <a:headEnd/>
+            <a:tailEnd/>
+          </a:ln>
+        </p:spPr>
+      </p:pic>
+    </p:spTree>
+  </p:cSld>
+  <p:clrMapOvr>
+    <a:masterClrMapping/>
+  </p:clrMapOvr>
+</p:sld>
+</file>
+
+<file path=ppt/slides/slide46.xml><?xml version="1.0" encoding="utf-8"?>
+<p:sld xmlns:a="http://schemas.openxmlformats.org/drawingml/2006/main" xmlns:r="http://schemas.openxmlformats.org/officeDocument/2006/relationships" xmlns:p="http://schemas.openxmlformats.org/presentationml/2006/main">
+  <p:cSld>
+    <p:spTree>
+      <p:nvGrpSpPr>
+        <p:cNvPr id="1" name=""/>
+        <p:cNvGrpSpPr/>
+        <p:nvPr/>
+      </p:nvGrpSpPr>
+      <p:grpSpPr>
+        <a:xfrm>
+          <a:off x="0" y="0"/>
+          <a:ext cx="0" cy="0"/>
+          <a:chOff x="0" y="0"/>
+          <a:chExt cx="0" cy="0"/>
+        </a:xfrm>
+      </p:grpSpPr>
+      <p:sp>
+        <p:nvSpPr>
+          <p:cNvPr id="2" name="Title 1"/>
+          <p:cNvSpPr>
+            <a:spLocks noGrp="1"/>
+          </p:cNvSpPr>
+          <p:nvPr>
+            <p:ph type="title"/>
+          </p:nvPr>
+        </p:nvSpPr>
+        <p:spPr/>
+        <p:txBody>
+          <a:bodyPr/>
+          <a:lstStyle/>
+          <a:p>
+            <a:r>
+              <a:rPr lang="tr-TR" dirty="0" smtClean="0"/>
+              <a:t>Simulation Results of Protocols</a:t>
+            </a:r>
+            <a:endParaRPr lang="en-US" dirty="0"/>
+          </a:p>
+        </p:txBody>
+      </p:sp>
+      <p:sp>
+        <p:nvSpPr>
+          <p:cNvPr id="3" name="Content Placeholder 2"/>
+          <p:cNvSpPr>
+            <a:spLocks noGrp="1"/>
+          </p:cNvSpPr>
+          <p:nvPr>
+            <p:ph idx="1"/>
+          </p:nvPr>
+        </p:nvSpPr>
+        <p:spPr>
+          <a:xfrm>
+            <a:off x="457200" y="1600201"/>
+            <a:ext cx="8229600" cy="1114420"/>
+          </a:xfrm>
+        </p:spPr>
+        <p:txBody>
+          <a:bodyPr/>
+          <a:lstStyle/>
+          <a:p>
+            <a:r>
+              <a:rPr lang="en-US" dirty="0" smtClean="0"/>
+              <a:t>Real-Life Scenario Simulation Result for Changing Alias</a:t>
+            </a:r>
+            <a:endParaRPr lang="en-US" dirty="0"/>
+          </a:p>
+        </p:txBody>
+      </p:sp>
+      <p:pic>
+        <p:nvPicPr>
+          <p:cNvPr id="4" name="Picture 3" descr="C:\Users\SUUSER\Desktop\finalResults\changealias.png"/>
+          <p:cNvPicPr/>
+          <p:nvPr/>
+        </p:nvPicPr>
+        <p:blipFill>
+          <a:blip r:embed="rId2" cstate="print"/>
+          <a:srcRect/>
+          <a:stretch>
+            <a:fillRect/>
+          </a:stretch>
+        </p:blipFill>
+        <p:spPr bwMode="auto">
+          <a:xfrm>
+            <a:off x="1428728" y="2714620"/>
+            <a:ext cx="6643734" cy="3429024"/>
+          </a:xfrm>
+          <a:prstGeom prst="rect">
+            <a:avLst/>
+          </a:prstGeom>
+          <a:noFill/>
+          <a:ln w="9525">
+            <a:noFill/>
+            <a:miter lim="800000"/>
+            <a:headEnd/>
+            <a:tailEnd/>
+          </a:ln>
+        </p:spPr>
+      </p:pic>
+    </p:spTree>
+  </p:cSld>
+  <p:clrMapOvr>
+    <a:masterClrMapping/>
+  </p:clrMapOvr>
+</p:sld>
+</file>
+
+<file path=ppt/slides/slide47.xml><?xml version="1.0" encoding="utf-8"?>
+<p:sld xmlns:a="http://schemas.openxmlformats.org/drawingml/2006/main" xmlns:r="http://schemas.openxmlformats.org/officeDocument/2006/relationships" xmlns:p="http://schemas.openxmlformats.org/presentationml/2006/main">
+  <p:cSld>
+    <p:spTree>
+      <p:nvGrpSpPr>
+        <p:cNvPr id="1" name=""/>
+        <p:cNvGrpSpPr/>
+        <p:nvPr/>
+      </p:nvGrpSpPr>
+      <p:grpSpPr>
+        <a:xfrm>
+          <a:off x="0" y="0"/>
+          <a:ext cx="0" cy="0"/>
+          <a:chOff x="0" y="0"/>
+          <a:chExt cx="0" cy="0"/>
+        </a:xfrm>
+      </p:grpSpPr>
+      <p:sp>
+        <p:nvSpPr>
+          <p:cNvPr id="2" name="Title 1"/>
+          <p:cNvSpPr>
+            <a:spLocks noGrp="1"/>
+          </p:cNvSpPr>
+          <p:nvPr>
+            <p:ph type="title"/>
+          </p:nvPr>
+        </p:nvSpPr>
+        <p:spPr/>
+        <p:txBody>
+          <a:bodyPr/>
+          <a:lstStyle/>
+          <a:p>
+            <a:r>
+              <a:rPr lang="tr-TR" dirty="0" smtClean="0"/>
+              <a:t>Simulation Results of Protocols</a:t>
+            </a:r>
+            <a:endParaRPr lang="en-US" dirty="0"/>
+          </a:p>
+        </p:txBody>
+      </p:sp>
+      <p:sp>
+        <p:nvSpPr>
+          <p:cNvPr id="3" name="Content Placeholder 2"/>
+          <p:cNvSpPr>
+            <a:spLocks noGrp="1"/>
+          </p:cNvSpPr>
+          <p:nvPr>
+            <p:ph idx="1"/>
+          </p:nvPr>
+        </p:nvSpPr>
+        <p:spPr>
+          <a:xfrm>
+            <a:off x="457200" y="1600201"/>
+            <a:ext cx="8229600" cy="1042982"/>
+          </a:xfrm>
+        </p:spPr>
+        <p:txBody>
+          <a:bodyPr>
+            <a:normAutofit lnSpcReduction="10000"/>
+          </a:bodyPr>
+          <a:lstStyle/>
+          <a:p>
+            <a:r>
+              <a:rPr lang="en-US" dirty="0" smtClean="0"/>
+              <a:t>Real-Life Scenario Simulation Result for Disconnection</a:t>
+            </a:r>
+            <a:endParaRPr lang="tr-TR" dirty="0" smtClean="0"/>
+          </a:p>
+          <a:p>
+            <a:endParaRPr lang="en-US" dirty="0"/>
+          </a:p>
+        </p:txBody>
+      </p:sp>
+      <p:pic>
+        <p:nvPicPr>
+          <p:cNvPr id="4" name="Picture 3" descr="C:\Users\SUUSER\Desktop\finalResults\disconnection.png"/>
+          <p:cNvPicPr/>
+          <p:nvPr/>
+        </p:nvPicPr>
+        <p:blipFill>
+          <a:blip r:embed="rId2" cstate="print"/>
+          <a:srcRect/>
+          <a:stretch>
+            <a:fillRect/>
+          </a:stretch>
+        </p:blipFill>
+        <p:spPr bwMode="auto">
+          <a:xfrm>
+            <a:off x="1285852" y="2643182"/>
+            <a:ext cx="7005349" cy="3591893"/>
+          </a:xfrm>
+          <a:prstGeom prst="rect">
+            <a:avLst/>
+          </a:prstGeom>
+          <a:noFill/>
+          <a:ln w="9525">
+            <a:noFill/>
+            <a:miter lim="800000"/>
+            <a:headEnd/>
+            <a:tailEnd/>
+          </a:ln>
+        </p:spPr>
+      </p:pic>
+    </p:spTree>
+  </p:cSld>
+  <p:clrMapOvr>
+    <a:masterClrMapping/>
+  </p:clrMapOvr>
+</p:sld>
+</file>
+
+<file path=ppt/slides/slide48.xml><?xml version="1.0" encoding="utf-8"?>
+<p:sld xmlns:a="http://schemas.openxmlformats.org/drawingml/2006/main" xmlns:r="http://schemas.openxmlformats.org/officeDocument/2006/relationships" xmlns:p="http://schemas.openxmlformats.org/presentationml/2006/main">
+  <p:cSld>
+    <p:spTree>
+      <p:nvGrpSpPr>
+        <p:cNvPr id="1" name=""/>
+        <p:cNvGrpSpPr/>
+        <p:nvPr/>
+      </p:nvGrpSpPr>
+      <p:grpSpPr>
+        <a:xfrm>
+          <a:off x="0" y="0"/>
+          <a:ext cx="0" cy="0"/>
+          <a:chOff x="0" y="0"/>
+          <a:chExt cx="0" cy="0"/>
+        </a:xfrm>
+      </p:grpSpPr>
+      <p:sp>
+        <p:nvSpPr>
+          <p:cNvPr id="2" name="Title 1"/>
+          <p:cNvSpPr>
+            <a:spLocks noGrp="1"/>
+          </p:cNvSpPr>
+          <p:nvPr>
+            <p:ph type="title"/>
+          </p:nvPr>
+        </p:nvSpPr>
+        <p:spPr/>
+        <p:txBody>
+          <a:bodyPr/>
+          <a:lstStyle/>
+          <a:p>
+            <a:r>
+              <a:rPr lang="tr-TR" dirty="0" smtClean="0"/>
+              <a:t>Simulation Results of Protocols</a:t>
+            </a:r>
+            <a:endParaRPr lang="en-US" dirty="0"/>
+          </a:p>
+        </p:txBody>
+      </p:sp>
+      <p:sp>
+        <p:nvSpPr>
+          <p:cNvPr id="3" name="Content Placeholder 2"/>
+          <p:cNvSpPr>
+            <a:spLocks noGrp="1"/>
+          </p:cNvSpPr>
+          <p:nvPr>
+            <p:ph idx="1"/>
+          </p:nvPr>
+        </p:nvSpPr>
+        <p:spPr>
+          <a:xfrm>
+            <a:off x="457200" y="1600201"/>
+            <a:ext cx="8229600" cy="1042982"/>
+          </a:xfrm>
+        </p:spPr>
+        <p:txBody>
+          <a:bodyPr>
+            <a:normAutofit lnSpcReduction="10000"/>
+          </a:bodyPr>
+          <a:lstStyle/>
+          <a:p>
+            <a:r>
+              <a:rPr lang="en-US" dirty="0" smtClean="0"/>
+              <a:t>Real-Life Scenario Simulation Result for Update Packets</a:t>
+            </a:r>
+            <a:endParaRPr lang="en-US" dirty="0"/>
+          </a:p>
+        </p:txBody>
+      </p:sp>
+      <p:pic>
+        <p:nvPicPr>
+          <p:cNvPr id="4" name="Picture 3" descr="C:\Users\SUUSER\Desktop\finalResults\updatepackets.png"/>
+          <p:cNvPicPr/>
+          <p:nvPr/>
+        </p:nvPicPr>
+        <p:blipFill>
+          <a:blip r:embed="rId2" cstate="print"/>
+          <a:srcRect/>
+          <a:stretch>
+            <a:fillRect/>
+          </a:stretch>
+        </p:blipFill>
+        <p:spPr bwMode="auto">
+          <a:xfrm>
+            <a:off x="1285852" y="2571744"/>
+            <a:ext cx="7223473" cy="3584742"/>
+          </a:xfrm>
+          <a:prstGeom prst="rect">
+            <a:avLst/>
+          </a:prstGeom>
+          <a:noFill/>
+          <a:ln w="9525">
+            <a:noFill/>
+            <a:miter lim="800000"/>
+            <a:headEnd/>
+            <a:tailEnd/>
+          </a:ln>
+        </p:spPr>
+      </p:pic>
+    </p:spTree>
+  </p:cSld>
+  <p:clrMapOvr>
+    <a:masterClrMapping/>
+  </p:clrMapOvr>
+</p:sld>
+</file>
+
+<file path=ppt/slides/slide49.xml><?xml version="1.0" encoding="utf-8"?>
+<p:sld xmlns:a="http://schemas.openxmlformats.org/drawingml/2006/main" xmlns:r="http://schemas.openxmlformats.org/officeDocument/2006/relationships" xmlns:p="http://schemas.openxmlformats.org/presentationml/2006/main">
+  <p:cSld>
+    <p:spTree>
+      <p:nvGrpSpPr>
+        <p:cNvPr id="1" name=""/>
+        <p:cNvGrpSpPr/>
+        <p:nvPr/>
+      </p:nvGrpSpPr>
+      <p:grpSpPr>
+        <a:xfrm>
+          <a:off x="0" y="0"/>
+          <a:ext cx="0" cy="0"/>
+          <a:chOff x="0" y="0"/>
+          <a:chExt cx="0" cy="0"/>
+        </a:xfrm>
+      </p:grpSpPr>
+      <p:sp>
+        <p:nvSpPr>
+          <p:cNvPr id="2" name="Title 1"/>
+          <p:cNvSpPr>
+            <a:spLocks noGrp="1"/>
+          </p:cNvSpPr>
+          <p:nvPr>
+            <p:ph type="title"/>
+          </p:nvPr>
+        </p:nvSpPr>
+        <p:spPr/>
+        <p:txBody>
+          <a:bodyPr/>
+          <a:lstStyle/>
+          <a:p>
+            <a:r>
+              <a:rPr lang="tr-TR" dirty="0" smtClean="0"/>
+              <a:t>Simulation Results of Protocols</a:t>
+            </a:r>
+            <a:endParaRPr lang="en-US" dirty="0"/>
+          </a:p>
+        </p:txBody>
+      </p:sp>
+      <p:sp>
+        <p:nvSpPr>
+          <p:cNvPr id="3" name="Content Placeholder 2"/>
+          <p:cNvSpPr>
+            <a:spLocks noGrp="1"/>
+          </p:cNvSpPr>
+          <p:nvPr>
+            <p:ph idx="1"/>
+          </p:nvPr>
+        </p:nvSpPr>
+        <p:spPr>
+          <a:xfrm>
+            <a:off x="457200" y="1600201"/>
+            <a:ext cx="8229600" cy="1042982"/>
+          </a:xfrm>
+        </p:spPr>
+        <p:txBody>
+          <a:bodyPr>
+            <a:normAutofit lnSpcReduction="10000"/>
+          </a:bodyPr>
+          <a:lstStyle/>
+          <a:p>
+            <a:r>
+              <a:rPr lang="en-US" dirty="0" smtClean="0"/>
+              <a:t>Real-Life Scenario Simulation Result for Seamless Mobility in Home Operator Protocol</a:t>
+            </a:r>
+            <a:endParaRPr lang="en-US" dirty="0"/>
+          </a:p>
+        </p:txBody>
+      </p:sp>
+      <p:pic>
+        <p:nvPicPr>
+          <p:cNvPr id="4" name="Picture 3" descr="C:\Users\SUUSER\Desktop\finalResults\seamlessmobility.png"/>
+          <p:cNvPicPr/>
+          <p:nvPr/>
+        </p:nvPicPr>
+        <p:blipFill>
+          <a:blip r:embed="rId2" cstate="print"/>
+          <a:srcRect/>
+          <a:stretch>
+            <a:fillRect/>
+          </a:stretch>
+        </p:blipFill>
+        <p:spPr bwMode="auto">
+          <a:xfrm>
+            <a:off x="1428728" y="2643182"/>
+            <a:ext cx="6500858" cy="3429024"/>
+          </a:xfrm>
+          <a:prstGeom prst="rect">
+            <a:avLst/>
+          </a:prstGeom>
+          <a:noFill/>
+          <a:ln w="9525">
+            <a:noFill/>
+            <a:miter lim="800000"/>
+            <a:headEnd/>
+            <a:tailEnd/>
+          </a:ln>
+        </p:spPr>
+      </p:pic>
+    </p:spTree>
+  </p:cSld>
+  <p:clrMapOvr>
+    <a:masterClrMapping/>
+  </p:clrMapOvr>
 </p:sld>
 </file>
 
@@ -7422,17 +9346,8 @@
             <a:pPr lvl="1"/>
             <a:r>
               <a:rPr lang="en-US" noProof="0" dirty="0" smtClean="0"/>
-              <a:t>Simulation Results and </a:t>
-            </a:r>
-            <a:r>
-              <a:rPr lang="en-US" noProof="0" dirty="0" smtClean="0"/>
-              <a:t>Performance </a:t>
-            </a:r>
-            <a:r>
-              <a:rPr lang="en-US" noProof="0" dirty="0" smtClean="0"/>
-              <a:t>Evaluation</a:t>
-            </a:r>
-            <a:endParaRPr lang="en-US" noProof="0" dirty="0" smtClean="0"/>
+              <a:t>Simulation Results and Performance Evaluation</a:t>
+            </a:r>
           </a:p>
         </p:txBody>
       </p:sp>
@@ -7468,10 +9383,2558 @@
   <p:timing>
     <p:tnLst>
       <p:par>
-        <p:cTn xmlns:p14="http://schemas.microsoft.com/office/powerpoint/2010/main" id="1" dur="indefinite" restart="never" nodeType="tmRoot"/>
+        <p:cTn id="1" dur="indefinite" restart="never" nodeType="tmRoot"/>
       </p:par>
     </p:tnLst>
   </p:timing>
+</p:sld>
+</file>
+
+<file path=ppt/slides/slide50.xml><?xml version="1.0" encoding="utf-8"?>
+<p:sld xmlns:a="http://schemas.openxmlformats.org/drawingml/2006/main" xmlns:r="http://schemas.openxmlformats.org/officeDocument/2006/relationships" xmlns:p="http://schemas.openxmlformats.org/presentationml/2006/main">
+  <p:cSld>
+    <p:spTree>
+      <p:nvGrpSpPr>
+        <p:cNvPr id="1" name=""/>
+        <p:cNvGrpSpPr/>
+        <p:nvPr/>
+      </p:nvGrpSpPr>
+      <p:grpSpPr>
+        <a:xfrm>
+          <a:off x="0" y="0"/>
+          <a:ext cx="0" cy="0"/>
+          <a:chOff x="0" y="0"/>
+          <a:chExt cx="0" cy="0"/>
+        </a:xfrm>
+      </p:grpSpPr>
+      <p:sp>
+        <p:nvSpPr>
+          <p:cNvPr id="2" name="Title 1"/>
+          <p:cNvSpPr>
+            <a:spLocks noGrp="1"/>
+          </p:cNvSpPr>
+          <p:nvPr>
+            <p:ph type="title"/>
+          </p:nvPr>
+        </p:nvSpPr>
+        <p:spPr/>
+        <p:txBody>
+          <a:bodyPr/>
+          <a:lstStyle/>
+          <a:p>
+            <a:r>
+              <a:rPr lang="tr-TR" dirty="0" smtClean="0"/>
+              <a:t>Simulation Results of Protocols</a:t>
+            </a:r>
+            <a:endParaRPr lang="en-US" dirty="0"/>
+          </a:p>
+        </p:txBody>
+      </p:sp>
+      <p:sp>
+        <p:nvSpPr>
+          <p:cNvPr id="3" name="Content Placeholder 2"/>
+          <p:cNvSpPr>
+            <a:spLocks noGrp="1"/>
+          </p:cNvSpPr>
+          <p:nvPr>
+            <p:ph idx="1"/>
+          </p:nvPr>
+        </p:nvSpPr>
+        <p:spPr>
+          <a:xfrm>
+            <a:off x="457200" y="1600201"/>
+            <a:ext cx="8229600" cy="1042982"/>
+          </a:xfrm>
+        </p:spPr>
+        <p:txBody>
+          <a:bodyPr>
+            <a:normAutofit lnSpcReduction="10000"/>
+          </a:bodyPr>
+          <a:lstStyle/>
+          <a:p>
+            <a:r>
+              <a:rPr lang="en-US" dirty="0" smtClean="0"/>
+              <a:t>Real-Life Scenario Simulation Result for Roaming Protocol</a:t>
+            </a:r>
+            <a:endParaRPr lang="en-US" dirty="0"/>
+          </a:p>
+        </p:txBody>
+      </p:sp>
+      <p:pic>
+        <p:nvPicPr>
+          <p:cNvPr id="5" name="Picture 4" descr="C:\Users\SUUSER\Desktop\finalResults\roaming.png"/>
+          <p:cNvPicPr/>
+          <p:nvPr/>
+        </p:nvPicPr>
+        <p:blipFill>
+          <a:blip r:embed="rId2" cstate="print"/>
+          <a:srcRect/>
+          <a:stretch>
+            <a:fillRect/>
+          </a:stretch>
+        </p:blipFill>
+        <p:spPr bwMode="auto">
+          <a:xfrm>
+            <a:off x="1428728" y="2928934"/>
+            <a:ext cx="6648159" cy="3580145"/>
+          </a:xfrm>
+          <a:prstGeom prst="rect">
+            <a:avLst/>
+          </a:prstGeom>
+          <a:noFill/>
+          <a:ln w="9525">
+            <a:noFill/>
+            <a:miter lim="800000"/>
+            <a:headEnd/>
+            <a:tailEnd/>
+          </a:ln>
+        </p:spPr>
+      </p:pic>
+    </p:spTree>
+  </p:cSld>
+  <p:clrMapOvr>
+    <a:masterClrMapping/>
+  </p:clrMapOvr>
+</p:sld>
+</file>
+
+<file path=ppt/slides/slide51.xml><?xml version="1.0" encoding="utf-8"?>
+<p:sld xmlns:a="http://schemas.openxmlformats.org/drawingml/2006/main" xmlns:r="http://schemas.openxmlformats.org/officeDocument/2006/relationships" xmlns:p="http://schemas.openxmlformats.org/presentationml/2006/main">
+  <p:cSld>
+    <p:spTree>
+      <p:nvGrpSpPr>
+        <p:cNvPr id="1" name=""/>
+        <p:cNvGrpSpPr/>
+        <p:nvPr/>
+      </p:nvGrpSpPr>
+      <p:grpSpPr>
+        <a:xfrm>
+          <a:off x="0" y="0"/>
+          <a:ext cx="0" cy="0"/>
+          <a:chOff x="0" y="0"/>
+          <a:chExt cx="0" cy="0"/>
+        </a:xfrm>
+      </p:grpSpPr>
+      <p:sp>
+        <p:nvSpPr>
+          <p:cNvPr id="2" name="Title 1"/>
+          <p:cNvSpPr>
+            <a:spLocks noGrp="1"/>
+          </p:cNvSpPr>
+          <p:nvPr>
+            <p:ph type="title"/>
+          </p:nvPr>
+        </p:nvSpPr>
+        <p:spPr/>
+        <p:txBody>
+          <a:bodyPr/>
+          <a:lstStyle/>
+          <a:p>
+            <a:r>
+              <a:rPr lang="tr-TR" dirty="0" smtClean="0"/>
+              <a:t>Simulation Results of Protocols</a:t>
+            </a:r>
+            <a:endParaRPr lang="en-US" dirty="0"/>
+          </a:p>
+        </p:txBody>
+      </p:sp>
+      <p:sp>
+        <p:nvSpPr>
+          <p:cNvPr id="3" name="Content Placeholder 2"/>
+          <p:cNvSpPr>
+            <a:spLocks noGrp="1"/>
+          </p:cNvSpPr>
+          <p:nvPr>
+            <p:ph idx="1"/>
+          </p:nvPr>
+        </p:nvSpPr>
+        <p:spPr>
+          <a:xfrm>
+            <a:off x="457200" y="1600201"/>
+            <a:ext cx="8229600" cy="1042982"/>
+          </a:xfrm>
+        </p:spPr>
+        <p:txBody>
+          <a:bodyPr>
+            <a:normAutofit lnSpcReduction="10000"/>
+          </a:bodyPr>
+          <a:lstStyle/>
+          <a:p>
+            <a:r>
+              <a:rPr lang="en-US" dirty="0" smtClean="0"/>
+              <a:t>Real-Life Scenario Simulation Result for Packet Transfer</a:t>
+            </a:r>
+            <a:endParaRPr lang="tr-TR" dirty="0" smtClean="0"/>
+          </a:p>
+          <a:p>
+            <a:endParaRPr lang="en-US" dirty="0"/>
+          </a:p>
+        </p:txBody>
+      </p:sp>
+      <p:pic>
+        <p:nvPicPr>
+          <p:cNvPr id="4" name="Picture 3" descr="C:\Users\SUUSER\Desktop\finalResults\packettransfer.png"/>
+          <p:cNvPicPr/>
+          <p:nvPr/>
+        </p:nvPicPr>
+        <p:blipFill>
+          <a:blip r:embed="rId2" cstate="print"/>
+          <a:srcRect/>
+          <a:stretch>
+            <a:fillRect/>
+          </a:stretch>
+        </p:blipFill>
+        <p:spPr bwMode="auto">
+          <a:xfrm>
+            <a:off x="1285852" y="2643182"/>
+            <a:ext cx="6791353" cy="4010043"/>
+          </a:xfrm>
+          <a:prstGeom prst="rect">
+            <a:avLst/>
+          </a:prstGeom>
+          <a:noFill/>
+          <a:ln w="9525">
+            <a:noFill/>
+            <a:miter lim="800000"/>
+            <a:headEnd/>
+            <a:tailEnd/>
+          </a:ln>
+        </p:spPr>
+      </p:pic>
+    </p:spTree>
+  </p:cSld>
+  <p:clrMapOvr>
+    <a:masterClrMapping/>
+  </p:clrMapOvr>
+</p:sld>
+</file>
+
+<file path=ppt/slides/slide52.xml><?xml version="1.0" encoding="utf-8"?>
+<p:sld xmlns:a="http://schemas.openxmlformats.org/drawingml/2006/main" xmlns:r="http://schemas.openxmlformats.org/officeDocument/2006/relationships" xmlns:p="http://schemas.openxmlformats.org/presentationml/2006/main">
+  <p:cSld>
+    <p:spTree>
+      <p:nvGrpSpPr>
+        <p:cNvPr id="1" name=""/>
+        <p:cNvGrpSpPr/>
+        <p:nvPr/>
+      </p:nvGrpSpPr>
+      <p:grpSpPr>
+        <a:xfrm>
+          <a:off x="0" y="0"/>
+          <a:ext cx="0" cy="0"/>
+          <a:chOff x="0" y="0"/>
+          <a:chExt cx="0" cy="0"/>
+        </a:xfrm>
+      </p:grpSpPr>
+      <p:sp>
+        <p:nvSpPr>
+          <p:cNvPr id="2" name="Title 1"/>
+          <p:cNvSpPr>
+            <a:spLocks noGrp="1"/>
+          </p:cNvSpPr>
+          <p:nvPr>
+            <p:ph type="title"/>
+          </p:nvPr>
+        </p:nvSpPr>
+        <p:spPr/>
+        <p:txBody>
+          <a:bodyPr/>
+          <a:lstStyle/>
+          <a:p>
+            <a:r>
+              <a:rPr lang="tr-TR" dirty="0" smtClean="0"/>
+              <a:t>Overall Burden of the System</a:t>
+            </a:r>
+            <a:endParaRPr lang="en-US" dirty="0"/>
+          </a:p>
+        </p:txBody>
+      </p:sp>
+      <p:sp>
+        <p:nvSpPr>
+          <p:cNvPr id="3" name="Content Placeholder 2"/>
+          <p:cNvSpPr>
+            <a:spLocks noGrp="1"/>
+          </p:cNvSpPr>
+          <p:nvPr>
+            <p:ph idx="1"/>
+          </p:nvPr>
+        </p:nvSpPr>
+        <p:spPr/>
+        <p:txBody>
+          <a:bodyPr/>
+          <a:lstStyle/>
+          <a:p>
+            <a:r>
+              <a:rPr lang="en-US" dirty="0" smtClean="0"/>
+              <a:t>Considering the results it could be calculated that over 100 minutes of Internet service, workers have only waited for 1 minute for system delays</a:t>
+            </a:r>
+            <a:r>
+              <a:rPr lang="en-US" dirty="0" smtClean="0"/>
+              <a:t>.</a:t>
+            </a:r>
+            <a:endParaRPr lang="tr-TR" dirty="0" smtClean="0"/>
+          </a:p>
+          <a:p>
+            <a:r>
+              <a:rPr lang="en-US" dirty="0" smtClean="0"/>
+              <a:t>In average, over 1000 minutes of Internet service needs a delay of 13 to 16 minutes of waiting.</a:t>
+            </a:r>
+            <a:endParaRPr lang="en-US" dirty="0"/>
+          </a:p>
+        </p:txBody>
+      </p:sp>
+    </p:spTree>
+  </p:cSld>
+  <p:clrMapOvr>
+    <a:masterClrMapping/>
+  </p:clrMapOvr>
+</p:sld>
+</file>
+
+<file path=ppt/slides/slide53.xml><?xml version="1.0" encoding="utf-8"?>
+<p:sld xmlns:a="http://schemas.openxmlformats.org/drawingml/2006/main" xmlns:r="http://schemas.openxmlformats.org/officeDocument/2006/relationships" xmlns:p="http://schemas.openxmlformats.org/presentationml/2006/main">
+  <p:cSld>
+    <p:spTree>
+      <p:nvGrpSpPr>
+        <p:cNvPr id="1" name=""/>
+        <p:cNvGrpSpPr/>
+        <p:nvPr/>
+      </p:nvGrpSpPr>
+      <p:grpSpPr>
+        <a:xfrm>
+          <a:off x="0" y="0"/>
+          <a:ext cx="0" cy="0"/>
+          <a:chOff x="0" y="0"/>
+          <a:chExt cx="0" cy="0"/>
+        </a:xfrm>
+      </p:grpSpPr>
+      <p:sp>
+        <p:nvSpPr>
+          <p:cNvPr id="2" name="Title 1"/>
+          <p:cNvSpPr>
+            <a:spLocks noGrp="1"/>
+          </p:cNvSpPr>
+          <p:nvPr>
+            <p:ph type="title"/>
+          </p:nvPr>
+        </p:nvSpPr>
+        <p:spPr/>
+        <p:txBody>
+          <a:bodyPr/>
+          <a:lstStyle/>
+          <a:p>
+            <a:r>
+              <a:rPr lang="tr-TR" dirty="0" smtClean="0"/>
+              <a:t>Overall Burden of the System</a:t>
+            </a:r>
+            <a:endParaRPr lang="en-US" dirty="0"/>
+          </a:p>
+        </p:txBody>
+      </p:sp>
+      <p:sp>
+        <p:nvSpPr>
+          <p:cNvPr id="3" name="Content Placeholder 2"/>
+          <p:cNvSpPr>
+            <a:spLocks noGrp="1"/>
+          </p:cNvSpPr>
+          <p:nvPr>
+            <p:ph idx="1"/>
+          </p:nvPr>
+        </p:nvSpPr>
+        <p:spPr>
+          <a:xfrm>
+            <a:off x="457200" y="1600201"/>
+            <a:ext cx="8229600" cy="685792"/>
+          </a:xfrm>
+        </p:spPr>
+        <p:txBody>
+          <a:bodyPr/>
+          <a:lstStyle/>
+          <a:p>
+            <a:r>
+              <a:rPr lang="tr-TR" dirty="0" smtClean="0"/>
+              <a:t>Simulation Results for Client Types</a:t>
+            </a:r>
+            <a:endParaRPr lang="en-US" dirty="0"/>
+          </a:p>
+        </p:txBody>
+      </p:sp>
+      <p:graphicFrame>
+        <p:nvGraphicFramePr>
+          <p:cNvPr id="4" name="Table 3"/>
+          <p:cNvGraphicFramePr>
+            <a:graphicFrameLocks noGrp="1"/>
+          </p:cNvGraphicFramePr>
+          <p:nvPr/>
+        </p:nvGraphicFramePr>
+        <p:xfrm>
+          <a:off x="1214414" y="2357430"/>
+          <a:ext cx="7127240" cy="3904315"/>
+        </p:xfrm>
+        <a:graphic>
+          <a:graphicData uri="http://schemas.openxmlformats.org/drawingml/2006/table">
+            <a:tbl>
+              <a:tblPr/>
+              <a:tblGrid>
+                <a:gridCol w="1078650"/>
+                <a:gridCol w="1682624"/>
+                <a:gridCol w="1521446"/>
+                <a:gridCol w="1540929"/>
+                <a:gridCol w="1303591"/>
+              </a:tblGrid>
+              <a:tr h="1415462">
+                <a:tc>
+                  <a:txBody>
+                    <a:bodyPr/>
+                    <a:lstStyle/>
+                    <a:p>
+                      <a:pPr algn="ctr">
+                        <a:lnSpc>
+                          <a:spcPct val="150000"/>
+                        </a:lnSpc>
+                        <a:spcBef>
+                          <a:spcPts val="600"/>
+                        </a:spcBef>
+                        <a:spcAft>
+                          <a:spcPts val="0"/>
+                        </a:spcAft>
+                      </a:pPr>
+                      <a:endParaRPr lang="en-US" sz="1500" dirty="0">
+                        <a:latin typeface="+mj-lt"/>
+                        <a:ea typeface="Times New Roman"/>
+                        <a:cs typeface="Times New Roman"/>
+                      </a:endParaRPr>
+                    </a:p>
+                  </a:txBody>
+                  <a:tcPr marL="68580" marR="68580" marT="0" marB="0" anchor="ctr">
+                    <a:lnL w="12700" cap="flat" cmpd="sng" algn="ctr">
+                      <a:solidFill>
+                        <a:srgbClr val="000000"/>
+                      </a:solidFill>
+                      <a:prstDash val="solid"/>
+                      <a:round/>
+                      <a:headEnd type="none" w="med" len="med"/>
+                      <a:tailEnd type="none" w="med" len="med"/>
+                    </a:lnL>
+                    <a:lnR w="12700" cap="flat" cmpd="sng" algn="ctr">
+                      <a:solidFill>
+                        <a:srgbClr val="000000"/>
+                      </a:solidFill>
+                      <a:prstDash val="solid"/>
+                      <a:round/>
+                      <a:headEnd type="none" w="med" len="med"/>
+                      <a:tailEnd type="none" w="med" len="med"/>
+                    </a:lnR>
+                    <a:lnT w="12700" cap="flat" cmpd="sng" algn="ctr">
+                      <a:solidFill>
+                        <a:srgbClr val="000000"/>
+                      </a:solidFill>
+                      <a:prstDash val="solid"/>
+                      <a:round/>
+                      <a:headEnd type="none" w="med" len="med"/>
+                      <a:tailEnd type="none" w="med" len="med"/>
+                    </a:lnT>
+                    <a:lnB w="12700" cap="flat" cmpd="sng" algn="ctr">
+                      <a:solidFill>
+                        <a:srgbClr val="000000"/>
+                      </a:solidFill>
+                      <a:prstDash val="solid"/>
+                      <a:round/>
+                      <a:headEnd type="none" w="med" len="med"/>
+                      <a:tailEnd type="none" w="med" len="med"/>
+                    </a:lnB>
+                  </a:tcPr>
+                </a:tc>
+                <a:tc>
+                  <a:txBody>
+                    <a:bodyPr/>
+                    <a:lstStyle/>
+                    <a:p>
+                      <a:pPr algn="ctr">
+                        <a:lnSpc>
+                          <a:spcPct val="150000"/>
+                        </a:lnSpc>
+                        <a:spcBef>
+                          <a:spcPts val="600"/>
+                        </a:spcBef>
+                        <a:spcAft>
+                          <a:spcPts val="0"/>
+                        </a:spcAft>
+                      </a:pPr>
+                      <a:r>
+                        <a:rPr lang="en-US" sz="1500">
+                          <a:latin typeface="+mj-lt"/>
+                          <a:ea typeface="Times New Roman"/>
+                          <a:cs typeface="Times New Roman"/>
+                        </a:rPr>
+                        <a:t>Total Internet Usage Time</a:t>
+                      </a:r>
+                      <a:endParaRPr lang="tr-TR" sz="1500">
+                        <a:latin typeface="+mj-lt"/>
+                        <a:ea typeface="Times New Roman"/>
+                        <a:cs typeface="Times New Roman"/>
+                      </a:endParaRPr>
+                    </a:p>
+                  </a:txBody>
+                  <a:tcPr marL="68580" marR="68580" marT="0" marB="0" anchor="ctr">
+                    <a:lnL w="12700" cap="flat" cmpd="sng" algn="ctr">
+                      <a:solidFill>
+                        <a:srgbClr val="000000"/>
+                      </a:solidFill>
+                      <a:prstDash val="solid"/>
+                      <a:round/>
+                      <a:headEnd type="none" w="med" len="med"/>
+                      <a:tailEnd type="none" w="med" len="med"/>
+                    </a:lnL>
+                    <a:lnR w="12700" cap="flat" cmpd="sng" algn="ctr">
+                      <a:solidFill>
+                        <a:srgbClr val="000000"/>
+                      </a:solidFill>
+                      <a:prstDash val="solid"/>
+                      <a:round/>
+                      <a:headEnd type="none" w="med" len="med"/>
+                      <a:tailEnd type="none" w="med" len="med"/>
+                    </a:lnR>
+                    <a:lnT w="12700" cap="flat" cmpd="sng" algn="ctr">
+                      <a:solidFill>
+                        <a:srgbClr val="000000"/>
+                      </a:solidFill>
+                      <a:prstDash val="solid"/>
+                      <a:round/>
+                      <a:headEnd type="none" w="med" len="med"/>
+                      <a:tailEnd type="none" w="med" len="med"/>
+                    </a:lnT>
+                    <a:lnB w="12700" cap="flat" cmpd="sng" algn="ctr">
+                      <a:solidFill>
+                        <a:srgbClr val="000000"/>
+                      </a:solidFill>
+                      <a:prstDash val="solid"/>
+                      <a:round/>
+                      <a:headEnd type="none" w="med" len="med"/>
+                      <a:tailEnd type="none" w="med" len="med"/>
+                    </a:lnB>
+                  </a:tcPr>
+                </a:tc>
+                <a:tc>
+                  <a:txBody>
+                    <a:bodyPr/>
+                    <a:lstStyle/>
+                    <a:p>
+                      <a:pPr algn="ctr">
+                        <a:lnSpc>
+                          <a:spcPct val="150000"/>
+                        </a:lnSpc>
+                        <a:spcBef>
+                          <a:spcPts val="600"/>
+                        </a:spcBef>
+                        <a:spcAft>
+                          <a:spcPts val="0"/>
+                        </a:spcAft>
+                      </a:pPr>
+                      <a:r>
+                        <a:rPr lang="en-US" sz="1500">
+                          <a:latin typeface="+mj-lt"/>
+                          <a:ea typeface="Times New Roman"/>
+                          <a:cs typeface="Times New Roman"/>
+                        </a:rPr>
+                        <a:t>Total Internet Usage Delay</a:t>
+                      </a:r>
+                      <a:endParaRPr lang="tr-TR" sz="1500">
+                        <a:latin typeface="+mj-lt"/>
+                        <a:ea typeface="Times New Roman"/>
+                        <a:cs typeface="Times New Roman"/>
+                      </a:endParaRPr>
+                    </a:p>
+                  </a:txBody>
+                  <a:tcPr marL="68580" marR="68580" marT="0" marB="0" anchor="ctr">
+                    <a:lnL w="12700" cap="flat" cmpd="sng" algn="ctr">
+                      <a:solidFill>
+                        <a:srgbClr val="000000"/>
+                      </a:solidFill>
+                      <a:prstDash val="solid"/>
+                      <a:round/>
+                      <a:headEnd type="none" w="med" len="med"/>
+                      <a:tailEnd type="none" w="med" len="med"/>
+                    </a:lnL>
+                    <a:lnR w="12700" cap="flat" cmpd="sng" algn="ctr">
+                      <a:solidFill>
+                        <a:srgbClr val="000000"/>
+                      </a:solidFill>
+                      <a:prstDash val="solid"/>
+                      <a:round/>
+                      <a:headEnd type="none" w="med" len="med"/>
+                      <a:tailEnd type="none" w="med" len="med"/>
+                    </a:lnR>
+                    <a:lnT w="12700" cap="flat" cmpd="sng" algn="ctr">
+                      <a:solidFill>
+                        <a:srgbClr val="000000"/>
+                      </a:solidFill>
+                      <a:prstDash val="solid"/>
+                      <a:round/>
+                      <a:headEnd type="none" w="med" len="med"/>
+                      <a:tailEnd type="none" w="med" len="med"/>
+                    </a:lnT>
+                    <a:lnB w="12700" cap="flat" cmpd="sng" algn="ctr">
+                      <a:solidFill>
+                        <a:srgbClr val="000000"/>
+                      </a:solidFill>
+                      <a:prstDash val="solid"/>
+                      <a:round/>
+                      <a:headEnd type="none" w="med" len="med"/>
+                      <a:tailEnd type="none" w="med" len="med"/>
+                    </a:lnB>
+                  </a:tcPr>
+                </a:tc>
+                <a:tc>
+                  <a:txBody>
+                    <a:bodyPr/>
+                    <a:lstStyle/>
+                    <a:p>
+                      <a:pPr algn="ctr">
+                        <a:lnSpc>
+                          <a:spcPct val="150000"/>
+                        </a:lnSpc>
+                        <a:spcBef>
+                          <a:spcPts val="600"/>
+                        </a:spcBef>
+                        <a:spcAft>
+                          <a:spcPts val="0"/>
+                        </a:spcAft>
+                      </a:pPr>
+                      <a:r>
+                        <a:rPr lang="en-US" sz="1500">
+                          <a:latin typeface="+mj-lt"/>
+                          <a:ea typeface="Times New Roman"/>
+                          <a:cs typeface="Times New Roman"/>
+                        </a:rPr>
+                        <a:t>Average Internet Usage Time for a Client</a:t>
+                      </a:r>
+                      <a:endParaRPr lang="tr-TR" sz="1500">
+                        <a:latin typeface="+mj-lt"/>
+                        <a:ea typeface="Times New Roman"/>
+                        <a:cs typeface="Times New Roman"/>
+                      </a:endParaRPr>
+                    </a:p>
+                  </a:txBody>
+                  <a:tcPr marL="68580" marR="68580" marT="0" marB="0" anchor="ctr">
+                    <a:lnL w="12700" cap="flat" cmpd="sng" algn="ctr">
+                      <a:solidFill>
+                        <a:srgbClr val="000000"/>
+                      </a:solidFill>
+                      <a:prstDash val="solid"/>
+                      <a:round/>
+                      <a:headEnd type="none" w="med" len="med"/>
+                      <a:tailEnd type="none" w="med" len="med"/>
+                    </a:lnL>
+                    <a:lnR w="12700" cap="flat" cmpd="sng" algn="ctr">
+                      <a:solidFill>
+                        <a:srgbClr val="000000"/>
+                      </a:solidFill>
+                      <a:prstDash val="solid"/>
+                      <a:round/>
+                      <a:headEnd type="none" w="med" len="med"/>
+                      <a:tailEnd type="none" w="med" len="med"/>
+                    </a:lnR>
+                    <a:lnT w="12700" cap="flat" cmpd="sng" algn="ctr">
+                      <a:solidFill>
+                        <a:srgbClr val="000000"/>
+                      </a:solidFill>
+                      <a:prstDash val="solid"/>
+                      <a:round/>
+                      <a:headEnd type="none" w="med" len="med"/>
+                      <a:tailEnd type="none" w="med" len="med"/>
+                    </a:lnT>
+                    <a:lnB w="12700" cap="flat" cmpd="sng" algn="ctr">
+                      <a:solidFill>
+                        <a:srgbClr val="000000"/>
+                      </a:solidFill>
+                      <a:prstDash val="solid"/>
+                      <a:round/>
+                      <a:headEnd type="none" w="med" len="med"/>
+                      <a:tailEnd type="none" w="med" len="med"/>
+                    </a:lnB>
+                  </a:tcPr>
+                </a:tc>
+                <a:tc>
+                  <a:txBody>
+                    <a:bodyPr/>
+                    <a:lstStyle/>
+                    <a:p>
+                      <a:pPr algn="ctr">
+                        <a:lnSpc>
+                          <a:spcPct val="150000"/>
+                        </a:lnSpc>
+                        <a:spcBef>
+                          <a:spcPts val="600"/>
+                        </a:spcBef>
+                        <a:spcAft>
+                          <a:spcPts val="0"/>
+                        </a:spcAft>
+                      </a:pPr>
+                      <a:r>
+                        <a:rPr lang="en-US" sz="1500">
+                          <a:latin typeface="+mj-lt"/>
+                          <a:ea typeface="Times New Roman"/>
+                          <a:cs typeface="Times New Roman"/>
+                        </a:rPr>
+                        <a:t>Average Internet Usage Delay for a Client</a:t>
+                      </a:r>
+                      <a:endParaRPr lang="tr-TR" sz="1500">
+                        <a:latin typeface="+mj-lt"/>
+                        <a:ea typeface="Times New Roman"/>
+                        <a:cs typeface="Times New Roman"/>
+                      </a:endParaRPr>
+                    </a:p>
+                  </a:txBody>
+                  <a:tcPr marL="68580" marR="68580" marT="0" marB="0" anchor="ctr">
+                    <a:lnL w="12700" cap="flat" cmpd="sng" algn="ctr">
+                      <a:solidFill>
+                        <a:srgbClr val="000000"/>
+                      </a:solidFill>
+                      <a:prstDash val="solid"/>
+                      <a:round/>
+                      <a:headEnd type="none" w="med" len="med"/>
+                      <a:tailEnd type="none" w="med" len="med"/>
+                    </a:lnL>
+                    <a:lnR w="12700" cap="flat" cmpd="sng" algn="ctr">
+                      <a:solidFill>
+                        <a:srgbClr val="000000"/>
+                      </a:solidFill>
+                      <a:prstDash val="solid"/>
+                      <a:round/>
+                      <a:headEnd type="none" w="med" len="med"/>
+                      <a:tailEnd type="none" w="med" len="med"/>
+                    </a:lnR>
+                    <a:lnT w="12700" cap="flat" cmpd="sng" algn="ctr">
+                      <a:solidFill>
+                        <a:srgbClr val="000000"/>
+                      </a:solidFill>
+                      <a:prstDash val="solid"/>
+                      <a:round/>
+                      <a:headEnd type="none" w="med" len="med"/>
+                      <a:tailEnd type="none" w="med" len="med"/>
+                    </a:lnT>
+                    <a:lnB w="12700" cap="flat" cmpd="sng" algn="ctr">
+                      <a:solidFill>
+                        <a:srgbClr val="000000"/>
+                      </a:solidFill>
+                      <a:prstDash val="solid"/>
+                      <a:round/>
+                      <a:headEnd type="none" w="med" len="med"/>
+                      <a:tailEnd type="none" w="med" len="med"/>
+                    </a:lnB>
+                  </a:tcPr>
+                </a:tc>
+              </a:tr>
+              <a:tr h="722475">
+                <a:tc>
+                  <a:txBody>
+                    <a:bodyPr/>
+                    <a:lstStyle/>
+                    <a:p>
+                      <a:pPr algn="ctr">
+                        <a:lnSpc>
+                          <a:spcPct val="150000"/>
+                        </a:lnSpc>
+                        <a:spcBef>
+                          <a:spcPts val="600"/>
+                        </a:spcBef>
+                        <a:spcAft>
+                          <a:spcPts val="0"/>
+                        </a:spcAft>
+                      </a:pPr>
+                      <a:r>
+                        <a:rPr lang="en-US" sz="1500">
+                          <a:latin typeface="+mj-lt"/>
+                          <a:ea typeface="Times New Roman"/>
+                          <a:cs typeface="Times New Roman"/>
+                        </a:rPr>
+                        <a:t>Student</a:t>
+                      </a:r>
+                      <a:endParaRPr lang="tr-TR" sz="1500">
+                        <a:latin typeface="+mj-lt"/>
+                        <a:ea typeface="Times New Roman"/>
+                        <a:cs typeface="Times New Roman"/>
+                      </a:endParaRPr>
+                    </a:p>
+                  </a:txBody>
+                  <a:tcPr marL="68580" marR="68580" marT="0" marB="0" anchor="ctr">
+                    <a:lnL w="12700" cap="flat" cmpd="sng" algn="ctr">
+                      <a:solidFill>
+                        <a:srgbClr val="000000"/>
+                      </a:solidFill>
+                      <a:prstDash val="solid"/>
+                      <a:round/>
+                      <a:headEnd type="none" w="med" len="med"/>
+                      <a:tailEnd type="none" w="med" len="med"/>
+                    </a:lnL>
+                    <a:lnR w="12700" cap="flat" cmpd="sng" algn="ctr">
+                      <a:solidFill>
+                        <a:srgbClr val="000000"/>
+                      </a:solidFill>
+                      <a:prstDash val="solid"/>
+                      <a:round/>
+                      <a:headEnd type="none" w="med" len="med"/>
+                      <a:tailEnd type="none" w="med" len="med"/>
+                    </a:lnR>
+                    <a:lnT w="12700" cap="flat" cmpd="sng" algn="ctr">
+                      <a:solidFill>
+                        <a:srgbClr val="000000"/>
+                      </a:solidFill>
+                      <a:prstDash val="solid"/>
+                      <a:round/>
+                      <a:headEnd type="none" w="med" len="med"/>
+                      <a:tailEnd type="none" w="med" len="med"/>
+                    </a:lnT>
+                    <a:lnB w="12700" cap="flat" cmpd="sng" algn="ctr">
+                      <a:solidFill>
+                        <a:srgbClr val="000000"/>
+                      </a:solidFill>
+                      <a:prstDash val="solid"/>
+                      <a:round/>
+                      <a:headEnd type="none" w="med" len="med"/>
+                      <a:tailEnd type="none" w="med" len="med"/>
+                    </a:lnB>
+                  </a:tcPr>
+                </a:tc>
+                <a:tc>
+                  <a:txBody>
+                    <a:bodyPr/>
+                    <a:lstStyle/>
+                    <a:p>
+                      <a:pPr algn="ctr">
+                        <a:lnSpc>
+                          <a:spcPct val="150000"/>
+                        </a:lnSpc>
+                        <a:spcBef>
+                          <a:spcPts val="600"/>
+                        </a:spcBef>
+                        <a:spcAft>
+                          <a:spcPts val="0"/>
+                        </a:spcAft>
+                      </a:pPr>
+                      <a:r>
+                        <a:rPr lang="en-US" sz="1500">
+                          <a:latin typeface="+mj-lt"/>
+                          <a:ea typeface="Times New Roman"/>
+                          <a:cs typeface="Times New Roman"/>
+                        </a:rPr>
+                        <a:t>95899 Minutes</a:t>
+                      </a:r>
+                      <a:endParaRPr lang="tr-TR" sz="1500">
+                        <a:latin typeface="+mj-lt"/>
+                        <a:ea typeface="Times New Roman"/>
+                        <a:cs typeface="Times New Roman"/>
+                      </a:endParaRPr>
+                    </a:p>
+                  </a:txBody>
+                  <a:tcPr marL="68580" marR="68580" marT="0" marB="0" anchor="ctr">
+                    <a:lnL w="12700" cap="flat" cmpd="sng" algn="ctr">
+                      <a:solidFill>
+                        <a:srgbClr val="000000"/>
+                      </a:solidFill>
+                      <a:prstDash val="solid"/>
+                      <a:round/>
+                      <a:headEnd type="none" w="med" len="med"/>
+                      <a:tailEnd type="none" w="med" len="med"/>
+                    </a:lnL>
+                    <a:lnR w="12700" cap="flat" cmpd="sng" algn="ctr">
+                      <a:solidFill>
+                        <a:srgbClr val="000000"/>
+                      </a:solidFill>
+                      <a:prstDash val="solid"/>
+                      <a:round/>
+                      <a:headEnd type="none" w="med" len="med"/>
+                      <a:tailEnd type="none" w="med" len="med"/>
+                    </a:lnR>
+                    <a:lnT w="12700" cap="flat" cmpd="sng" algn="ctr">
+                      <a:solidFill>
+                        <a:srgbClr val="000000"/>
+                      </a:solidFill>
+                      <a:prstDash val="solid"/>
+                      <a:round/>
+                      <a:headEnd type="none" w="med" len="med"/>
+                      <a:tailEnd type="none" w="med" len="med"/>
+                    </a:lnT>
+                    <a:lnB w="12700" cap="flat" cmpd="sng" algn="ctr">
+                      <a:solidFill>
+                        <a:srgbClr val="000000"/>
+                      </a:solidFill>
+                      <a:prstDash val="solid"/>
+                      <a:round/>
+                      <a:headEnd type="none" w="med" len="med"/>
+                      <a:tailEnd type="none" w="med" len="med"/>
+                    </a:lnB>
+                  </a:tcPr>
+                </a:tc>
+                <a:tc>
+                  <a:txBody>
+                    <a:bodyPr/>
+                    <a:lstStyle/>
+                    <a:p>
+                      <a:pPr algn="ctr">
+                        <a:lnSpc>
+                          <a:spcPct val="150000"/>
+                        </a:lnSpc>
+                        <a:spcBef>
+                          <a:spcPts val="600"/>
+                        </a:spcBef>
+                        <a:spcAft>
+                          <a:spcPts val="0"/>
+                        </a:spcAft>
+                      </a:pPr>
+                      <a:r>
+                        <a:rPr lang="en-US" sz="1500">
+                          <a:latin typeface="+mj-lt"/>
+                          <a:ea typeface="Times New Roman"/>
+                          <a:cs typeface="Times New Roman"/>
+                        </a:rPr>
+                        <a:t>1698 Minutes</a:t>
+                      </a:r>
+                      <a:endParaRPr lang="tr-TR" sz="1500">
+                        <a:latin typeface="+mj-lt"/>
+                        <a:ea typeface="Times New Roman"/>
+                        <a:cs typeface="Times New Roman"/>
+                      </a:endParaRPr>
+                    </a:p>
+                  </a:txBody>
+                  <a:tcPr marL="68580" marR="68580" marT="0" marB="0" anchor="ctr">
+                    <a:lnL w="12700" cap="flat" cmpd="sng" algn="ctr">
+                      <a:solidFill>
+                        <a:srgbClr val="000000"/>
+                      </a:solidFill>
+                      <a:prstDash val="solid"/>
+                      <a:round/>
+                      <a:headEnd type="none" w="med" len="med"/>
+                      <a:tailEnd type="none" w="med" len="med"/>
+                    </a:lnL>
+                    <a:lnR w="12700" cap="flat" cmpd="sng" algn="ctr">
+                      <a:solidFill>
+                        <a:srgbClr val="000000"/>
+                      </a:solidFill>
+                      <a:prstDash val="solid"/>
+                      <a:round/>
+                      <a:headEnd type="none" w="med" len="med"/>
+                      <a:tailEnd type="none" w="med" len="med"/>
+                    </a:lnR>
+                    <a:lnT w="12700" cap="flat" cmpd="sng" algn="ctr">
+                      <a:solidFill>
+                        <a:srgbClr val="000000"/>
+                      </a:solidFill>
+                      <a:prstDash val="solid"/>
+                      <a:round/>
+                      <a:headEnd type="none" w="med" len="med"/>
+                      <a:tailEnd type="none" w="med" len="med"/>
+                    </a:lnT>
+                    <a:lnB w="12700" cap="flat" cmpd="sng" algn="ctr">
+                      <a:solidFill>
+                        <a:srgbClr val="000000"/>
+                      </a:solidFill>
+                      <a:prstDash val="solid"/>
+                      <a:round/>
+                      <a:headEnd type="none" w="med" len="med"/>
+                      <a:tailEnd type="none" w="med" len="med"/>
+                    </a:lnB>
+                  </a:tcPr>
+                </a:tc>
+                <a:tc>
+                  <a:txBody>
+                    <a:bodyPr/>
+                    <a:lstStyle/>
+                    <a:p>
+                      <a:pPr algn="ctr">
+                        <a:lnSpc>
+                          <a:spcPct val="150000"/>
+                        </a:lnSpc>
+                        <a:spcBef>
+                          <a:spcPts val="600"/>
+                        </a:spcBef>
+                        <a:spcAft>
+                          <a:spcPts val="0"/>
+                        </a:spcAft>
+                      </a:pPr>
+                      <a:r>
+                        <a:rPr lang="en-US" sz="1500">
+                          <a:latin typeface="+mj-lt"/>
+                          <a:ea typeface="Times New Roman"/>
+                          <a:cs typeface="Times New Roman"/>
+                        </a:rPr>
+                        <a:t>958 Minutes</a:t>
+                      </a:r>
+                      <a:endParaRPr lang="tr-TR" sz="1500">
+                        <a:latin typeface="+mj-lt"/>
+                        <a:ea typeface="Times New Roman"/>
+                        <a:cs typeface="Times New Roman"/>
+                      </a:endParaRPr>
+                    </a:p>
+                  </a:txBody>
+                  <a:tcPr marL="68580" marR="68580" marT="0" marB="0" anchor="ctr">
+                    <a:lnL w="12700" cap="flat" cmpd="sng" algn="ctr">
+                      <a:solidFill>
+                        <a:srgbClr val="000000"/>
+                      </a:solidFill>
+                      <a:prstDash val="solid"/>
+                      <a:round/>
+                      <a:headEnd type="none" w="med" len="med"/>
+                      <a:tailEnd type="none" w="med" len="med"/>
+                    </a:lnL>
+                    <a:lnR w="12700" cap="flat" cmpd="sng" algn="ctr">
+                      <a:solidFill>
+                        <a:srgbClr val="000000"/>
+                      </a:solidFill>
+                      <a:prstDash val="solid"/>
+                      <a:round/>
+                      <a:headEnd type="none" w="med" len="med"/>
+                      <a:tailEnd type="none" w="med" len="med"/>
+                    </a:lnR>
+                    <a:lnT w="12700" cap="flat" cmpd="sng" algn="ctr">
+                      <a:solidFill>
+                        <a:srgbClr val="000000"/>
+                      </a:solidFill>
+                      <a:prstDash val="solid"/>
+                      <a:round/>
+                      <a:headEnd type="none" w="med" len="med"/>
+                      <a:tailEnd type="none" w="med" len="med"/>
+                    </a:lnT>
+                    <a:lnB w="12700" cap="flat" cmpd="sng" algn="ctr">
+                      <a:solidFill>
+                        <a:srgbClr val="000000"/>
+                      </a:solidFill>
+                      <a:prstDash val="solid"/>
+                      <a:round/>
+                      <a:headEnd type="none" w="med" len="med"/>
+                      <a:tailEnd type="none" w="med" len="med"/>
+                    </a:lnB>
+                  </a:tcPr>
+                </a:tc>
+                <a:tc>
+                  <a:txBody>
+                    <a:bodyPr/>
+                    <a:lstStyle/>
+                    <a:p>
+                      <a:pPr algn="ctr">
+                        <a:lnSpc>
+                          <a:spcPct val="150000"/>
+                        </a:lnSpc>
+                        <a:spcBef>
+                          <a:spcPts val="600"/>
+                        </a:spcBef>
+                        <a:spcAft>
+                          <a:spcPts val="0"/>
+                        </a:spcAft>
+                      </a:pPr>
+                      <a:r>
+                        <a:rPr lang="en-US" sz="1500">
+                          <a:latin typeface="+mj-lt"/>
+                          <a:ea typeface="Times New Roman"/>
+                          <a:cs typeface="Times New Roman"/>
+                        </a:rPr>
+                        <a:t>16 Minutes</a:t>
+                      </a:r>
+                      <a:endParaRPr lang="tr-TR" sz="1500">
+                        <a:latin typeface="+mj-lt"/>
+                        <a:ea typeface="Times New Roman"/>
+                        <a:cs typeface="Times New Roman"/>
+                      </a:endParaRPr>
+                    </a:p>
+                  </a:txBody>
+                  <a:tcPr marL="68580" marR="68580" marT="0" marB="0" anchor="ctr">
+                    <a:lnL w="12700" cap="flat" cmpd="sng" algn="ctr">
+                      <a:solidFill>
+                        <a:srgbClr val="000000"/>
+                      </a:solidFill>
+                      <a:prstDash val="solid"/>
+                      <a:round/>
+                      <a:headEnd type="none" w="med" len="med"/>
+                      <a:tailEnd type="none" w="med" len="med"/>
+                    </a:lnL>
+                    <a:lnR w="12700" cap="flat" cmpd="sng" algn="ctr">
+                      <a:solidFill>
+                        <a:srgbClr val="000000"/>
+                      </a:solidFill>
+                      <a:prstDash val="solid"/>
+                      <a:round/>
+                      <a:headEnd type="none" w="med" len="med"/>
+                      <a:tailEnd type="none" w="med" len="med"/>
+                    </a:lnR>
+                    <a:lnT w="12700" cap="flat" cmpd="sng" algn="ctr">
+                      <a:solidFill>
+                        <a:srgbClr val="000000"/>
+                      </a:solidFill>
+                      <a:prstDash val="solid"/>
+                      <a:round/>
+                      <a:headEnd type="none" w="med" len="med"/>
+                      <a:tailEnd type="none" w="med" len="med"/>
+                    </a:lnT>
+                    <a:lnB w="12700" cap="flat" cmpd="sng" algn="ctr">
+                      <a:solidFill>
+                        <a:srgbClr val="000000"/>
+                      </a:solidFill>
+                      <a:prstDash val="solid"/>
+                      <a:round/>
+                      <a:headEnd type="none" w="med" len="med"/>
+                      <a:tailEnd type="none" w="med" len="med"/>
+                    </a:lnB>
+                  </a:tcPr>
+                </a:tc>
+              </a:tr>
+              <a:tr h="1043903">
+                <a:tc>
+                  <a:txBody>
+                    <a:bodyPr/>
+                    <a:lstStyle/>
+                    <a:p>
+                      <a:pPr algn="ctr">
+                        <a:lnSpc>
+                          <a:spcPct val="150000"/>
+                        </a:lnSpc>
+                        <a:spcBef>
+                          <a:spcPts val="600"/>
+                        </a:spcBef>
+                        <a:spcAft>
+                          <a:spcPts val="0"/>
+                        </a:spcAft>
+                      </a:pPr>
+                      <a:r>
+                        <a:rPr lang="en-US" sz="1500">
+                          <a:latin typeface="+mj-lt"/>
+                          <a:ea typeface="Times New Roman"/>
+                          <a:cs typeface="Times New Roman"/>
+                        </a:rPr>
+                        <a:t>Worker</a:t>
+                      </a:r>
+                      <a:endParaRPr lang="tr-TR" sz="1500">
+                        <a:latin typeface="+mj-lt"/>
+                        <a:ea typeface="Times New Roman"/>
+                        <a:cs typeface="Times New Roman"/>
+                      </a:endParaRPr>
+                    </a:p>
+                  </a:txBody>
+                  <a:tcPr marL="68580" marR="68580" marT="0" marB="0" anchor="ctr">
+                    <a:lnL w="12700" cap="flat" cmpd="sng" algn="ctr">
+                      <a:solidFill>
+                        <a:srgbClr val="000000"/>
+                      </a:solidFill>
+                      <a:prstDash val="solid"/>
+                      <a:round/>
+                      <a:headEnd type="none" w="med" len="med"/>
+                      <a:tailEnd type="none" w="med" len="med"/>
+                    </a:lnL>
+                    <a:lnR w="12700" cap="flat" cmpd="sng" algn="ctr">
+                      <a:solidFill>
+                        <a:srgbClr val="000000"/>
+                      </a:solidFill>
+                      <a:prstDash val="solid"/>
+                      <a:round/>
+                      <a:headEnd type="none" w="med" len="med"/>
+                      <a:tailEnd type="none" w="med" len="med"/>
+                    </a:lnR>
+                    <a:lnT w="12700" cap="flat" cmpd="sng" algn="ctr">
+                      <a:solidFill>
+                        <a:srgbClr val="000000"/>
+                      </a:solidFill>
+                      <a:prstDash val="solid"/>
+                      <a:round/>
+                      <a:headEnd type="none" w="med" len="med"/>
+                      <a:tailEnd type="none" w="med" len="med"/>
+                    </a:lnT>
+                    <a:lnB w="12700" cap="flat" cmpd="sng" algn="ctr">
+                      <a:solidFill>
+                        <a:srgbClr val="000000"/>
+                      </a:solidFill>
+                      <a:prstDash val="solid"/>
+                      <a:round/>
+                      <a:headEnd type="none" w="med" len="med"/>
+                      <a:tailEnd type="none" w="med" len="med"/>
+                    </a:lnB>
+                  </a:tcPr>
+                </a:tc>
+                <a:tc>
+                  <a:txBody>
+                    <a:bodyPr/>
+                    <a:lstStyle/>
+                    <a:p>
+                      <a:pPr algn="ctr">
+                        <a:lnSpc>
+                          <a:spcPct val="150000"/>
+                        </a:lnSpc>
+                        <a:spcBef>
+                          <a:spcPts val="600"/>
+                        </a:spcBef>
+                        <a:spcAft>
+                          <a:spcPts val="0"/>
+                        </a:spcAft>
+                      </a:pPr>
+                      <a:r>
+                        <a:rPr lang="en-US" sz="1500">
+                          <a:latin typeface="+mj-lt"/>
+                          <a:ea typeface="Times New Roman"/>
+                          <a:cs typeface="Times New Roman"/>
+                        </a:rPr>
+                        <a:t>101681</a:t>
+                      </a:r>
+                      <a:endParaRPr lang="tr-TR" sz="1500">
+                        <a:latin typeface="+mj-lt"/>
+                        <a:ea typeface="Times New Roman"/>
+                        <a:cs typeface="Times New Roman"/>
+                      </a:endParaRPr>
+                    </a:p>
+                    <a:p>
+                      <a:pPr algn="ctr">
+                        <a:lnSpc>
+                          <a:spcPct val="150000"/>
+                        </a:lnSpc>
+                        <a:spcBef>
+                          <a:spcPts val="600"/>
+                        </a:spcBef>
+                        <a:spcAft>
+                          <a:spcPts val="0"/>
+                        </a:spcAft>
+                      </a:pPr>
+                      <a:r>
+                        <a:rPr lang="en-US" sz="1500">
+                          <a:latin typeface="+mj-lt"/>
+                          <a:ea typeface="Times New Roman"/>
+                          <a:cs typeface="Times New Roman"/>
+                        </a:rPr>
+                        <a:t>Minutes</a:t>
+                      </a:r>
+                      <a:endParaRPr lang="tr-TR" sz="1500">
+                        <a:latin typeface="+mj-lt"/>
+                        <a:ea typeface="Times New Roman"/>
+                        <a:cs typeface="Times New Roman"/>
+                      </a:endParaRPr>
+                    </a:p>
+                  </a:txBody>
+                  <a:tcPr marL="68580" marR="68580" marT="0" marB="0" anchor="ctr">
+                    <a:lnL w="12700" cap="flat" cmpd="sng" algn="ctr">
+                      <a:solidFill>
+                        <a:srgbClr val="000000"/>
+                      </a:solidFill>
+                      <a:prstDash val="solid"/>
+                      <a:round/>
+                      <a:headEnd type="none" w="med" len="med"/>
+                      <a:tailEnd type="none" w="med" len="med"/>
+                    </a:lnL>
+                    <a:lnR w="12700" cap="flat" cmpd="sng" algn="ctr">
+                      <a:solidFill>
+                        <a:srgbClr val="000000"/>
+                      </a:solidFill>
+                      <a:prstDash val="solid"/>
+                      <a:round/>
+                      <a:headEnd type="none" w="med" len="med"/>
+                      <a:tailEnd type="none" w="med" len="med"/>
+                    </a:lnR>
+                    <a:lnT w="12700" cap="flat" cmpd="sng" algn="ctr">
+                      <a:solidFill>
+                        <a:srgbClr val="000000"/>
+                      </a:solidFill>
+                      <a:prstDash val="solid"/>
+                      <a:round/>
+                      <a:headEnd type="none" w="med" len="med"/>
+                      <a:tailEnd type="none" w="med" len="med"/>
+                    </a:lnT>
+                    <a:lnB w="12700" cap="flat" cmpd="sng" algn="ctr">
+                      <a:solidFill>
+                        <a:srgbClr val="000000"/>
+                      </a:solidFill>
+                      <a:prstDash val="solid"/>
+                      <a:round/>
+                      <a:headEnd type="none" w="med" len="med"/>
+                      <a:tailEnd type="none" w="med" len="med"/>
+                    </a:lnB>
+                  </a:tcPr>
+                </a:tc>
+                <a:tc>
+                  <a:txBody>
+                    <a:bodyPr/>
+                    <a:lstStyle/>
+                    <a:p>
+                      <a:pPr algn="ctr">
+                        <a:lnSpc>
+                          <a:spcPct val="150000"/>
+                        </a:lnSpc>
+                        <a:spcBef>
+                          <a:spcPts val="600"/>
+                        </a:spcBef>
+                        <a:spcAft>
+                          <a:spcPts val="0"/>
+                        </a:spcAft>
+                      </a:pPr>
+                      <a:r>
+                        <a:rPr lang="en-US" sz="1500">
+                          <a:latin typeface="+mj-lt"/>
+                          <a:ea typeface="Times New Roman"/>
+                          <a:cs typeface="Times New Roman"/>
+                        </a:rPr>
+                        <a:t>1316 Minutes</a:t>
+                      </a:r>
+                      <a:endParaRPr lang="tr-TR" sz="1500">
+                        <a:latin typeface="+mj-lt"/>
+                        <a:ea typeface="Times New Roman"/>
+                        <a:cs typeface="Times New Roman"/>
+                      </a:endParaRPr>
+                    </a:p>
+                  </a:txBody>
+                  <a:tcPr marL="68580" marR="68580" marT="0" marB="0" anchor="ctr">
+                    <a:lnL w="12700" cap="flat" cmpd="sng" algn="ctr">
+                      <a:solidFill>
+                        <a:srgbClr val="000000"/>
+                      </a:solidFill>
+                      <a:prstDash val="solid"/>
+                      <a:round/>
+                      <a:headEnd type="none" w="med" len="med"/>
+                      <a:tailEnd type="none" w="med" len="med"/>
+                    </a:lnL>
+                    <a:lnR w="12700" cap="flat" cmpd="sng" algn="ctr">
+                      <a:solidFill>
+                        <a:srgbClr val="000000"/>
+                      </a:solidFill>
+                      <a:prstDash val="solid"/>
+                      <a:round/>
+                      <a:headEnd type="none" w="med" len="med"/>
+                      <a:tailEnd type="none" w="med" len="med"/>
+                    </a:lnR>
+                    <a:lnT w="12700" cap="flat" cmpd="sng" algn="ctr">
+                      <a:solidFill>
+                        <a:srgbClr val="000000"/>
+                      </a:solidFill>
+                      <a:prstDash val="solid"/>
+                      <a:round/>
+                      <a:headEnd type="none" w="med" len="med"/>
+                      <a:tailEnd type="none" w="med" len="med"/>
+                    </a:lnT>
+                    <a:lnB w="12700" cap="flat" cmpd="sng" algn="ctr">
+                      <a:solidFill>
+                        <a:srgbClr val="000000"/>
+                      </a:solidFill>
+                      <a:prstDash val="solid"/>
+                      <a:round/>
+                      <a:headEnd type="none" w="med" len="med"/>
+                      <a:tailEnd type="none" w="med" len="med"/>
+                    </a:lnB>
+                  </a:tcPr>
+                </a:tc>
+                <a:tc>
+                  <a:txBody>
+                    <a:bodyPr/>
+                    <a:lstStyle/>
+                    <a:p>
+                      <a:pPr algn="ctr">
+                        <a:lnSpc>
+                          <a:spcPct val="150000"/>
+                        </a:lnSpc>
+                        <a:spcBef>
+                          <a:spcPts val="600"/>
+                        </a:spcBef>
+                        <a:spcAft>
+                          <a:spcPts val="0"/>
+                        </a:spcAft>
+                      </a:pPr>
+                      <a:r>
+                        <a:rPr lang="en-US" sz="1500">
+                          <a:latin typeface="+mj-lt"/>
+                          <a:ea typeface="Times New Roman"/>
+                          <a:cs typeface="Times New Roman"/>
+                        </a:rPr>
+                        <a:t>1016</a:t>
+                      </a:r>
+                      <a:endParaRPr lang="tr-TR" sz="1500">
+                        <a:latin typeface="+mj-lt"/>
+                        <a:ea typeface="Times New Roman"/>
+                        <a:cs typeface="Times New Roman"/>
+                      </a:endParaRPr>
+                    </a:p>
+                    <a:p>
+                      <a:pPr algn="ctr">
+                        <a:lnSpc>
+                          <a:spcPct val="150000"/>
+                        </a:lnSpc>
+                        <a:spcBef>
+                          <a:spcPts val="600"/>
+                        </a:spcBef>
+                        <a:spcAft>
+                          <a:spcPts val="0"/>
+                        </a:spcAft>
+                      </a:pPr>
+                      <a:r>
+                        <a:rPr lang="en-US" sz="1500">
+                          <a:latin typeface="+mj-lt"/>
+                          <a:ea typeface="Times New Roman"/>
+                          <a:cs typeface="Times New Roman"/>
+                        </a:rPr>
+                        <a:t>Minutes</a:t>
+                      </a:r>
+                      <a:endParaRPr lang="tr-TR" sz="1500">
+                        <a:latin typeface="+mj-lt"/>
+                        <a:ea typeface="Times New Roman"/>
+                        <a:cs typeface="Times New Roman"/>
+                      </a:endParaRPr>
+                    </a:p>
+                  </a:txBody>
+                  <a:tcPr marL="68580" marR="68580" marT="0" marB="0" anchor="ctr">
+                    <a:lnL w="12700" cap="flat" cmpd="sng" algn="ctr">
+                      <a:solidFill>
+                        <a:srgbClr val="000000"/>
+                      </a:solidFill>
+                      <a:prstDash val="solid"/>
+                      <a:round/>
+                      <a:headEnd type="none" w="med" len="med"/>
+                      <a:tailEnd type="none" w="med" len="med"/>
+                    </a:lnL>
+                    <a:lnR w="12700" cap="flat" cmpd="sng" algn="ctr">
+                      <a:solidFill>
+                        <a:srgbClr val="000000"/>
+                      </a:solidFill>
+                      <a:prstDash val="solid"/>
+                      <a:round/>
+                      <a:headEnd type="none" w="med" len="med"/>
+                      <a:tailEnd type="none" w="med" len="med"/>
+                    </a:lnR>
+                    <a:lnT w="12700" cap="flat" cmpd="sng" algn="ctr">
+                      <a:solidFill>
+                        <a:srgbClr val="000000"/>
+                      </a:solidFill>
+                      <a:prstDash val="solid"/>
+                      <a:round/>
+                      <a:headEnd type="none" w="med" len="med"/>
+                      <a:tailEnd type="none" w="med" len="med"/>
+                    </a:lnT>
+                    <a:lnB w="12700" cap="flat" cmpd="sng" algn="ctr">
+                      <a:solidFill>
+                        <a:srgbClr val="000000"/>
+                      </a:solidFill>
+                      <a:prstDash val="solid"/>
+                      <a:round/>
+                      <a:headEnd type="none" w="med" len="med"/>
+                      <a:tailEnd type="none" w="med" len="med"/>
+                    </a:lnB>
+                  </a:tcPr>
+                </a:tc>
+                <a:tc>
+                  <a:txBody>
+                    <a:bodyPr/>
+                    <a:lstStyle/>
+                    <a:p>
+                      <a:pPr algn="ctr">
+                        <a:lnSpc>
+                          <a:spcPct val="150000"/>
+                        </a:lnSpc>
+                        <a:spcBef>
+                          <a:spcPts val="600"/>
+                        </a:spcBef>
+                        <a:spcAft>
+                          <a:spcPts val="0"/>
+                        </a:spcAft>
+                      </a:pPr>
+                      <a:r>
+                        <a:rPr lang="en-US" sz="1500">
+                          <a:latin typeface="+mj-lt"/>
+                          <a:ea typeface="Times New Roman"/>
+                          <a:cs typeface="Times New Roman"/>
+                        </a:rPr>
+                        <a:t>13 Minutes</a:t>
+                      </a:r>
+                      <a:endParaRPr lang="tr-TR" sz="1500">
+                        <a:latin typeface="+mj-lt"/>
+                        <a:ea typeface="Times New Roman"/>
+                        <a:cs typeface="Times New Roman"/>
+                      </a:endParaRPr>
+                    </a:p>
+                  </a:txBody>
+                  <a:tcPr marL="68580" marR="68580" marT="0" marB="0" anchor="ctr">
+                    <a:lnL w="12700" cap="flat" cmpd="sng" algn="ctr">
+                      <a:solidFill>
+                        <a:srgbClr val="000000"/>
+                      </a:solidFill>
+                      <a:prstDash val="solid"/>
+                      <a:round/>
+                      <a:headEnd type="none" w="med" len="med"/>
+                      <a:tailEnd type="none" w="med" len="med"/>
+                    </a:lnL>
+                    <a:lnR w="12700" cap="flat" cmpd="sng" algn="ctr">
+                      <a:solidFill>
+                        <a:srgbClr val="000000"/>
+                      </a:solidFill>
+                      <a:prstDash val="solid"/>
+                      <a:round/>
+                      <a:headEnd type="none" w="med" len="med"/>
+                      <a:tailEnd type="none" w="med" len="med"/>
+                    </a:lnR>
+                    <a:lnT w="12700" cap="flat" cmpd="sng" algn="ctr">
+                      <a:solidFill>
+                        <a:srgbClr val="000000"/>
+                      </a:solidFill>
+                      <a:prstDash val="solid"/>
+                      <a:round/>
+                      <a:headEnd type="none" w="med" len="med"/>
+                      <a:tailEnd type="none" w="med" len="med"/>
+                    </a:lnT>
+                    <a:lnB w="12700" cap="flat" cmpd="sng" algn="ctr">
+                      <a:solidFill>
+                        <a:srgbClr val="000000"/>
+                      </a:solidFill>
+                      <a:prstDash val="solid"/>
+                      <a:round/>
+                      <a:headEnd type="none" w="med" len="med"/>
+                      <a:tailEnd type="none" w="med" len="med"/>
+                    </a:lnB>
+                  </a:tcPr>
+                </a:tc>
+              </a:tr>
+              <a:tr h="722475">
+                <a:tc>
+                  <a:txBody>
+                    <a:bodyPr/>
+                    <a:lstStyle/>
+                    <a:p>
+                      <a:pPr algn="ctr">
+                        <a:lnSpc>
+                          <a:spcPct val="150000"/>
+                        </a:lnSpc>
+                        <a:spcBef>
+                          <a:spcPts val="600"/>
+                        </a:spcBef>
+                        <a:spcAft>
+                          <a:spcPts val="0"/>
+                        </a:spcAft>
+                      </a:pPr>
+                      <a:r>
+                        <a:rPr lang="en-US" sz="1500">
+                          <a:latin typeface="+mj-lt"/>
+                          <a:ea typeface="Times New Roman"/>
+                          <a:cs typeface="Times New Roman"/>
+                        </a:rPr>
+                        <a:t>Non-Worker</a:t>
+                      </a:r>
+                      <a:endParaRPr lang="tr-TR" sz="1500">
+                        <a:latin typeface="+mj-lt"/>
+                        <a:ea typeface="Times New Roman"/>
+                        <a:cs typeface="Times New Roman"/>
+                      </a:endParaRPr>
+                    </a:p>
+                  </a:txBody>
+                  <a:tcPr marL="68580" marR="68580" marT="0" marB="0" anchor="ctr">
+                    <a:lnL w="12700" cap="flat" cmpd="sng" algn="ctr">
+                      <a:solidFill>
+                        <a:srgbClr val="000000"/>
+                      </a:solidFill>
+                      <a:prstDash val="solid"/>
+                      <a:round/>
+                      <a:headEnd type="none" w="med" len="med"/>
+                      <a:tailEnd type="none" w="med" len="med"/>
+                    </a:lnL>
+                    <a:lnR w="12700" cap="flat" cmpd="sng" algn="ctr">
+                      <a:solidFill>
+                        <a:srgbClr val="000000"/>
+                      </a:solidFill>
+                      <a:prstDash val="solid"/>
+                      <a:round/>
+                      <a:headEnd type="none" w="med" len="med"/>
+                      <a:tailEnd type="none" w="med" len="med"/>
+                    </a:lnR>
+                    <a:lnT w="12700" cap="flat" cmpd="sng" algn="ctr">
+                      <a:solidFill>
+                        <a:srgbClr val="000000"/>
+                      </a:solidFill>
+                      <a:prstDash val="solid"/>
+                      <a:round/>
+                      <a:headEnd type="none" w="med" len="med"/>
+                      <a:tailEnd type="none" w="med" len="med"/>
+                    </a:lnT>
+                    <a:lnB w="12700" cap="flat" cmpd="sng" algn="ctr">
+                      <a:solidFill>
+                        <a:srgbClr val="000000"/>
+                      </a:solidFill>
+                      <a:prstDash val="solid"/>
+                      <a:round/>
+                      <a:headEnd type="none" w="med" len="med"/>
+                      <a:tailEnd type="none" w="med" len="med"/>
+                    </a:lnB>
+                  </a:tcPr>
+                </a:tc>
+                <a:tc>
+                  <a:txBody>
+                    <a:bodyPr/>
+                    <a:lstStyle/>
+                    <a:p>
+                      <a:pPr algn="ctr">
+                        <a:lnSpc>
+                          <a:spcPct val="150000"/>
+                        </a:lnSpc>
+                        <a:spcBef>
+                          <a:spcPts val="600"/>
+                        </a:spcBef>
+                        <a:spcAft>
+                          <a:spcPts val="0"/>
+                        </a:spcAft>
+                      </a:pPr>
+                      <a:r>
+                        <a:rPr lang="en-US" sz="1500">
+                          <a:latin typeface="+mj-lt"/>
+                          <a:ea typeface="Times New Roman"/>
+                          <a:cs typeface="Times New Roman"/>
+                        </a:rPr>
+                        <a:t>105335 Minutes</a:t>
+                      </a:r>
+                      <a:endParaRPr lang="tr-TR" sz="1500">
+                        <a:latin typeface="+mj-lt"/>
+                        <a:ea typeface="Times New Roman"/>
+                        <a:cs typeface="Times New Roman"/>
+                      </a:endParaRPr>
+                    </a:p>
+                  </a:txBody>
+                  <a:tcPr marL="68580" marR="68580" marT="0" marB="0" anchor="ctr">
+                    <a:lnL w="12700" cap="flat" cmpd="sng" algn="ctr">
+                      <a:solidFill>
+                        <a:srgbClr val="000000"/>
+                      </a:solidFill>
+                      <a:prstDash val="solid"/>
+                      <a:round/>
+                      <a:headEnd type="none" w="med" len="med"/>
+                      <a:tailEnd type="none" w="med" len="med"/>
+                    </a:lnL>
+                    <a:lnR w="12700" cap="flat" cmpd="sng" algn="ctr">
+                      <a:solidFill>
+                        <a:srgbClr val="000000"/>
+                      </a:solidFill>
+                      <a:prstDash val="solid"/>
+                      <a:round/>
+                      <a:headEnd type="none" w="med" len="med"/>
+                      <a:tailEnd type="none" w="med" len="med"/>
+                    </a:lnR>
+                    <a:lnT w="12700" cap="flat" cmpd="sng" algn="ctr">
+                      <a:solidFill>
+                        <a:srgbClr val="000000"/>
+                      </a:solidFill>
+                      <a:prstDash val="solid"/>
+                      <a:round/>
+                      <a:headEnd type="none" w="med" len="med"/>
+                      <a:tailEnd type="none" w="med" len="med"/>
+                    </a:lnT>
+                    <a:lnB w="12700" cap="flat" cmpd="sng" algn="ctr">
+                      <a:solidFill>
+                        <a:srgbClr val="000000"/>
+                      </a:solidFill>
+                      <a:prstDash val="solid"/>
+                      <a:round/>
+                      <a:headEnd type="none" w="med" len="med"/>
+                      <a:tailEnd type="none" w="med" len="med"/>
+                    </a:lnB>
+                  </a:tcPr>
+                </a:tc>
+                <a:tc>
+                  <a:txBody>
+                    <a:bodyPr/>
+                    <a:lstStyle/>
+                    <a:p>
+                      <a:pPr algn="ctr">
+                        <a:lnSpc>
+                          <a:spcPct val="150000"/>
+                        </a:lnSpc>
+                        <a:spcBef>
+                          <a:spcPts val="600"/>
+                        </a:spcBef>
+                        <a:spcAft>
+                          <a:spcPts val="0"/>
+                        </a:spcAft>
+                      </a:pPr>
+                      <a:r>
+                        <a:rPr lang="en-US" sz="1500">
+                          <a:latin typeface="+mj-lt"/>
+                          <a:ea typeface="Times New Roman"/>
+                          <a:cs typeface="Times New Roman"/>
+                        </a:rPr>
+                        <a:t>1456 Minutes</a:t>
+                      </a:r>
+                      <a:endParaRPr lang="tr-TR" sz="1500">
+                        <a:latin typeface="+mj-lt"/>
+                        <a:ea typeface="Times New Roman"/>
+                        <a:cs typeface="Times New Roman"/>
+                      </a:endParaRPr>
+                    </a:p>
+                  </a:txBody>
+                  <a:tcPr marL="68580" marR="68580" marT="0" marB="0" anchor="ctr">
+                    <a:lnL w="12700" cap="flat" cmpd="sng" algn="ctr">
+                      <a:solidFill>
+                        <a:srgbClr val="000000"/>
+                      </a:solidFill>
+                      <a:prstDash val="solid"/>
+                      <a:round/>
+                      <a:headEnd type="none" w="med" len="med"/>
+                      <a:tailEnd type="none" w="med" len="med"/>
+                    </a:lnL>
+                    <a:lnR w="12700" cap="flat" cmpd="sng" algn="ctr">
+                      <a:solidFill>
+                        <a:srgbClr val="000000"/>
+                      </a:solidFill>
+                      <a:prstDash val="solid"/>
+                      <a:round/>
+                      <a:headEnd type="none" w="med" len="med"/>
+                      <a:tailEnd type="none" w="med" len="med"/>
+                    </a:lnR>
+                    <a:lnT w="12700" cap="flat" cmpd="sng" algn="ctr">
+                      <a:solidFill>
+                        <a:srgbClr val="000000"/>
+                      </a:solidFill>
+                      <a:prstDash val="solid"/>
+                      <a:round/>
+                      <a:headEnd type="none" w="med" len="med"/>
+                      <a:tailEnd type="none" w="med" len="med"/>
+                    </a:lnT>
+                    <a:lnB w="12700" cap="flat" cmpd="sng" algn="ctr">
+                      <a:solidFill>
+                        <a:srgbClr val="000000"/>
+                      </a:solidFill>
+                      <a:prstDash val="solid"/>
+                      <a:round/>
+                      <a:headEnd type="none" w="med" len="med"/>
+                      <a:tailEnd type="none" w="med" len="med"/>
+                    </a:lnB>
+                  </a:tcPr>
+                </a:tc>
+                <a:tc>
+                  <a:txBody>
+                    <a:bodyPr/>
+                    <a:lstStyle/>
+                    <a:p>
+                      <a:pPr algn="ctr">
+                        <a:lnSpc>
+                          <a:spcPct val="150000"/>
+                        </a:lnSpc>
+                        <a:spcBef>
+                          <a:spcPts val="600"/>
+                        </a:spcBef>
+                        <a:spcAft>
+                          <a:spcPts val="0"/>
+                        </a:spcAft>
+                      </a:pPr>
+                      <a:r>
+                        <a:rPr lang="en-US" sz="1500">
+                          <a:latin typeface="+mj-lt"/>
+                          <a:ea typeface="Times New Roman"/>
+                          <a:cs typeface="Times New Roman"/>
+                        </a:rPr>
+                        <a:t>1053 Minutes</a:t>
+                      </a:r>
+                      <a:endParaRPr lang="tr-TR" sz="1500">
+                        <a:latin typeface="+mj-lt"/>
+                        <a:ea typeface="Times New Roman"/>
+                        <a:cs typeface="Times New Roman"/>
+                      </a:endParaRPr>
+                    </a:p>
+                  </a:txBody>
+                  <a:tcPr marL="68580" marR="68580" marT="0" marB="0" anchor="ctr">
+                    <a:lnL w="12700" cap="flat" cmpd="sng" algn="ctr">
+                      <a:solidFill>
+                        <a:srgbClr val="000000"/>
+                      </a:solidFill>
+                      <a:prstDash val="solid"/>
+                      <a:round/>
+                      <a:headEnd type="none" w="med" len="med"/>
+                      <a:tailEnd type="none" w="med" len="med"/>
+                    </a:lnL>
+                    <a:lnR w="12700" cap="flat" cmpd="sng" algn="ctr">
+                      <a:solidFill>
+                        <a:srgbClr val="000000"/>
+                      </a:solidFill>
+                      <a:prstDash val="solid"/>
+                      <a:round/>
+                      <a:headEnd type="none" w="med" len="med"/>
+                      <a:tailEnd type="none" w="med" len="med"/>
+                    </a:lnR>
+                    <a:lnT w="12700" cap="flat" cmpd="sng" algn="ctr">
+                      <a:solidFill>
+                        <a:srgbClr val="000000"/>
+                      </a:solidFill>
+                      <a:prstDash val="solid"/>
+                      <a:round/>
+                      <a:headEnd type="none" w="med" len="med"/>
+                      <a:tailEnd type="none" w="med" len="med"/>
+                    </a:lnT>
+                    <a:lnB w="12700" cap="flat" cmpd="sng" algn="ctr">
+                      <a:solidFill>
+                        <a:srgbClr val="000000"/>
+                      </a:solidFill>
+                      <a:prstDash val="solid"/>
+                      <a:round/>
+                      <a:headEnd type="none" w="med" len="med"/>
+                      <a:tailEnd type="none" w="med" len="med"/>
+                    </a:lnB>
+                  </a:tcPr>
+                </a:tc>
+                <a:tc>
+                  <a:txBody>
+                    <a:bodyPr/>
+                    <a:lstStyle/>
+                    <a:p>
+                      <a:pPr algn="ctr">
+                        <a:lnSpc>
+                          <a:spcPct val="150000"/>
+                        </a:lnSpc>
+                        <a:spcBef>
+                          <a:spcPts val="600"/>
+                        </a:spcBef>
+                        <a:spcAft>
+                          <a:spcPts val="0"/>
+                        </a:spcAft>
+                      </a:pPr>
+                      <a:r>
+                        <a:rPr lang="en-US" sz="1500" dirty="0">
+                          <a:latin typeface="+mj-lt"/>
+                          <a:ea typeface="Times New Roman"/>
+                          <a:cs typeface="Times New Roman"/>
+                        </a:rPr>
+                        <a:t>14 Minutes</a:t>
+                      </a:r>
+                      <a:endParaRPr lang="tr-TR" sz="1500" dirty="0">
+                        <a:latin typeface="+mj-lt"/>
+                        <a:ea typeface="Times New Roman"/>
+                        <a:cs typeface="Times New Roman"/>
+                      </a:endParaRPr>
+                    </a:p>
+                  </a:txBody>
+                  <a:tcPr marL="68580" marR="68580" marT="0" marB="0" anchor="ctr">
+                    <a:lnL w="12700" cap="flat" cmpd="sng" algn="ctr">
+                      <a:solidFill>
+                        <a:srgbClr val="000000"/>
+                      </a:solidFill>
+                      <a:prstDash val="solid"/>
+                      <a:round/>
+                      <a:headEnd type="none" w="med" len="med"/>
+                      <a:tailEnd type="none" w="med" len="med"/>
+                    </a:lnL>
+                    <a:lnR w="12700" cap="flat" cmpd="sng" algn="ctr">
+                      <a:solidFill>
+                        <a:srgbClr val="000000"/>
+                      </a:solidFill>
+                      <a:prstDash val="solid"/>
+                      <a:round/>
+                      <a:headEnd type="none" w="med" len="med"/>
+                      <a:tailEnd type="none" w="med" len="med"/>
+                    </a:lnR>
+                    <a:lnT w="12700" cap="flat" cmpd="sng" algn="ctr">
+                      <a:solidFill>
+                        <a:srgbClr val="000000"/>
+                      </a:solidFill>
+                      <a:prstDash val="solid"/>
+                      <a:round/>
+                      <a:headEnd type="none" w="med" len="med"/>
+                      <a:tailEnd type="none" w="med" len="med"/>
+                    </a:lnT>
+                    <a:lnB w="12700" cap="flat" cmpd="sng" algn="ctr">
+                      <a:solidFill>
+                        <a:srgbClr val="000000"/>
+                      </a:solidFill>
+                      <a:prstDash val="solid"/>
+                      <a:round/>
+                      <a:headEnd type="none" w="med" len="med"/>
+                      <a:tailEnd type="none" w="med" len="med"/>
+                    </a:lnB>
+                  </a:tcPr>
+                </a:tc>
+              </a:tr>
+            </a:tbl>
+          </a:graphicData>
+        </a:graphic>
+      </p:graphicFrame>
+    </p:spTree>
+  </p:cSld>
+  <p:clrMapOvr>
+    <a:masterClrMapping/>
+  </p:clrMapOvr>
+</p:sld>
+</file>
+
+<file path=ppt/slides/slide54.xml><?xml version="1.0" encoding="utf-8"?>
+<p:sld xmlns:a="http://schemas.openxmlformats.org/drawingml/2006/main" xmlns:r="http://schemas.openxmlformats.org/officeDocument/2006/relationships" xmlns:p="http://schemas.openxmlformats.org/presentationml/2006/main">
+  <p:cSld>
+    <p:spTree>
+      <p:nvGrpSpPr>
+        <p:cNvPr id="1" name=""/>
+        <p:cNvGrpSpPr/>
+        <p:nvPr/>
+      </p:nvGrpSpPr>
+      <p:grpSpPr>
+        <a:xfrm>
+          <a:off x="0" y="0"/>
+          <a:ext cx="0" cy="0"/>
+          <a:chOff x="0" y="0"/>
+          <a:chExt cx="0" cy="0"/>
+        </a:xfrm>
+      </p:grpSpPr>
+      <p:sp>
+        <p:nvSpPr>
+          <p:cNvPr id="2" name="Title 1"/>
+          <p:cNvSpPr>
+            <a:spLocks noGrp="1"/>
+          </p:cNvSpPr>
+          <p:nvPr>
+            <p:ph type="title"/>
+          </p:nvPr>
+        </p:nvSpPr>
+        <p:spPr/>
+        <p:txBody>
+          <a:bodyPr/>
+          <a:lstStyle/>
+          <a:p>
+            <a:r>
+              <a:rPr lang="tr-TR" dirty="0" smtClean="0"/>
+              <a:t>Overall Burden of the System</a:t>
+            </a:r>
+            <a:endParaRPr lang="en-US" dirty="0"/>
+          </a:p>
+        </p:txBody>
+      </p:sp>
+      <p:sp>
+        <p:nvSpPr>
+          <p:cNvPr id="3" name="Content Placeholder 2"/>
+          <p:cNvSpPr>
+            <a:spLocks noGrp="1"/>
+          </p:cNvSpPr>
+          <p:nvPr>
+            <p:ph idx="1"/>
+          </p:nvPr>
+        </p:nvSpPr>
+        <p:spPr>
+          <a:xfrm>
+            <a:off x="457200" y="1600201"/>
+            <a:ext cx="8229600" cy="1114420"/>
+          </a:xfrm>
+        </p:spPr>
+        <p:txBody>
+          <a:bodyPr/>
+          <a:lstStyle/>
+          <a:p>
+            <a:r>
+              <a:rPr lang="en-US" dirty="0" smtClean="0"/>
+              <a:t>Total Amount of Service Usage Times for Client Types vs. Total Delays</a:t>
+            </a:r>
+            <a:endParaRPr lang="en-US" dirty="0"/>
+          </a:p>
+        </p:txBody>
+      </p:sp>
+      <p:pic>
+        <p:nvPicPr>
+          <p:cNvPr id="4" name="Picture 3" descr="C:\Users\SUUSER\Documents\GitHub\worddoc\thesisImages\overviewTotalFinal.png"/>
+          <p:cNvPicPr/>
+          <p:nvPr/>
+        </p:nvPicPr>
+        <p:blipFill>
+          <a:blip r:embed="rId2" cstate="print"/>
+          <a:srcRect/>
+          <a:stretch>
+            <a:fillRect/>
+          </a:stretch>
+        </p:blipFill>
+        <p:spPr bwMode="auto">
+          <a:xfrm>
+            <a:off x="1357290" y="2643182"/>
+            <a:ext cx="7076787" cy="3955116"/>
+          </a:xfrm>
+          <a:prstGeom prst="rect">
+            <a:avLst/>
+          </a:prstGeom>
+          <a:noFill/>
+          <a:ln w="9525">
+            <a:noFill/>
+            <a:miter lim="800000"/>
+            <a:headEnd/>
+            <a:tailEnd/>
+          </a:ln>
+        </p:spPr>
+      </p:pic>
+    </p:spTree>
+  </p:cSld>
+  <p:clrMapOvr>
+    <a:masterClrMapping/>
+  </p:clrMapOvr>
+</p:sld>
+</file>
+
+<file path=ppt/slides/slide55.xml><?xml version="1.0" encoding="utf-8"?>
+<p:sld xmlns:a="http://schemas.openxmlformats.org/drawingml/2006/main" xmlns:r="http://schemas.openxmlformats.org/officeDocument/2006/relationships" xmlns:p="http://schemas.openxmlformats.org/presentationml/2006/main">
+  <p:cSld>
+    <p:spTree>
+      <p:nvGrpSpPr>
+        <p:cNvPr id="1" name=""/>
+        <p:cNvGrpSpPr/>
+        <p:nvPr/>
+      </p:nvGrpSpPr>
+      <p:grpSpPr>
+        <a:xfrm>
+          <a:off x="0" y="0"/>
+          <a:ext cx="0" cy="0"/>
+          <a:chOff x="0" y="0"/>
+          <a:chExt cx="0" cy="0"/>
+        </a:xfrm>
+      </p:grpSpPr>
+      <p:sp>
+        <p:nvSpPr>
+          <p:cNvPr id="2" name="Title 1"/>
+          <p:cNvSpPr>
+            <a:spLocks noGrp="1"/>
+          </p:cNvSpPr>
+          <p:nvPr>
+            <p:ph type="title"/>
+          </p:nvPr>
+        </p:nvSpPr>
+        <p:spPr/>
+        <p:txBody>
+          <a:bodyPr/>
+          <a:lstStyle/>
+          <a:p>
+            <a:r>
+              <a:rPr lang="tr-TR" dirty="0" smtClean="0"/>
+              <a:t>Overall Burden of the System</a:t>
+            </a:r>
+            <a:endParaRPr lang="en-US" dirty="0"/>
+          </a:p>
+        </p:txBody>
+      </p:sp>
+      <p:sp>
+        <p:nvSpPr>
+          <p:cNvPr id="3" name="Content Placeholder 2"/>
+          <p:cNvSpPr>
+            <a:spLocks noGrp="1"/>
+          </p:cNvSpPr>
+          <p:nvPr>
+            <p:ph idx="1"/>
+          </p:nvPr>
+        </p:nvSpPr>
+        <p:spPr>
+          <a:xfrm>
+            <a:off x="457200" y="1600201"/>
+            <a:ext cx="8229600" cy="1114420"/>
+          </a:xfrm>
+        </p:spPr>
+        <p:txBody>
+          <a:bodyPr/>
+          <a:lstStyle/>
+          <a:p>
+            <a:r>
+              <a:rPr lang="en-US" dirty="0" smtClean="0"/>
+              <a:t>Average Service Usage Times for Client Types vs. Average Delays</a:t>
+            </a:r>
+            <a:endParaRPr lang="en-US" dirty="0"/>
+          </a:p>
+        </p:txBody>
+      </p:sp>
+      <p:pic>
+        <p:nvPicPr>
+          <p:cNvPr id="4" name="Picture 3" descr="C:\Users\SUUSER\Documents\GitHub\worddoc\thesisImages\overviewAvgFinal.png"/>
+          <p:cNvPicPr/>
+          <p:nvPr/>
+        </p:nvPicPr>
+        <p:blipFill>
+          <a:blip r:embed="rId2" cstate="print"/>
+          <a:srcRect/>
+          <a:stretch>
+            <a:fillRect/>
+          </a:stretch>
+        </p:blipFill>
+        <p:spPr bwMode="auto">
+          <a:xfrm>
+            <a:off x="1500166" y="2643182"/>
+            <a:ext cx="6862473" cy="3973213"/>
+          </a:xfrm>
+          <a:prstGeom prst="rect">
+            <a:avLst/>
+          </a:prstGeom>
+          <a:noFill/>
+          <a:ln w="9525">
+            <a:noFill/>
+            <a:miter lim="800000"/>
+            <a:headEnd/>
+            <a:tailEnd/>
+          </a:ln>
+        </p:spPr>
+      </p:pic>
+    </p:spTree>
+  </p:cSld>
+  <p:clrMapOvr>
+    <a:masterClrMapping/>
+  </p:clrMapOvr>
+</p:sld>
+</file>
+
+<file path=ppt/slides/slide56.xml><?xml version="1.0" encoding="utf-8"?>
+<p:sld xmlns:a="http://schemas.openxmlformats.org/drawingml/2006/main" xmlns:r="http://schemas.openxmlformats.org/officeDocument/2006/relationships" xmlns:p="http://schemas.openxmlformats.org/presentationml/2006/main">
+  <p:cSld>
+    <p:spTree>
+      <p:nvGrpSpPr>
+        <p:cNvPr id="1" name=""/>
+        <p:cNvGrpSpPr/>
+        <p:nvPr/>
+      </p:nvGrpSpPr>
+      <p:grpSpPr>
+        <a:xfrm>
+          <a:off x="0" y="0"/>
+          <a:ext cx="0" cy="0"/>
+          <a:chOff x="0" y="0"/>
+          <a:chExt cx="0" cy="0"/>
+        </a:xfrm>
+      </p:grpSpPr>
+      <p:sp>
+        <p:nvSpPr>
+          <p:cNvPr id="2" name="Title 1"/>
+          <p:cNvSpPr>
+            <a:spLocks noGrp="1"/>
+          </p:cNvSpPr>
+          <p:nvPr>
+            <p:ph type="title"/>
+          </p:nvPr>
+        </p:nvSpPr>
+        <p:spPr/>
+        <p:txBody>
+          <a:bodyPr/>
+          <a:lstStyle/>
+          <a:p>
+            <a:r>
+              <a:rPr lang="tr-TR" dirty="0" smtClean="0"/>
+              <a:t>Discussion</a:t>
+            </a:r>
+            <a:endParaRPr lang="en-US" dirty="0"/>
+          </a:p>
+        </p:txBody>
+      </p:sp>
+      <p:sp>
+        <p:nvSpPr>
+          <p:cNvPr id="3" name="Content Placeholder 2"/>
+          <p:cNvSpPr>
+            <a:spLocks noGrp="1"/>
+          </p:cNvSpPr>
+          <p:nvPr>
+            <p:ph idx="1"/>
+          </p:nvPr>
+        </p:nvSpPr>
+        <p:spPr>
+          <a:xfrm>
+            <a:off x="457200" y="1600200"/>
+            <a:ext cx="8229600" cy="4972072"/>
+          </a:xfrm>
+        </p:spPr>
+        <p:txBody>
+          <a:bodyPr>
+            <a:normAutofit fontScale="70000" lnSpcReduction="20000"/>
+          </a:bodyPr>
+          <a:lstStyle/>
+          <a:p>
+            <a:r>
+              <a:rPr lang="en-US" dirty="0" smtClean="0"/>
+              <a:t>Wide Coverage: Every access point could serve within a 100 meters radius. It is proven that with 100 access points, 1 km</a:t>
+            </a:r>
+            <a:r>
+              <a:rPr lang="en-US" baseline="30000" dirty="0" smtClean="0"/>
+              <a:t>2</a:t>
+            </a:r>
+            <a:r>
+              <a:rPr lang="en-US" dirty="0" smtClean="0"/>
+              <a:t> area is covered for Internet service.</a:t>
+            </a:r>
+            <a:endParaRPr lang="tr-TR" dirty="0" smtClean="0"/>
+          </a:p>
+          <a:p>
+            <a:r>
+              <a:rPr lang="en-US" dirty="0" smtClean="0"/>
+              <a:t>Seamless Mobility and Roaming: Users are able to switch between access points no matter what operator they belong to. The delays are low enough to maintain current connection without any interruption.</a:t>
+            </a:r>
+            <a:endParaRPr lang="tr-TR" dirty="0" smtClean="0"/>
+          </a:p>
+          <a:p>
+            <a:r>
+              <a:rPr lang="en-US" dirty="0" smtClean="0"/>
+              <a:t>Anonymity: For law-enforcement reasons, users must give their identities to Trusted Third Party (</a:t>
+            </a:r>
+            <a:r>
+              <a:rPr lang="en-US" i="1" dirty="0" smtClean="0"/>
+              <a:t>TTP</a:t>
+            </a:r>
+            <a:r>
+              <a:rPr lang="en-US" dirty="0" smtClean="0"/>
+              <a:t>) for getting connection cards. Therefore, as far as </a:t>
+            </a:r>
+            <a:r>
+              <a:rPr lang="en-US" i="1" dirty="0" smtClean="0"/>
+              <a:t>TTP </a:t>
+            </a:r>
+            <a:r>
+              <a:rPr lang="en-US" dirty="0" smtClean="0"/>
+              <a:t>keeps clients’ identities secret, users can remain anonymous. Identity verifications are performed using aliases, which change periodically.</a:t>
+            </a:r>
+            <a:endParaRPr lang="tr-TR" dirty="0" smtClean="0"/>
+          </a:p>
+          <a:p>
+            <a:r>
+              <a:rPr lang="en-US" dirty="0" smtClean="0"/>
+              <a:t>Mutual authentication: Initial Authorization and Reuse-CC protocols ensure the authentication of the user. TTP signs the acknowledgement values and a handshake protocol is run between the serving access point and the client. These processes ensure mutual authentication</a:t>
+            </a:r>
+            <a:r>
+              <a:rPr lang="en-US" dirty="0" smtClean="0"/>
+              <a:t>.</a:t>
+            </a:r>
+            <a:endParaRPr lang="tr-TR" dirty="0" smtClean="0"/>
+          </a:p>
+        </p:txBody>
+      </p:sp>
+    </p:spTree>
+  </p:cSld>
+  <p:clrMapOvr>
+    <a:masterClrMapping/>
+  </p:clrMapOvr>
+</p:sld>
+</file>
+
+<file path=ppt/slides/slide57.xml><?xml version="1.0" encoding="utf-8"?>
+<p:sld xmlns:a="http://schemas.openxmlformats.org/drawingml/2006/main" xmlns:r="http://schemas.openxmlformats.org/officeDocument/2006/relationships" xmlns:p="http://schemas.openxmlformats.org/presentationml/2006/main">
+  <p:cSld>
+    <p:spTree>
+      <p:nvGrpSpPr>
+        <p:cNvPr id="1" name=""/>
+        <p:cNvGrpSpPr/>
+        <p:nvPr/>
+      </p:nvGrpSpPr>
+      <p:grpSpPr>
+        <a:xfrm>
+          <a:off x="0" y="0"/>
+          <a:ext cx="0" cy="0"/>
+          <a:chOff x="0" y="0"/>
+          <a:chExt cx="0" cy="0"/>
+        </a:xfrm>
+      </p:grpSpPr>
+      <p:sp>
+        <p:nvSpPr>
+          <p:cNvPr id="2" name="Title 1"/>
+          <p:cNvSpPr>
+            <a:spLocks noGrp="1"/>
+          </p:cNvSpPr>
+          <p:nvPr>
+            <p:ph type="title"/>
+          </p:nvPr>
+        </p:nvSpPr>
+        <p:spPr/>
+        <p:txBody>
+          <a:bodyPr/>
+          <a:lstStyle/>
+          <a:p>
+            <a:r>
+              <a:rPr lang="tr-TR" dirty="0" smtClean="0"/>
+              <a:t>Discussion</a:t>
+            </a:r>
+            <a:endParaRPr lang="en-US" dirty="0"/>
+          </a:p>
+        </p:txBody>
+      </p:sp>
+      <p:sp>
+        <p:nvSpPr>
+          <p:cNvPr id="3" name="Content Placeholder 2"/>
+          <p:cNvSpPr>
+            <a:spLocks noGrp="1"/>
+          </p:cNvSpPr>
+          <p:nvPr>
+            <p:ph idx="1"/>
+          </p:nvPr>
+        </p:nvSpPr>
+        <p:spPr>
+          <a:xfrm>
+            <a:off x="457200" y="1600200"/>
+            <a:ext cx="8229600" cy="5257800"/>
+          </a:xfrm>
+        </p:spPr>
+        <p:txBody>
+          <a:bodyPr>
+            <a:normAutofit fontScale="77500" lnSpcReduction="20000"/>
+          </a:bodyPr>
+          <a:lstStyle/>
+          <a:p>
+            <a:r>
+              <a:rPr lang="en-US" dirty="0" smtClean="0"/>
+              <a:t>Two-way honesty: Since the tokens are issued by </a:t>
+            </a:r>
+            <a:r>
+              <a:rPr lang="en-US" i="1" dirty="0" smtClean="0"/>
+              <a:t>TTP</a:t>
+            </a:r>
+            <a:r>
+              <a:rPr lang="en-US" dirty="0" smtClean="0"/>
+              <a:t>, only the </a:t>
+            </a:r>
+            <a:r>
+              <a:rPr lang="en-US" i="1" dirty="0" smtClean="0"/>
+              <a:t>TTP</a:t>
+            </a:r>
+            <a:r>
+              <a:rPr lang="en-US" dirty="0" smtClean="0"/>
+              <a:t> and connection cardholder knows all the tokens that are related with a specific connection card. Hence whenever a Client sends a new token, it is not possible for him to say, “I did not use it”. Since </a:t>
+            </a:r>
+            <a:r>
+              <a:rPr lang="en-US" i="1" dirty="0" smtClean="0"/>
+              <a:t>TTP</a:t>
+            </a:r>
+            <a:r>
+              <a:rPr lang="en-US" dirty="0" smtClean="0"/>
+              <a:t> has verified the token, in the authentication phase, operators cannot say that they provided service for non-used tokens.</a:t>
+            </a:r>
+            <a:endParaRPr lang="tr-TR" dirty="0" smtClean="0"/>
+          </a:p>
+          <a:p>
+            <a:r>
+              <a:rPr lang="en-US" dirty="0" smtClean="0"/>
+              <a:t>Untraceability: Our protocols provide </a:t>
+            </a:r>
+            <a:r>
+              <a:rPr lang="en-US" dirty="0" smtClean="0"/>
+              <a:t>untraceability</a:t>
+            </a:r>
+            <a:r>
+              <a:rPr lang="tr-TR" dirty="0" smtClean="0"/>
+              <a:t> to some extent</a:t>
+            </a:r>
+            <a:r>
+              <a:rPr lang="en-US" dirty="0" smtClean="0"/>
+              <a:t> </a:t>
+            </a:r>
+            <a:r>
+              <a:rPr lang="en-US" dirty="0" smtClean="0"/>
+              <a:t>by changing aliases periodically. Clients </a:t>
+            </a:r>
+            <a:r>
+              <a:rPr lang="en-US" dirty="0" smtClean="0"/>
+              <a:t>are</a:t>
+            </a:r>
+            <a:r>
+              <a:rPr lang="tr-TR" dirty="0" smtClean="0"/>
+              <a:t> only</a:t>
+            </a:r>
+            <a:r>
+              <a:rPr lang="en-US" dirty="0" smtClean="0"/>
+              <a:t> </a:t>
+            </a:r>
+            <a:r>
+              <a:rPr lang="en-US" dirty="0" smtClean="0"/>
+              <a:t>traceable between the times they change their </a:t>
+            </a:r>
+            <a:r>
+              <a:rPr lang="tr-TR" dirty="0" smtClean="0"/>
+              <a:t>aliases</a:t>
+            </a:r>
+            <a:r>
+              <a:rPr lang="en-US" dirty="0" smtClean="0"/>
+              <a:t>.</a:t>
+            </a:r>
+            <a:endParaRPr lang="tr-TR" dirty="0" smtClean="0"/>
+          </a:p>
+          <a:p>
+            <a:r>
+              <a:rPr lang="en-US" dirty="0" smtClean="0"/>
+              <a:t>Performance: The performance of SSPayWMN has been evaluated with simulations using ns-3. Two groups of simulations are performed: unit tests and a real-life scenario. In both groups, our protocols achieved steady state with reasonable delays. Moreover, in overall, the latency cost of SSPayWMN is 1% of the actual usage.</a:t>
+            </a:r>
+          </a:p>
+          <a:p>
+            <a:endParaRPr lang="en-US" dirty="0"/>
+          </a:p>
+        </p:txBody>
+      </p:sp>
+    </p:spTree>
+  </p:cSld>
+  <p:clrMapOvr>
+    <a:masterClrMapping/>
+  </p:clrMapOvr>
+</p:sld>
+</file>
+
+<file path=ppt/slides/slide58.xml><?xml version="1.0" encoding="utf-8"?>
+<p:sld xmlns:a="http://schemas.openxmlformats.org/drawingml/2006/main" xmlns:r="http://schemas.openxmlformats.org/officeDocument/2006/relationships" xmlns:p="http://schemas.openxmlformats.org/presentationml/2006/main">
+  <p:cSld>
+    <p:spTree>
+      <p:nvGrpSpPr>
+        <p:cNvPr id="1" name=""/>
+        <p:cNvGrpSpPr/>
+        <p:nvPr/>
+      </p:nvGrpSpPr>
+      <p:grpSpPr>
+        <a:xfrm>
+          <a:off x="0" y="0"/>
+          <a:ext cx="0" cy="0"/>
+          <a:chOff x="0" y="0"/>
+          <a:chExt cx="0" cy="0"/>
+        </a:xfrm>
+      </p:grpSpPr>
+      <p:sp>
+        <p:nvSpPr>
+          <p:cNvPr id="2" name="Title 1"/>
+          <p:cNvSpPr>
+            <a:spLocks noGrp="1"/>
+          </p:cNvSpPr>
+          <p:nvPr>
+            <p:ph type="title"/>
+          </p:nvPr>
+        </p:nvSpPr>
+        <p:spPr/>
+        <p:txBody>
+          <a:bodyPr/>
+          <a:lstStyle/>
+          <a:p>
+            <a:r>
+              <a:rPr lang="tr-TR" dirty="0" smtClean="0"/>
+              <a:t>Conclusion</a:t>
+            </a:r>
+            <a:endParaRPr lang="en-US" dirty="0"/>
+          </a:p>
+        </p:txBody>
+      </p:sp>
+      <p:sp>
+        <p:nvSpPr>
+          <p:cNvPr id="3" name="Content Placeholder 2"/>
+          <p:cNvSpPr>
+            <a:spLocks noGrp="1"/>
+          </p:cNvSpPr>
+          <p:nvPr>
+            <p:ph idx="1"/>
+          </p:nvPr>
+        </p:nvSpPr>
+        <p:spPr/>
+        <p:txBody>
+          <a:bodyPr>
+            <a:normAutofit fontScale="92500" lnSpcReduction="10000"/>
+          </a:bodyPr>
+          <a:lstStyle/>
+          <a:p>
+            <a:r>
+              <a:rPr lang="tr-TR" dirty="0" smtClean="0"/>
+              <a:t>W</a:t>
+            </a:r>
+            <a:r>
+              <a:rPr lang="tr-TR" dirty="0" smtClean="0"/>
+              <a:t>e </a:t>
+            </a:r>
+            <a:r>
+              <a:rPr lang="tr-TR" dirty="0" smtClean="0"/>
+              <a:t>have proposed a secure and seamless prepayment scheme for wireless mesh networks (SSPayWMN</a:t>
+            </a:r>
+            <a:r>
+              <a:rPr lang="tr-TR" dirty="0" smtClean="0"/>
+              <a:t>).</a:t>
+            </a:r>
+          </a:p>
+          <a:p>
+            <a:r>
+              <a:rPr lang="tr-TR" dirty="0" smtClean="0"/>
+              <a:t>This system provides fairness to both operators and to clients</a:t>
+            </a:r>
+            <a:r>
+              <a:rPr lang="tr-TR" dirty="0" smtClean="0"/>
+              <a:t>.</a:t>
+            </a:r>
+          </a:p>
+          <a:p>
+            <a:r>
+              <a:rPr lang="tr-TR" dirty="0" smtClean="0"/>
+              <a:t>SSPayWMN provides privacy and untraceability to some extent</a:t>
+            </a:r>
+            <a:r>
+              <a:rPr lang="tr-TR" dirty="0" smtClean="0"/>
+              <a:t>.</a:t>
+            </a:r>
+          </a:p>
+          <a:p>
+            <a:r>
+              <a:rPr lang="tr-TR" dirty="0" smtClean="0"/>
+              <a:t>SSPayWMN can successfully handle seamless handover between operators by eliminating the need for re-authentication from the scratch.</a:t>
+            </a:r>
+            <a:endParaRPr lang="tr-TR" dirty="0" smtClean="0"/>
+          </a:p>
+          <a:p>
+            <a:endParaRPr lang="en-US" dirty="0"/>
+          </a:p>
+        </p:txBody>
+      </p:sp>
+    </p:spTree>
+  </p:cSld>
+  <p:clrMapOvr>
+    <a:masterClrMapping/>
+  </p:clrMapOvr>
+</p:sld>
+</file>
+
+<file path=ppt/slides/slide59.xml><?xml version="1.0" encoding="utf-8"?>
+<p:sld xmlns:a="http://schemas.openxmlformats.org/drawingml/2006/main" xmlns:r="http://schemas.openxmlformats.org/officeDocument/2006/relationships" xmlns:p="http://schemas.openxmlformats.org/presentationml/2006/main">
+  <p:cSld>
+    <p:spTree>
+      <p:nvGrpSpPr>
+        <p:cNvPr id="1" name=""/>
+        <p:cNvGrpSpPr/>
+        <p:nvPr/>
+      </p:nvGrpSpPr>
+      <p:grpSpPr>
+        <a:xfrm>
+          <a:off x="0" y="0"/>
+          <a:ext cx="0" cy="0"/>
+          <a:chOff x="0" y="0"/>
+          <a:chExt cx="0" cy="0"/>
+        </a:xfrm>
+      </p:grpSpPr>
+      <p:sp>
+        <p:nvSpPr>
+          <p:cNvPr id="2" name="Title 1"/>
+          <p:cNvSpPr>
+            <a:spLocks noGrp="1"/>
+          </p:cNvSpPr>
+          <p:nvPr>
+            <p:ph type="title"/>
+          </p:nvPr>
+        </p:nvSpPr>
+        <p:spPr/>
+        <p:txBody>
+          <a:bodyPr/>
+          <a:lstStyle/>
+          <a:p>
+            <a:r>
+              <a:rPr lang="tr-TR" dirty="0" smtClean="0"/>
+              <a:t>Conclusion (continued)</a:t>
+            </a:r>
+            <a:endParaRPr lang="en-US" dirty="0"/>
+          </a:p>
+        </p:txBody>
+      </p:sp>
+      <p:sp>
+        <p:nvSpPr>
+          <p:cNvPr id="3" name="Content Placeholder 2"/>
+          <p:cNvSpPr>
+            <a:spLocks noGrp="1"/>
+          </p:cNvSpPr>
+          <p:nvPr>
+            <p:ph idx="1"/>
+          </p:nvPr>
+        </p:nvSpPr>
+        <p:spPr/>
+        <p:txBody>
+          <a:bodyPr/>
+          <a:lstStyle/>
+          <a:p>
+            <a:r>
+              <a:rPr lang="tr-TR" dirty="0" smtClean="0"/>
+              <a:t>We have conducted two types of simulations to evaluate our system using ns-3: Unit tests and real-life scenario simulations</a:t>
+            </a:r>
+            <a:r>
+              <a:rPr lang="tr-TR" dirty="0" smtClean="0"/>
+              <a:t>.</a:t>
+            </a:r>
+          </a:p>
+          <a:p>
+            <a:r>
+              <a:rPr lang="tr-TR" dirty="0" smtClean="0"/>
+              <a:t>Both simulation types gave results ensuring the stability of the system and steady state performce.</a:t>
+            </a:r>
+            <a:endParaRPr lang="en-US" dirty="0"/>
+          </a:p>
+        </p:txBody>
+      </p:sp>
+    </p:spTree>
+  </p:cSld>
+  <p:clrMapOvr>
+    <a:masterClrMapping/>
+  </p:clrMapOvr>
 </p:sld>
 </file>
 
@@ -7552,7 +12015,7 @@
           <p:nvPr>
             <p:extLst>
               <p:ext uri="{D42A27DB-BD31-4B8C-83A1-F6EECF244321}">
-                <p14:modId xmlns:p14="http://schemas.microsoft.com/office/powerpoint/2010/main" val="3351597261"/>
+                <p14:modId xmlns:p14="http://schemas.microsoft.com/office/powerpoint/2010/main" xmlns="" val="3351597261"/>
               </p:ext>
             </p:extLst>
           </p:nvPr>
@@ -8566,7 +13029,7 @@
           <p:nvPr/>
         </p:nvPicPr>
         <p:blipFill>
-          <a:blip r:embed="rId8"/>
+          <a:blip r:embed="rId8" cstate="print"/>
           <a:srcRect/>
           <a:stretch>
             <a:fillRect/>
@@ -8592,7 +13055,7 @@
     </p:spTree>
     <p:extLst>
       <p:ext uri="{BB962C8B-B14F-4D97-AF65-F5344CB8AC3E}">
-        <p14:creationId xmlns:p14="http://schemas.microsoft.com/office/powerpoint/2010/main" val="3622709671"/>
+        <p14:creationId xmlns:p14="http://schemas.microsoft.com/office/powerpoint/2010/main" xmlns="" val="3622709671"/>
       </p:ext>
     </p:extLst>
   </p:cSld>
@@ -8602,10 +13065,81 @@
   <p:timing>
     <p:tnLst>
       <p:par>
-        <p:cTn xmlns:p14="http://schemas.microsoft.com/office/powerpoint/2010/main" id="1" dur="indefinite" restart="never" nodeType="tmRoot"/>
+        <p:cTn id="1" dur="indefinite" restart="never" nodeType="tmRoot"/>
       </p:par>
     </p:tnLst>
   </p:timing>
+</p:sld>
+</file>
+
+<file path=ppt/slides/slide60.xml><?xml version="1.0" encoding="utf-8"?>
+<p:sld xmlns:a="http://schemas.openxmlformats.org/drawingml/2006/main" xmlns:r="http://schemas.openxmlformats.org/officeDocument/2006/relationships" xmlns:p="http://schemas.openxmlformats.org/presentationml/2006/main">
+  <p:cSld>
+    <p:spTree>
+      <p:nvGrpSpPr>
+        <p:cNvPr id="1" name=""/>
+        <p:cNvGrpSpPr/>
+        <p:nvPr/>
+      </p:nvGrpSpPr>
+      <p:grpSpPr>
+        <a:xfrm>
+          <a:off x="0" y="0"/>
+          <a:ext cx="0" cy="0"/>
+          <a:chOff x="0" y="0"/>
+          <a:chExt cx="0" cy="0"/>
+        </a:xfrm>
+      </p:grpSpPr>
+      <p:sp>
+        <p:nvSpPr>
+          <p:cNvPr id="2" name="Title 1"/>
+          <p:cNvSpPr>
+            <a:spLocks noGrp="1"/>
+          </p:cNvSpPr>
+          <p:nvPr>
+            <p:ph type="title"/>
+          </p:nvPr>
+        </p:nvSpPr>
+        <p:spPr/>
+        <p:txBody>
+          <a:bodyPr/>
+          <a:lstStyle/>
+          <a:p>
+            <a:r>
+              <a:rPr lang="en-US" dirty="0" smtClean="0"/>
+              <a:t>Questions?</a:t>
+            </a:r>
+            <a:endParaRPr lang="en-US" dirty="0"/>
+          </a:p>
+        </p:txBody>
+      </p:sp>
+      <p:sp>
+        <p:nvSpPr>
+          <p:cNvPr id="3" name="Content Placeholder 2"/>
+          <p:cNvSpPr>
+            <a:spLocks noGrp="1"/>
+          </p:cNvSpPr>
+          <p:nvPr>
+            <p:ph idx="1"/>
+          </p:nvPr>
+        </p:nvSpPr>
+        <p:spPr/>
+        <p:txBody>
+          <a:bodyPr/>
+          <a:lstStyle/>
+          <a:p>
+            <a:r>
+              <a:rPr lang="en-US" dirty="0" smtClean="0"/>
+              <a:t>Thank you for listening.</a:t>
+            </a:r>
+            <a:endParaRPr lang="en-US" dirty="0"/>
+          </a:p>
+        </p:txBody>
+      </p:sp>
+    </p:spTree>
+  </p:cSld>
+  <p:clrMapOvr>
+    <a:masterClrMapping/>
+  </p:clrMapOvr>
 </p:sld>
 </file>
 
@@ -8729,7 +13263,7 @@
   <p:timing>
     <p:tnLst>
       <p:par>
-        <p:cTn xmlns:p14="http://schemas.microsoft.com/office/powerpoint/2010/main" id="1" dur="indefinite" restart="never" nodeType="tmRoot"/>
+        <p:cTn id="1" dur="indefinite" restart="never" nodeType="tmRoot"/>
       </p:par>
     </p:tnLst>
   </p:timing>
@@ -8995,7 +13529,7 @@
   <p:timing>
     <p:tnLst>
       <p:par>
-        <p:cTn xmlns:p14="http://schemas.microsoft.com/office/powerpoint/2010/main" id="1" dur="indefinite" restart="never" nodeType="tmRoot"/>
+        <p:cTn id="1" dur="indefinite" restart="never" nodeType="tmRoot"/>
       </p:par>
     </p:tnLst>
   </p:timing>
@@ -9085,7 +13619,7 @@
   <p:timing>
     <p:tnLst>
       <p:par>
-        <p:cTn xmlns:p14="http://schemas.microsoft.com/office/powerpoint/2010/main" id="1" dur="indefinite" restart="never" nodeType="tmRoot"/>
+        <p:cTn id="1" dur="indefinite" restart="never" nodeType="tmRoot"/>
       </p:par>
     </p:tnLst>
   </p:timing>
